--- a/slides/2_continuous_controllers.pptx
+++ b/slides/2_continuous_controllers.pptx
@@ -491,7 +491,7 @@
           <a:p>
             <a:fld id="{506E0FD1-891F-4B1E-916D-E9B585160BB8}" type="datetimeFigureOut">
               <a:rPr lang="en-GB" smtClean="0"/>
-              <a:t>24/01/2026</a:t>
+              <a:t>28/01/2026</a:t>
             </a:fld>
             <a:endParaRPr lang="en-GB"/>
           </a:p>
@@ -908,7 +908,7 @@
           <a:p>
             <a:fld id="{D68C3F22-27B2-44E3-9C5F-D08126455F6F}" type="datetime1">
               <a:rPr lang="en-GB" smtClean="0"/>
-              <a:t>24/01/2026</a:t>
+              <a:t>28/01/2026</a:t>
             </a:fld>
             <a:endParaRPr lang="en-GB"/>
           </a:p>
@@ -1108,7 +1108,7 @@
           <a:p>
             <a:fld id="{1CD03846-7BF6-4FB6-A921-FF3379ADBD4C}" type="datetime1">
               <a:rPr lang="en-GB" smtClean="0"/>
-              <a:t>24/01/2026</a:t>
+              <a:t>28/01/2026</a:t>
             </a:fld>
             <a:endParaRPr lang="en-GB"/>
           </a:p>
@@ -1318,7 +1318,7 @@
           <a:p>
             <a:fld id="{99E1B91A-3FD0-4144-9C84-63E9688ED2FE}" type="datetime1">
               <a:rPr lang="en-GB" smtClean="0"/>
-              <a:t>24/01/2026</a:t>
+              <a:t>28/01/2026</a:t>
             </a:fld>
             <a:endParaRPr lang="en-GB"/>
           </a:p>
@@ -1518,7 +1518,7 @@
           <a:p>
             <a:fld id="{5295ED7B-FEAD-4734-819F-93EF4B0EA908}" type="datetime1">
               <a:rPr lang="en-GB" smtClean="0"/>
-              <a:t>24/01/2026</a:t>
+              <a:t>28/01/2026</a:t>
             </a:fld>
             <a:endParaRPr lang="en-GB"/>
           </a:p>
@@ -1794,7 +1794,7 @@
           <a:p>
             <a:fld id="{D2D5D4B4-C926-4B45-8815-1ED8911179A2}" type="datetime1">
               <a:rPr lang="en-GB" smtClean="0"/>
-              <a:t>24/01/2026</a:t>
+              <a:t>28/01/2026</a:t>
             </a:fld>
             <a:endParaRPr lang="en-GB"/>
           </a:p>
@@ -2062,7 +2062,7 @@
           <a:p>
             <a:fld id="{B4C5210A-0E37-4935-93AF-69F21A5F712F}" type="datetime1">
               <a:rPr lang="en-GB" smtClean="0"/>
-              <a:t>24/01/2026</a:t>
+              <a:t>28/01/2026</a:t>
             </a:fld>
             <a:endParaRPr lang="en-GB"/>
           </a:p>
@@ -2477,7 +2477,7 @@
           <a:p>
             <a:fld id="{3D3A6B2F-436C-4691-80E8-9C890E000E9D}" type="datetime1">
               <a:rPr lang="en-GB" smtClean="0"/>
-              <a:t>24/01/2026</a:t>
+              <a:t>28/01/2026</a:t>
             </a:fld>
             <a:endParaRPr lang="en-GB"/>
           </a:p>
@@ -2619,7 +2619,7 @@
           <a:p>
             <a:fld id="{84385F4C-D74B-496F-8D21-97E3549C783B}" type="datetime1">
               <a:rPr lang="en-GB" smtClean="0"/>
-              <a:t>24/01/2026</a:t>
+              <a:t>28/01/2026</a:t>
             </a:fld>
             <a:endParaRPr lang="en-GB"/>
           </a:p>
@@ -2732,7 +2732,7 @@
           <a:p>
             <a:fld id="{0CBDCB32-C241-4703-A832-4EB47BD54E83}" type="datetime1">
               <a:rPr lang="en-GB" smtClean="0"/>
-              <a:t>24/01/2026</a:t>
+              <a:t>28/01/2026</a:t>
             </a:fld>
             <a:endParaRPr lang="en-GB"/>
           </a:p>
@@ -3045,7 +3045,7 @@
           <a:p>
             <a:fld id="{85C150FF-BE95-4D25-A16A-E368A81CBF24}" type="datetime1">
               <a:rPr lang="en-GB" smtClean="0"/>
-              <a:t>24/01/2026</a:t>
+              <a:t>28/01/2026</a:t>
             </a:fld>
             <a:endParaRPr lang="en-GB"/>
           </a:p>
@@ -3334,7 +3334,7 @@
           <a:p>
             <a:fld id="{F3C5DB4B-B349-43C9-A424-BADA723AD9F1}" type="datetime1">
               <a:rPr lang="en-GB" smtClean="0"/>
-              <a:t>24/01/2026</a:t>
+              <a:t>28/01/2026</a:t>
             </a:fld>
             <a:endParaRPr lang="en-GB"/>
           </a:p>
@@ -3577,7 +3577,7 @@
           <a:p>
             <a:fld id="{12632426-0A0C-405F-A3D0-2D11AA44702A}" type="datetime1">
               <a:rPr lang="en-GB" smtClean="0"/>
-              <a:t>24/01/2026</a:t>
+              <a:t>28/01/2026</a:t>
             </a:fld>
             <a:endParaRPr lang="en-GB"/>
           </a:p>
@@ -6283,10 +6283,55 @@
             <p:ph idx="1"/>
           </p:nvPr>
         </p:nvSpPr>
-        <p:spPr/>
-        <p:txBody>
-          <a:bodyPr/>
-          <a:lstStyle/>
+        <p:spPr>
+          <a:xfrm>
+            <a:off x="838200" y="1825625"/>
+            <a:ext cx="10515600" cy="1588828"/>
+          </a:xfrm>
+        </p:spPr>
+        <p:txBody>
+          <a:bodyPr>
+            <a:normAutofit fontScale="85000" lnSpcReduction="20000"/>
+          </a:bodyPr>
+          <a:lstStyle/>
+          <a:p>
+            <a:pPr marL="0" indent="0">
+              <a:buNone/>
+            </a:pPr>
+            <a:r>
+              <a:rPr lang="de-DE" dirty="0"/>
+              <a:t>Most </a:t>
+            </a:r>
+            <a:r>
+              <a:rPr lang="de-DE" dirty="0" err="1"/>
+              <a:t>widely</a:t>
+            </a:r>
+            <a:r>
+              <a:rPr lang="de-DE" dirty="0"/>
+              <a:t> </a:t>
+            </a:r>
+            <a:r>
+              <a:rPr lang="de-DE" dirty="0" err="1"/>
+              <a:t>used</a:t>
+            </a:r>
+            <a:r>
+              <a:rPr lang="de-DE" dirty="0"/>
+              <a:t> </a:t>
+            </a:r>
+            <a:r>
+              <a:rPr lang="de-DE" dirty="0" err="1"/>
+              <a:t>industrial</a:t>
+            </a:r>
+            <a:r>
+              <a:rPr lang="de-DE" dirty="0"/>
+              <a:t> </a:t>
+            </a:r>
+            <a:r>
+              <a:rPr lang="de-DE" dirty="0" err="1"/>
+              <a:t>controller</a:t>
+            </a:r>
+            <a:endParaRPr lang="de-DE" dirty="0"/>
+          </a:p>
           <a:p>
             <a:r>
               <a:rPr lang="de-DE" dirty="0"/>
@@ -6304,41 +6349,6 @@
               <a:rPr lang="de-DE" dirty="0"/>
               <a:t>PID: P + I + D</a:t>
             </a:r>
-          </a:p>
-          <a:p>
-            <a:r>
-              <a:rPr lang="de-DE" dirty="0"/>
-              <a:t>Most </a:t>
-            </a:r>
-            <a:r>
-              <a:rPr lang="de-DE" dirty="0" err="1"/>
-              <a:t>widely</a:t>
-            </a:r>
-            <a:r>
-              <a:rPr lang="de-DE" dirty="0"/>
-              <a:t> </a:t>
-            </a:r>
-            <a:r>
-              <a:rPr lang="de-DE" dirty="0" err="1"/>
-              <a:t>used</a:t>
-            </a:r>
-            <a:r>
-              <a:rPr lang="de-DE" dirty="0"/>
-              <a:t> </a:t>
-            </a:r>
-            <a:r>
-              <a:rPr lang="de-DE" dirty="0" err="1"/>
-              <a:t>industrial</a:t>
-            </a:r>
-            <a:r>
-              <a:rPr lang="de-DE" dirty="0"/>
-              <a:t> </a:t>
-            </a:r>
-            <a:r>
-              <a:rPr lang="de-DE" dirty="0" err="1"/>
-              <a:t>controller</a:t>
-            </a:r>
-            <a:endParaRPr lang="de-DE" dirty="0"/>
           </a:p>
         </p:txBody>
       </p:sp>
@@ -6371,6 +6381,53 @@
           </a:p>
         </p:txBody>
       </p:sp>
+      <p:pic>
+        <p:nvPicPr>
+          <p:cNvPr id="1026" name="Picture 2" descr="undefined">
+            <a:extLst>
+              <a:ext uri="{FF2B5EF4-FFF2-40B4-BE49-F238E27FC236}">
+                <a16:creationId xmlns:a16="http://schemas.microsoft.com/office/drawing/2014/main" id="{4C0798CB-DBAD-4593-F490-F4A1AF6CD766}"/>
+              </a:ext>
+            </a:extLst>
+          </p:cNvPr>
+          <p:cNvPicPr>
+            <a:picLocks noChangeAspect="1" noChangeArrowheads="1"/>
+          </p:cNvPicPr>
+          <p:nvPr/>
+        </p:nvPicPr>
+        <p:blipFill>
+          <a:blip r:embed="rId2">
+            <a:extLst>
+              <a:ext uri="{28A0092B-C50C-407E-A947-70E740481C1C}">
+                <a14:useLocalDpi xmlns:a14="http://schemas.microsoft.com/office/drawing/2010/main" val="0"/>
+              </a:ext>
+            </a:extLst>
+          </a:blip>
+          <a:srcRect/>
+          <a:stretch>
+            <a:fillRect/>
+          </a:stretch>
+        </p:blipFill>
+        <p:spPr bwMode="auto">
+          <a:xfrm>
+            <a:off x="1446068" y="3414453"/>
+            <a:ext cx="9299864" cy="3307022"/>
+          </a:xfrm>
+          <a:prstGeom prst="rect">
+            <a:avLst/>
+          </a:prstGeom>
+          <a:noFill/>
+          <a:extLst>
+            <a:ext uri="{909E8E84-426E-40DD-AFC4-6F175D3DCCD1}">
+              <a14:hiddenFill xmlns:a14="http://schemas.microsoft.com/office/drawing/2010/main">
+                <a:solidFill>
+                  <a:srgbClr val="FFFFFF"/>
+                </a:solidFill>
+              </a14:hiddenFill>
+            </a:ext>
+          </a:extLst>
+        </p:spPr>
+      </p:pic>
     </p:spTree>
     <p:extLst>
       <p:ext uri="{BB962C8B-B14F-4D97-AF65-F5344CB8AC3E}">

--- a/slides/2_continuous_controllers.pptx
+++ b/slides/2_continuous_controllers.pptx
@@ -491,7 +491,7 @@
           <a:p>
             <a:fld id="{506E0FD1-891F-4B1E-916D-E9B585160BB8}" type="datetimeFigureOut">
               <a:rPr lang="en-GB" smtClean="0"/>
-              <a:t>28/01/2026</a:t>
+              <a:t>29/01/2026</a:t>
             </a:fld>
             <a:endParaRPr lang="en-GB"/>
           </a:p>
@@ -908,7 +908,7 @@
           <a:p>
             <a:fld id="{D68C3F22-27B2-44E3-9C5F-D08126455F6F}" type="datetime1">
               <a:rPr lang="en-GB" smtClean="0"/>
-              <a:t>28/01/2026</a:t>
+              <a:t>29/01/2026</a:t>
             </a:fld>
             <a:endParaRPr lang="en-GB"/>
           </a:p>
@@ -1108,7 +1108,7 @@
           <a:p>
             <a:fld id="{1CD03846-7BF6-4FB6-A921-FF3379ADBD4C}" type="datetime1">
               <a:rPr lang="en-GB" smtClean="0"/>
-              <a:t>28/01/2026</a:t>
+              <a:t>29/01/2026</a:t>
             </a:fld>
             <a:endParaRPr lang="en-GB"/>
           </a:p>
@@ -1318,7 +1318,7 @@
           <a:p>
             <a:fld id="{99E1B91A-3FD0-4144-9C84-63E9688ED2FE}" type="datetime1">
               <a:rPr lang="en-GB" smtClean="0"/>
-              <a:t>28/01/2026</a:t>
+              <a:t>29/01/2026</a:t>
             </a:fld>
             <a:endParaRPr lang="en-GB"/>
           </a:p>
@@ -1518,7 +1518,7 @@
           <a:p>
             <a:fld id="{5295ED7B-FEAD-4734-819F-93EF4B0EA908}" type="datetime1">
               <a:rPr lang="en-GB" smtClean="0"/>
-              <a:t>28/01/2026</a:t>
+              <a:t>29/01/2026</a:t>
             </a:fld>
             <a:endParaRPr lang="en-GB"/>
           </a:p>
@@ -1794,7 +1794,7 @@
           <a:p>
             <a:fld id="{D2D5D4B4-C926-4B45-8815-1ED8911179A2}" type="datetime1">
               <a:rPr lang="en-GB" smtClean="0"/>
-              <a:t>28/01/2026</a:t>
+              <a:t>29/01/2026</a:t>
             </a:fld>
             <a:endParaRPr lang="en-GB"/>
           </a:p>
@@ -2062,7 +2062,7 @@
           <a:p>
             <a:fld id="{B4C5210A-0E37-4935-93AF-69F21A5F712F}" type="datetime1">
               <a:rPr lang="en-GB" smtClean="0"/>
-              <a:t>28/01/2026</a:t>
+              <a:t>29/01/2026</a:t>
             </a:fld>
             <a:endParaRPr lang="en-GB"/>
           </a:p>
@@ -2477,7 +2477,7 @@
           <a:p>
             <a:fld id="{3D3A6B2F-436C-4691-80E8-9C890E000E9D}" type="datetime1">
               <a:rPr lang="en-GB" smtClean="0"/>
-              <a:t>28/01/2026</a:t>
+              <a:t>29/01/2026</a:t>
             </a:fld>
             <a:endParaRPr lang="en-GB"/>
           </a:p>
@@ -2619,7 +2619,7 @@
           <a:p>
             <a:fld id="{84385F4C-D74B-496F-8D21-97E3549C783B}" type="datetime1">
               <a:rPr lang="en-GB" smtClean="0"/>
-              <a:t>28/01/2026</a:t>
+              <a:t>29/01/2026</a:t>
             </a:fld>
             <a:endParaRPr lang="en-GB"/>
           </a:p>
@@ -2732,7 +2732,7 @@
           <a:p>
             <a:fld id="{0CBDCB32-C241-4703-A832-4EB47BD54E83}" type="datetime1">
               <a:rPr lang="en-GB" smtClean="0"/>
-              <a:t>28/01/2026</a:t>
+              <a:t>29/01/2026</a:t>
             </a:fld>
             <a:endParaRPr lang="en-GB"/>
           </a:p>
@@ -3045,7 +3045,7 @@
           <a:p>
             <a:fld id="{85C150FF-BE95-4D25-A16A-E368A81CBF24}" type="datetime1">
               <a:rPr lang="en-GB" smtClean="0"/>
-              <a:t>28/01/2026</a:t>
+              <a:t>29/01/2026</a:t>
             </a:fld>
             <a:endParaRPr lang="en-GB"/>
           </a:p>
@@ -3334,7 +3334,7 @@
           <a:p>
             <a:fld id="{F3C5DB4B-B349-43C9-A424-BADA723AD9F1}" type="datetime1">
               <a:rPr lang="en-GB" smtClean="0"/>
-              <a:t>28/01/2026</a:t>
+              <a:t>29/01/2026</a:t>
             </a:fld>
             <a:endParaRPr lang="en-GB"/>
           </a:p>
@@ -3577,7 +3577,7 @@
           <a:p>
             <a:fld id="{12632426-0A0C-405F-A3D0-2D11AA44702A}" type="datetime1">
               <a:rPr lang="en-GB" smtClean="0"/>
-              <a:t>28/01/2026</a:t>
+              <a:t>29/01/2026</a:t>
             </a:fld>
             <a:endParaRPr lang="en-GB"/>
           </a:p>
@@ -4867,15 +4867,7 @@
             </a:pPr>
             <a:r>
               <a:rPr lang="de-DE" dirty="0"/>
-              <a:t>Systems, </a:t>
-            </a:r>
-            <a:r>
-              <a:rPr lang="de-DE" dirty="0" err="1"/>
-              <a:t>Processes</a:t>
-            </a:r>
-            <a:r>
-              <a:rPr lang="de-DE" dirty="0"/>
-              <a:t>, Models</a:t>
+              <a:t>Systems</a:t>
             </a:r>
           </a:p>
           <a:p>

--- a/slides/2_continuous_controllers.pptx
+++ b/slides/2_continuous_controllers.pptx
@@ -5,22 +5,24 @@
     <p:sldMasterId id="2147483648" r:id="rId1"/>
   </p:sldMasterIdLst>
   <p:notesMasterIdLst>
-    <p:notesMasterId r:id="rId15"/>
+    <p:notesMasterId r:id="rId17"/>
   </p:notesMasterIdLst>
   <p:sldIdLst>
     <p:sldId id="256" r:id="rId2"/>
     <p:sldId id="265" r:id="rId3"/>
     <p:sldId id="266" r:id="rId4"/>
-    <p:sldId id="267" r:id="rId5"/>
+    <p:sldId id="282" r:id="rId5"/>
     <p:sldId id="268" r:id="rId6"/>
-    <p:sldId id="269" r:id="rId7"/>
-    <p:sldId id="270" r:id="rId8"/>
-    <p:sldId id="271" r:id="rId9"/>
-    <p:sldId id="272" r:id="rId10"/>
-    <p:sldId id="273" r:id="rId11"/>
-    <p:sldId id="274" r:id="rId12"/>
-    <p:sldId id="275" r:id="rId13"/>
+    <p:sldId id="267" r:id="rId7"/>
+    <p:sldId id="283" r:id="rId8"/>
+    <p:sldId id="272" r:id="rId9"/>
+    <p:sldId id="269" r:id="rId10"/>
+    <p:sldId id="270" r:id="rId11"/>
+    <p:sldId id="271" r:id="rId12"/>
+    <p:sldId id="285" r:id="rId13"/>
     <p:sldId id="276" r:id="rId14"/>
+    <p:sldId id="273" r:id="rId15"/>
+    <p:sldId id="274" r:id="rId16"/>
   </p:sldIdLst>
   <p:sldSz cx="12192000" cy="6858000"/>
   <p:notesSz cx="6858000" cy="9144000"/>
@@ -491,7 +493,7 @@
           <a:p>
             <a:fld id="{506E0FD1-891F-4B1E-916D-E9B585160BB8}" type="datetimeFigureOut">
               <a:rPr lang="en-GB" smtClean="0"/>
-              <a:t>29/01/2026</a:t>
+              <a:t>03/02/2026</a:t>
             </a:fld>
             <a:endParaRPr lang="en-GB"/>
           </a:p>
@@ -908,7 +910,7 @@
           <a:p>
             <a:fld id="{D68C3F22-27B2-44E3-9C5F-D08126455F6F}" type="datetime1">
               <a:rPr lang="en-GB" smtClean="0"/>
-              <a:t>29/01/2026</a:t>
+              <a:t>03/02/2026</a:t>
             </a:fld>
             <a:endParaRPr lang="en-GB"/>
           </a:p>
@@ -1108,7 +1110,7 @@
           <a:p>
             <a:fld id="{1CD03846-7BF6-4FB6-A921-FF3379ADBD4C}" type="datetime1">
               <a:rPr lang="en-GB" smtClean="0"/>
-              <a:t>29/01/2026</a:t>
+              <a:t>03/02/2026</a:t>
             </a:fld>
             <a:endParaRPr lang="en-GB"/>
           </a:p>
@@ -1318,7 +1320,7 @@
           <a:p>
             <a:fld id="{99E1B91A-3FD0-4144-9C84-63E9688ED2FE}" type="datetime1">
               <a:rPr lang="en-GB" smtClean="0"/>
-              <a:t>29/01/2026</a:t>
+              <a:t>03/02/2026</a:t>
             </a:fld>
             <a:endParaRPr lang="en-GB"/>
           </a:p>
@@ -1518,7 +1520,7 @@
           <a:p>
             <a:fld id="{5295ED7B-FEAD-4734-819F-93EF4B0EA908}" type="datetime1">
               <a:rPr lang="en-GB" smtClean="0"/>
-              <a:t>29/01/2026</a:t>
+              <a:t>03/02/2026</a:t>
             </a:fld>
             <a:endParaRPr lang="en-GB"/>
           </a:p>
@@ -1794,7 +1796,7 @@
           <a:p>
             <a:fld id="{D2D5D4B4-C926-4B45-8815-1ED8911179A2}" type="datetime1">
               <a:rPr lang="en-GB" smtClean="0"/>
-              <a:t>29/01/2026</a:t>
+              <a:t>03/02/2026</a:t>
             </a:fld>
             <a:endParaRPr lang="en-GB"/>
           </a:p>
@@ -2062,7 +2064,7 @@
           <a:p>
             <a:fld id="{B4C5210A-0E37-4935-93AF-69F21A5F712F}" type="datetime1">
               <a:rPr lang="en-GB" smtClean="0"/>
-              <a:t>29/01/2026</a:t>
+              <a:t>03/02/2026</a:t>
             </a:fld>
             <a:endParaRPr lang="en-GB"/>
           </a:p>
@@ -2477,7 +2479,7 @@
           <a:p>
             <a:fld id="{3D3A6B2F-436C-4691-80E8-9C890E000E9D}" type="datetime1">
               <a:rPr lang="en-GB" smtClean="0"/>
-              <a:t>29/01/2026</a:t>
+              <a:t>03/02/2026</a:t>
             </a:fld>
             <a:endParaRPr lang="en-GB"/>
           </a:p>
@@ -2619,7 +2621,7 @@
           <a:p>
             <a:fld id="{84385F4C-D74B-496F-8D21-97E3549C783B}" type="datetime1">
               <a:rPr lang="en-GB" smtClean="0"/>
-              <a:t>29/01/2026</a:t>
+              <a:t>03/02/2026</a:t>
             </a:fld>
             <a:endParaRPr lang="en-GB"/>
           </a:p>
@@ -2732,7 +2734,7 @@
           <a:p>
             <a:fld id="{0CBDCB32-C241-4703-A832-4EB47BD54E83}" type="datetime1">
               <a:rPr lang="en-GB" smtClean="0"/>
-              <a:t>29/01/2026</a:t>
+              <a:t>03/02/2026</a:t>
             </a:fld>
             <a:endParaRPr lang="en-GB"/>
           </a:p>
@@ -3045,7 +3047,7 @@
           <a:p>
             <a:fld id="{85C150FF-BE95-4D25-A16A-E368A81CBF24}" type="datetime1">
               <a:rPr lang="en-GB" smtClean="0"/>
-              <a:t>29/01/2026</a:t>
+              <a:t>03/02/2026</a:t>
             </a:fld>
             <a:endParaRPr lang="en-GB"/>
           </a:p>
@@ -3334,7 +3336,7 @@
           <a:p>
             <a:fld id="{F3C5DB4B-B349-43C9-A424-BADA723AD9F1}" type="datetime1">
               <a:rPr lang="en-GB" smtClean="0"/>
-              <a:t>29/01/2026</a:t>
+              <a:t>03/02/2026</a:t>
             </a:fld>
             <a:endParaRPr lang="en-GB"/>
           </a:p>
@@ -3577,7 +3579,7 @@
           <a:p>
             <a:fld id="{12632426-0A0C-405F-A3D0-2D11AA44702A}" type="datetime1">
               <a:rPr lang="en-GB" smtClean="0"/>
-              <a:t>29/01/2026</a:t>
+              <a:t>03/02/2026</a:t>
             </a:fld>
             <a:endParaRPr lang="en-GB"/>
           </a:p>
@@ -4087,12 +4089,48 @@
           <a:chExt cx="0" cy="0"/>
         </a:xfrm>
       </p:grpSpPr>
+      <p:pic>
+        <p:nvPicPr>
+          <p:cNvPr id="5" name="Grafik 4" descr="Ein Bild, das Text, Diagramm, Reihe, parallel enthält.&#10;&#10;KI-generierte Inhalte können fehlerhaft sein.">
+            <a:extLst>
+              <a:ext uri="{FF2B5EF4-FFF2-40B4-BE49-F238E27FC236}">
+                <a16:creationId xmlns:a16="http://schemas.microsoft.com/office/drawing/2014/main" id="{ECE9B039-04A8-E829-EB2A-53F07F7FA4B0}"/>
+              </a:ext>
+            </a:extLst>
+          </p:cNvPr>
+          <p:cNvPicPr>
+            <a:picLocks noChangeAspect="1"/>
+          </p:cNvPicPr>
+          <p:nvPr/>
+        </p:nvPicPr>
+        <p:blipFill>
+          <a:blip r:embed="rId2">
+            <a:extLst>
+              <a:ext uri="{28A0092B-C50C-407E-A947-70E740481C1C}">
+                <a14:useLocalDpi xmlns:a14="http://schemas.microsoft.com/office/drawing/2010/main" val="0"/>
+              </a:ext>
+            </a:extLst>
+          </a:blip>
+          <a:stretch>
+            <a:fillRect/>
+          </a:stretch>
+        </p:blipFill>
+        <p:spPr>
+          <a:xfrm>
+            <a:off x="6096000" y="1127464"/>
+            <a:ext cx="6049988" cy="6858000"/>
+          </a:xfrm>
+          <a:prstGeom prst="rect">
+            <a:avLst/>
+          </a:prstGeom>
+        </p:spPr>
+      </p:pic>
       <p:sp>
         <p:nvSpPr>
           <p:cNvPr id="2" name="Titel 1">
             <a:extLst>
               <a:ext uri="{FF2B5EF4-FFF2-40B4-BE49-F238E27FC236}">
-                <a16:creationId xmlns:a16="http://schemas.microsoft.com/office/drawing/2014/main" id="{1EEF8FC0-6E44-CCDF-9E20-7C71F9BF81AD}"/>
+                <a16:creationId xmlns:a16="http://schemas.microsoft.com/office/drawing/2014/main" id="{40FB9667-CF16-50CB-8E69-4DB8CD7101A5}"/>
               </a:ext>
             </a:extLst>
           </p:cNvPr>
@@ -4110,116 +4148,295 @@
           <a:p>
             <a:r>
               <a:rPr lang="de-DE" dirty="0"/>
-              <a:t>Working Point and </a:t>
-            </a:r>
-            <a:r>
-              <a:rPr lang="de-DE" dirty="0" err="1"/>
-              <a:t>Linearization</a:t>
+              <a:t>Integral Control (I)</a:t>
+            </a:r>
+          </a:p>
+        </p:txBody>
+      </p:sp>
+      <p:sp>
+        <p:nvSpPr>
+          <p:cNvPr id="3" name="Inhaltsplatzhalter 2">
+            <a:extLst>
+              <a:ext uri="{FF2B5EF4-FFF2-40B4-BE49-F238E27FC236}">
+                <a16:creationId xmlns:a16="http://schemas.microsoft.com/office/drawing/2014/main" id="{B2B6263E-20A7-2E59-29DE-D5259EBA0F8D}"/>
+              </a:ext>
+            </a:extLst>
+          </p:cNvPr>
+          <p:cNvSpPr>
+            <a:spLocks noGrp="1"/>
+          </p:cNvSpPr>
+          <p:nvPr>
+            <p:ph idx="1"/>
+          </p:nvPr>
+        </p:nvSpPr>
+        <p:spPr>
+          <a:xfrm>
+            <a:off x="838200" y="1825625"/>
+            <a:ext cx="5257800" cy="4351338"/>
+          </a:xfrm>
+        </p:spPr>
+        <p:txBody>
+          <a:bodyPr>
+            <a:normAutofit fontScale="92500" lnSpcReduction="20000"/>
+          </a:bodyPr>
+          <a:lstStyle/>
+          <a:p>
+            <a:pPr marL="0" indent="0">
+              <a:buNone/>
+            </a:pPr>
+            <a:r>
+              <a:rPr lang="de-DE" dirty="0"/>
+              <a:t>Integrator </a:t>
+            </a:r>
+            <a:r>
+              <a:rPr lang="de-DE" dirty="0" err="1"/>
+              <a:t>accumulating</a:t>
+            </a:r>
+            <a:r>
+              <a:rPr lang="de-DE" dirty="0"/>
+              <a:t> </a:t>
+            </a:r>
+            <a:r>
+              <a:rPr lang="de-DE" dirty="0" err="1"/>
+              <a:t>past</a:t>
+            </a:r>
+            <a:r>
+              <a:rPr lang="de-DE" dirty="0"/>
+              <a:t> </a:t>
+            </a:r>
+            <a:r>
+              <a:rPr lang="de-DE" dirty="0" err="1"/>
+              <a:t>error</a:t>
             </a:r>
             <a:endParaRPr lang="de-DE" dirty="0"/>
           </a:p>
-        </p:txBody>
-      </p:sp>
-      <p:sp>
-        <p:nvSpPr>
-          <p:cNvPr id="3" name="Inhaltsplatzhalter 2">
-            <a:extLst>
-              <a:ext uri="{FF2B5EF4-FFF2-40B4-BE49-F238E27FC236}">
-                <a16:creationId xmlns:a16="http://schemas.microsoft.com/office/drawing/2014/main" id="{909105FA-9C76-342F-5C77-0F401AEE342B}"/>
-              </a:ext>
-            </a:extLst>
-          </p:cNvPr>
-          <p:cNvSpPr>
-            <a:spLocks noGrp="1"/>
-          </p:cNvSpPr>
-          <p:nvPr>
-            <p:ph idx="1"/>
-          </p:nvPr>
-        </p:nvSpPr>
-        <p:spPr/>
-        <p:txBody>
-          <a:bodyPr/>
+          <a:p>
+            <a:endParaRPr lang="de-DE" dirty="0"/>
+          </a:p>
+          <a:p>
+            <a:r>
+              <a:rPr lang="de-DE" dirty="0" err="1"/>
+              <a:t>Eliminates</a:t>
+            </a:r>
+            <a:r>
+              <a:rPr lang="de-DE" dirty="0"/>
+              <a:t> </a:t>
+            </a:r>
+            <a:r>
+              <a:rPr lang="de-DE" dirty="0" err="1"/>
+              <a:t>steady-state</a:t>
+            </a:r>
+            <a:r>
+              <a:rPr lang="de-DE" dirty="0"/>
+              <a:t> </a:t>
+            </a:r>
+            <a:r>
+              <a:rPr lang="de-DE" dirty="0" err="1"/>
+              <a:t>error</a:t>
+            </a:r>
+            <a:r>
+              <a:rPr lang="de-DE" dirty="0"/>
+              <a:t> </a:t>
+            </a:r>
+            <a:r>
+              <a:rPr lang="de-DE" dirty="0" err="1"/>
+              <a:t>to</a:t>
+            </a:r>
+            <a:r>
+              <a:rPr lang="de-DE" dirty="0"/>
+              <a:t> </a:t>
+            </a:r>
+            <a:r>
+              <a:rPr lang="de-DE" dirty="0" err="1"/>
+              <a:t>step</a:t>
+            </a:r>
+            <a:r>
+              <a:rPr lang="de-DE" dirty="0"/>
+              <a:t> </a:t>
+            </a:r>
+            <a:r>
+              <a:rPr lang="de-DE" dirty="0" err="1"/>
+              <a:t>inputs</a:t>
+            </a:r>
+            <a:endParaRPr lang="de-DE" dirty="0"/>
+          </a:p>
+          <a:p>
+            <a:r>
+              <a:rPr lang="de-DE" dirty="0" err="1"/>
+              <a:t>Slower</a:t>
+            </a:r>
+            <a:r>
+              <a:rPr lang="de-DE" dirty="0"/>
+              <a:t> </a:t>
+            </a:r>
+            <a:r>
+              <a:rPr lang="de-DE" dirty="0" err="1"/>
+              <a:t>response</a:t>
+            </a:r>
+            <a:endParaRPr lang="de-DE" dirty="0"/>
+          </a:p>
+          <a:p>
+            <a:r>
+              <a:rPr lang="de-DE" dirty="0" err="1"/>
+              <a:t>Reduces</a:t>
+            </a:r>
+            <a:r>
+              <a:rPr lang="de-DE" dirty="0"/>
+              <a:t> </a:t>
+            </a:r>
+            <a:r>
+              <a:rPr lang="de-DE" dirty="0" err="1"/>
+              <a:t>damping</a:t>
+            </a:r>
+            <a:r>
+              <a:rPr lang="de-DE" dirty="0"/>
+              <a:t> </a:t>
+            </a:r>
+            <a:r>
+              <a:rPr lang="de-DE" dirty="0">
+                <a:sym typeface="Wingdings" pitchFamily="2" charset="2"/>
+              </a:rPr>
+              <a:t> </a:t>
+            </a:r>
+            <a:r>
+              <a:rPr lang="de-DE" dirty="0" err="1"/>
+              <a:t>more</a:t>
+            </a:r>
+            <a:r>
+              <a:rPr lang="de-DE" dirty="0"/>
+              <a:t> </a:t>
+            </a:r>
+            <a:r>
+              <a:rPr lang="de-DE" dirty="0" err="1"/>
+              <a:t>oscillation</a:t>
+            </a:r>
+            <a:endParaRPr lang="de-DE" dirty="0"/>
+          </a:p>
+          <a:p>
+            <a:pPr marL="0" indent="0">
+              <a:buNone/>
+            </a:pPr>
+            <a:endParaRPr lang="de-DE" dirty="0"/>
+          </a:p>
+          <a:p>
+            <a:pPr marL="0" indent="0">
+              <a:buNone/>
+            </a:pPr>
+            <a:r>
+              <a:rPr lang="de-DE" dirty="0"/>
+              <a:t>Order </a:t>
+            </a:r>
+            <a:r>
+              <a:rPr lang="de-DE" dirty="0" err="1"/>
+              <a:t>of</a:t>
+            </a:r>
+            <a:r>
+              <a:rPr lang="de-DE" dirty="0"/>
+              <a:t> total </a:t>
+            </a:r>
+            <a:r>
+              <a:rPr lang="de-DE" dirty="0" err="1"/>
+              <a:t>system</a:t>
+            </a:r>
+            <a:r>
+              <a:rPr lang="de-DE" dirty="0"/>
+              <a:t> </a:t>
+            </a:r>
+            <a:r>
+              <a:rPr lang="de-DE" dirty="0" err="1"/>
+              <a:t>increases</a:t>
+            </a:r>
+            <a:endParaRPr lang="de-DE" dirty="0"/>
+          </a:p>
+          <a:p>
+            <a:r>
+              <a:rPr lang="de-DE" dirty="0"/>
+              <a:t>PT1 → </a:t>
+            </a:r>
+            <a:r>
+              <a:rPr lang="de-DE" dirty="0" err="1"/>
+              <a:t>second</a:t>
+            </a:r>
+            <a:r>
+              <a:rPr lang="de-DE" dirty="0"/>
+              <a:t> </a:t>
+            </a:r>
+            <a:r>
+              <a:rPr lang="de-DE" dirty="0" err="1"/>
+              <a:t>order</a:t>
+            </a:r>
+            <a:endParaRPr lang="de-DE" dirty="0"/>
+          </a:p>
+          <a:p>
+            <a:r>
+              <a:rPr lang="de-DE" dirty="0"/>
+              <a:t>PT2 → </a:t>
+            </a:r>
+            <a:r>
+              <a:rPr lang="de-DE" dirty="0" err="1"/>
+              <a:t>third</a:t>
+            </a:r>
+            <a:r>
+              <a:rPr lang="de-DE" dirty="0"/>
+              <a:t> </a:t>
+            </a:r>
+            <a:r>
+              <a:rPr lang="de-DE" dirty="0" err="1"/>
+              <a:t>order</a:t>
+            </a:r>
+            <a:endParaRPr lang="de-DE" dirty="0"/>
+          </a:p>
+        </p:txBody>
+      </p:sp>
+      <p:sp>
+        <p:nvSpPr>
+          <p:cNvPr id="6" name="Rechteck 5">
+            <a:extLst>
+              <a:ext uri="{FF2B5EF4-FFF2-40B4-BE49-F238E27FC236}">
+                <a16:creationId xmlns:a16="http://schemas.microsoft.com/office/drawing/2014/main" id="{02678D71-FB80-1D70-380A-3D6FA0B2831E}"/>
+              </a:ext>
+            </a:extLst>
+          </p:cNvPr>
+          <p:cNvSpPr/>
+          <p:nvPr/>
+        </p:nvSpPr>
+        <p:spPr>
+          <a:xfrm>
+            <a:off x="6096000" y="6125592"/>
+            <a:ext cx="6049988" cy="1859872"/>
+          </a:xfrm>
+          <a:prstGeom prst="rect">
+            <a:avLst/>
+          </a:prstGeom>
+          <a:solidFill>
+            <a:schemeClr val="bg1"/>
+          </a:solidFill>
+          <a:ln>
+            <a:noFill/>
+          </a:ln>
+        </p:spPr>
+        <p:style>
+          <a:lnRef idx="2">
+            <a:schemeClr val="accent1">
+              <a:shade val="15000"/>
+            </a:schemeClr>
+          </a:lnRef>
+          <a:fillRef idx="1">
+            <a:schemeClr val="accent1"/>
+          </a:fillRef>
+          <a:effectRef idx="0">
+            <a:schemeClr val="accent1"/>
+          </a:effectRef>
+          <a:fontRef idx="minor">
+            <a:schemeClr val="lt1"/>
+          </a:fontRef>
+        </p:style>
+        <p:txBody>
+          <a:bodyPr rtlCol="0" anchor="ctr"/>
           <a:lstStyle/>
           <a:p>
-            <a:r>
-              <a:rPr lang="de-DE" dirty="0"/>
-              <a:t>Controllers </a:t>
-            </a:r>
-            <a:r>
-              <a:rPr lang="de-DE" dirty="0" err="1"/>
-              <a:t>designed</a:t>
-            </a:r>
-            <a:r>
-              <a:rPr lang="de-DE" dirty="0"/>
-              <a:t> </a:t>
-            </a:r>
-            <a:r>
-              <a:rPr lang="de-DE" dirty="0" err="1"/>
-              <a:t>around</a:t>
-            </a:r>
-            <a:r>
-              <a:rPr lang="de-DE" dirty="0"/>
-              <a:t> </a:t>
-            </a:r>
-            <a:r>
-              <a:rPr lang="de-DE" dirty="0" err="1"/>
-              <a:t>operating</a:t>
-            </a:r>
-            <a:r>
-              <a:rPr lang="de-DE" dirty="0"/>
-              <a:t> </a:t>
-            </a:r>
-            <a:r>
-              <a:rPr lang="de-DE" dirty="0" err="1"/>
-              <a:t>point</a:t>
-            </a:r>
-            <a:endParaRPr lang="de-DE" dirty="0"/>
-          </a:p>
-          <a:p>
-            <a:r>
-              <a:rPr lang="de-DE" dirty="0"/>
-              <a:t>Linear </a:t>
-            </a:r>
-            <a:r>
-              <a:rPr lang="de-DE" dirty="0" err="1"/>
-              <a:t>approximation</a:t>
-            </a:r>
-            <a:r>
-              <a:rPr lang="de-DE" dirty="0"/>
-              <a:t> </a:t>
-            </a:r>
-            <a:r>
-              <a:rPr lang="de-DE" dirty="0" err="1"/>
-              <a:t>of</a:t>
-            </a:r>
-            <a:r>
-              <a:rPr lang="de-DE" dirty="0"/>
-              <a:t> </a:t>
-            </a:r>
-            <a:r>
-              <a:rPr lang="de-DE" dirty="0" err="1"/>
-              <a:t>nonlinear</a:t>
-            </a:r>
-            <a:r>
-              <a:rPr lang="de-DE" dirty="0"/>
-              <a:t> </a:t>
-            </a:r>
-            <a:r>
-              <a:rPr lang="de-DE" dirty="0" err="1"/>
-              <a:t>systems</a:t>
-            </a:r>
-            <a:endParaRPr lang="de-DE" dirty="0"/>
-          </a:p>
-          <a:p>
-            <a:r>
-              <a:rPr lang="de-DE" dirty="0"/>
-              <a:t>Valid </a:t>
-            </a:r>
-            <a:r>
-              <a:rPr lang="de-DE" dirty="0" err="1"/>
-              <a:t>locally</a:t>
-            </a:r>
-            <a:endParaRPr lang="de-DE" dirty="0"/>
+            <a:pPr algn="ctr"/>
+            <a:endParaRPr lang="de-DE"/>
           </a:p>
         </p:txBody>
       </p:sp>
@@ -4228,7 +4445,7 @@
           <p:cNvPr id="4" name="Foliennummernplatzhalter 3">
             <a:extLst>
               <a:ext uri="{FF2B5EF4-FFF2-40B4-BE49-F238E27FC236}">
-                <a16:creationId xmlns:a16="http://schemas.microsoft.com/office/drawing/2014/main" id="{7DC04179-7F28-DA11-46A9-60CF125E7D2D}"/>
+                <a16:creationId xmlns:a16="http://schemas.microsoft.com/office/drawing/2014/main" id="{297D893B-FC10-112C-E56C-02067DFC9955}"/>
               </a:ext>
             </a:extLst>
           </p:cNvPr>
@@ -4248,14 +4465,14 @@
               <a:rPr lang="en-GB" smtClean="0"/>
               <a:t>10</a:t>
             </a:fld>
-            <a:endParaRPr lang="en-GB"/>
+            <a:endParaRPr lang="en-GB" dirty="0"/>
           </a:p>
         </p:txBody>
       </p:sp>
     </p:spTree>
     <p:extLst>
       <p:ext uri="{BB962C8B-B14F-4D97-AF65-F5344CB8AC3E}">
-        <p14:creationId xmlns:p14="http://schemas.microsoft.com/office/powerpoint/2010/main" val="2129228446"/>
+        <p14:creationId xmlns:p14="http://schemas.microsoft.com/office/powerpoint/2010/main" val="666493050"/>
       </p:ext>
     </p:extLst>
   </p:cSld>
@@ -4287,7 +4504,7 @@
           <p:cNvPr id="2" name="Titel 1">
             <a:extLst>
               <a:ext uri="{FF2B5EF4-FFF2-40B4-BE49-F238E27FC236}">
-                <a16:creationId xmlns:a16="http://schemas.microsoft.com/office/drawing/2014/main" id="{755B6400-71B9-BBA2-4116-E0489CE2B358}"/>
+                <a16:creationId xmlns:a16="http://schemas.microsoft.com/office/drawing/2014/main" id="{7D0390A8-DE49-7EF9-3DE8-8DB638E9085B}"/>
               </a:ext>
             </a:extLst>
           </p:cNvPr>
@@ -4305,7 +4522,7 @@
           <a:p>
             <a:r>
               <a:rPr lang="de-DE" dirty="0"/>
-              <a:t>Proportional Band</a:t>
+              <a:t>Derivative Control (D)</a:t>
             </a:r>
           </a:p>
         </p:txBody>
@@ -4315,7 +4532,7 @@
           <p:cNvPr id="3" name="Inhaltsplatzhalter 2">
             <a:extLst>
               <a:ext uri="{FF2B5EF4-FFF2-40B4-BE49-F238E27FC236}">
-                <a16:creationId xmlns:a16="http://schemas.microsoft.com/office/drawing/2014/main" id="{B435EB3A-7D49-6783-24D3-317BE17EF0AB}"/>
+                <a16:creationId xmlns:a16="http://schemas.microsoft.com/office/drawing/2014/main" id="{4E6DB09B-8983-50DC-76E3-164BD1118DA4}"/>
               </a:ext>
             </a:extLst>
           </p:cNvPr>
@@ -4326,79 +4543,283 @@
             <p:ph idx="1"/>
           </p:nvPr>
         </p:nvSpPr>
-        <p:spPr/>
-        <p:txBody>
-          <a:bodyPr/>
+        <p:spPr>
+          <a:xfrm>
+            <a:off x="838200" y="1825625"/>
+            <a:ext cx="5257800" cy="4351338"/>
+          </a:xfrm>
+        </p:spPr>
+        <p:txBody>
+          <a:bodyPr>
+            <a:normAutofit lnSpcReduction="10000"/>
+          </a:bodyPr>
           <a:lstStyle/>
           <a:p>
-            <a:r>
-              <a:rPr lang="de-DE" dirty="0"/>
-              <a:t>Inverse </a:t>
-            </a:r>
-            <a:r>
-              <a:rPr lang="de-DE" dirty="0" err="1"/>
+            <a:pPr marL="0" indent="0">
+              <a:buNone/>
+            </a:pPr>
+            <a:r>
+              <a:rPr lang="de-DE" sz="2600" dirty="0"/>
+              <a:t>Derivative </a:t>
+            </a:r>
+            <a:r>
+              <a:rPr lang="de-DE" sz="2600" dirty="0" err="1"/>
+              <a:t>predicting</a:t>
+            </a:r>
+            <a:r>
+              <a:rPr lang="de-DE" sz="2600" dirty="0"/>
+              <a:t> </a:t>
+            </a:r>
+            <a:r>
+              <a:rPr lang="de-DE" sz="2600" dirty="0" err="1"/>
+              <a:t>future</a:t>
+            </a:r>
+            <a:r>
+              <a:rPr lang="de-DE" sz="2600" dirty="0"/>
+              <a:t> </a:t>
+            </a:r>
+            <a:r>
+              <a:rPr lang="de-DE" sz="2600" dirty="0" err="1"/>
+              <a:t>error</a:t>
+            </a:r>
+            <a:r>
+              <a:rPr lang="de-DE" sz="2600" dirty="0"/>
+              <a:t> </a:t>
+            </a:r>
+            <a:r>
+              <a:rPr lang="de-DE" sz="2600" dirty="0" err="1"/>
+              <a:t>based</a:t>
+            </a:r>
+            <a:r>
+              <a:rPr lang="de-DE" sz="2600" dirty="0"/>
+              <a:t> on </a:t>
+            </a:r>
+            <a:r>
+              <a:rPr lang="de-DE" sz="2600" dirty="0" err="1"/>
+              <a:t>the</a:t>
+            </a:r>
+            <a:r>
+              <a:rPr lang="de-DE" sz="2600" dirty="0"/>
+              <a:t> rate </a:t>
+            </a:r>
+            <a:r>
+              <a:rPr lang="de-DE" sz="2600" dirty="0" err="1"/>
               <a:t>of</a:t>
             </a:r>
             <a:r>
-              <a:rPr lang="de-DE" dirty="0"/>
-              <a:t> proportional </a:t>
-            </a:r>
-            <a:r>
-              <a:rPr lang="de-DE" dirty="0" err="1"/>
-              <a:t>gain</a:t>
+              <a:rPr lang="de-DE" sz="2600" dirty="0"/>
+              <a:t> </a:t>
+            </a:r>
+            <a:r>
+              <a:rPr lang="de-DE" sz="2600" dirty="0" err="1"/>
+              <a:t>change</a:t>
+            </a:r>
+            <a:endParaRPr lang="de-DE" sz="2600" dirty="0"/>
+          </a:p>
+          <a:p>
+            <a:pPr marL="0" indent="0">
+              <a:buNone/>
+            </a:pPr>
+            <a:endParaRPr lang="de-DE" sz="2600" dirty="0"/>
+          </a:p>
+          <a:p>
+            <a:r>
+              <a:rPr lang="de-DE" sz="2600" dirty="0" err="1"/>
+              <a:t>Predictive</a:t>
+            </a:r>
+            <a:r>
+              <a:rPr lang="de-DE" sz="2600" dirty="0"/>
+              <a:t> </a:t>
+            </a:r>
+            <a:r>
+              <a:rPr lang="de-DE" sz="2600" dirty="0" err="1"/>
+              <a:t>action</a:t>
+            </a:r>
+            <a:endParaRPr lang="de-DE" sz="2600" dirty="0"/>
+          </a:p>
+          <a:p>
+            <a:r>
+              <a:rPr lang="de-DE" sz="2600" dirty="0" err="1"/>
+              <a:t>Increases</a:t>
+            </a:r>
+            <a:r>
+              <a:rPr lang="de-DE" sz="2600" dirty="0"/>
+              <a:t> </a:t>
+            </a:r>
+            <a:r>
+              <a:rPr lang="de-DE" sz="2600" dirty="0" err="1"/>
+              <a:t>effective</a:t>
+            </a:r>
+            <a:r>
+              <a:rPr lang="de-DE" sz="2600" dirty="0"/>
+              <a:t> </a:t>
+            </a:r>
+            <a:r>
+              <a:rPr lang="de-DE" sz="2600" dirty="0" err="1"/>
+              <a:t>damping</a:t>
+            </a:r>
+            <a:r>
+              <a:rPr lang="de-DE" sz="2600" dirty="0"/>
+              <a:t> (</a:t>
+            </a:r>
+            <a:r>
+              <a:rPr lang="de-DE" sz="2600" dirty="0" err="1"/>
+              <a:t>keeps</a:t>
+            </a:r>
+            <a:r>
+              <a:rPr lang="de-DE" sz="2600" dirty="0"/>
+              <a:t> </a:t>
+            </a:r>
+            <a:r>
+              <a:rPr lang="de-DE" sz="2600" dirty="0" err="1"/>
+              <a:t>system</a:t>
+            </a:r>
+            <a:r>
+              <a:rPr lang="de-DE" sz="2600" dirty="0"/>
+              <a:t> </a:t>
+            </a:r>
+            <a:r>
+              <a:rPr lang="de-DE" sz="2600" dirty="0" err="1"/>
+              <a:t>near</a:t>
+            </a:r>
+            <a:r>
+              <a:rPr lang="de-DE" sz="2600" dirty="0"/>
+              <a:t> </a:t>
+            </a:r>
+            <a:r>
+              <a:rPr lang="de-DE" sz="2600" dirty="0" err="1"/>
+              <a:t>critical</a:t>
+            </a:r>
+            <a:r>
+              <a:rPr lang="de-DE" sz="2600" dirty="0"/>
+              <a:t> </a:t>
+            </a:r>
+            <a:r>
+              <a:rPr lang="de-DE" sz="2600" dirty="0" err="1"/>
+              <a:t>damping</a:t>
+            </a:r>
+            <a:r>
+              <a:rPr lang="de-DE" sz="2600" dirty="0"/>
+              <a:t>): </a:t>
+            </a:r>
+            <a:r>
+              <a:rPr lang="de-DE" sz="2600" dirty="0" err="1"/>
+              <a:t>less</a:t>
+            </a:r>
+            <a:r>
+              <a:rPr lang="de-DE" sz="2600" dirty="0"/>
+              <a:t> </a:t>
+            </a:r>
+            <a:r>
+              <a:rPr lang="de-DE" sz="2600" dirty="0" err="1"/>
+              <a:t>overshoot</a:t>
+            </a:r>
+            <a:r>
+              <a:rPr lang="de-DE" sz="2600" dirty="0"/>
+              <a:t>, </a:t>
+            </a:r>
+            <a:r>
+              <a:rPr lang="de-DE" sz="2600" dirty="0" err="1"/>
+              <a:t>fewer</a:t>
+            </a:r>
+            <a:r>
+              <a:rPr lang="de-DE" sz="2600" dirty="0"/>
+              <a:t> </a:t>
+            </a:r>
+            <a:r>
+              <a:rPr lang="de-DE" sz="2600" dirty="0" err="1"/>
+              <a:t>oscillations</a:t>
+            </a:r>
+            <a:r>
+              <a:rPr lang="de-DE" sz="2600" dirty="0"/>
+              <a:t>)</a:t>
+            </a:r>
+          </a:p>
+          <a:p>
+            <a:r>
+              <a:rPr lang="de-DE" dirty="0"/>
+              <a:t>Derivative </a:t>
+            </a:r>
+            <a:r>
+              <a:rPr lang="de-DE" dirty="0" err="1"/>
+              <a:t>action</a:t>
+            </a:r>
+            <a:r>
+              <a:rPr lang="de-DE" dirty="0"/>
+              <a:t> </a:t>
+            </a:r>
+            <a:r>
+              <a:rPr lang="de-DE" dirty="0" err="1"/>
+              <a:t>amplifies</a:t>
+            </a:r>
+            <a:r>
+              <a:rPr lang="de-DE" dirty="0"/>
+              <a:t> high-</a:t>
+            </a:r>
+            <a:r>
+              <a:rPr lang="de-DE" dirty="0" err="1"/>
+              <a:t>frequency</a:t>
+            </a:r>
+            <a:r>
+              <a:rPr lang="de-DE" dirty="0"/>
+              <a:t> </a:t>
+            </a:r>
+            <a:r>
+              <a:rPr lang="de-DE" dirty="0" err="1"/>
+              <a:t>noise</a:t>
+            </a:r>
+            <a:r>
+              <a:rPr lang="de-DE" dirty="0"/>
+              <a:t> </a:t>
+            </a:r>
+            <a:r>
+              <a:rPr lang="de-DE" dirty="0">
+                <a:sym typeface="Wingdings" pitchFamily="2" charset="2"/>
+              </a:rPr>
+              <a:t> </a:t>
+            </a:r>
+            <a:r>
+              <a:rPr lang="de-DE" dirty="0" err="1">
+                <a:sym typeface="Wingdings" pitchFamily="2" charset="2"/>
+              </a:rPr>
+              <a:t>often</a:t>
+            </a:r>
+            <a:r>
+              <a:rPr lang="de-DE" dirty="0">
+                <a:sym typeface="Wingdings" pitchFamily="2" charset="2"/>
+              </a:rPr>
+              <a:t> </a:t>
+            </a:r>
+            <a:r>
+              <a:rPr lang="de-DE" dirty="0" err="1"/>
+              <a:t>paired</a:t>
+            </a:r>
+            <a:r>
+              <a:rPr lang="de-DE" dirty="0"/>
+              <a:t> </a:t>
+            </a:r>
+            <a:r>
+              <a:rPr lang="de-DE" dirty="0" err="1"/>
+              <a:t>with</a:t>
+            </a:r>
+            <a:r>
+              <a:rPr lang="de-DE" dirty="0"/>
+              <a:t> a </a:t>
+            </a:r>
+            <a:r>
+              <a:rPr lang="de-DE" dirty="0" err="1"/>
+              <a:t>low</a:t>
+            </a:r>
+            <a:r>
+              <a:rPr lang="de-DE" dirty="0"/>
+              <a:t>-pass </a:t>
+            </a:r>
+            <a:r>
+              <a:rPr lang="de-DE" dirty="0" err="1"/>
+              <a:t>filter</a:t>
             </a:r>
             <a:endParaRPr lang="de-DE" dirty="0"/>
           </a:p>
-          <a:p>
-            <a:r>
-              <a:rPr lang="de-DE" dirty="0"/>
-              <a:t>Common </a:t>
-            </a:r>
-            <a:r>
-              <a:rPr lang="de-DE" dirty="0" err="1"/>
-              <a:t>industrial</a:t>
-            </a:r>
-            <a:r>
-              <a:rPr lang="de-DE" dirty="0"/>
-              <a:t> </a:t>
-            </a:r>
-            <a:r>
-              <a:rPr lang="de-DE" dirty="0" err="1"/>
-              <a:t>specification</a:t>
-            </a:r>
-            <a:endParaRPr lang="de-DE" dirty="0"/>
-          </a:p>
-          <a:p>
-            <a:r>
-              <a:rPr lang="de-DE" dirty="0" err="1"/>
-              <a:t>Smaller</a:t>
-            </a:r>
-            <a:r>
-              <a:rPr lang="de-DE" dirty="0"/>
-              <a:t> band → </a:t>
-            </a:r>
-            <a:r>
-              <a:rPr lang="de-DE" dirty="0" err="1"/>
-              <a:t>stronger</a:t>
-            </a:r>
-            <a:r>
-              <a:rPr lang="de-DE" dirty="0"/>
-              <a:t> </a:t>
-            </a:r>
-            <a:r>
-              <a:rPr lang="de-DE" dirty="0" err="1"/>
-              <a:t>control</a:t>
-            </a:r>
-            <a:r>
-              <a:rPr lang="de-DE" dirty="0"/>
-              <a:t> </a:t>
-            </a:r>
-            <a:r>
-              <a:rPr lang="de-DE" dirty="0" err="1"/>
-              <a:t>action</a:t>
-            </a:r>
-            <a:endParaRPr lang="de-DE" dirty="0"/>
-          </a:p>
         </p:txBody>
       </p:sp>
       <p:sp>
@@ -4406,7 +4827,7 @@
           <p:cNvPr id="4" name="Foliennummernplatzhalter 3">
             <a:extLst>
               <a:ext uri="{FF2B5EF4-FFF2-40B4-BE49-F238E27FC236}">
-                <a16:creationId xmlns:a16="http://schemas.microsoft.com/office/drawing/2014/main" id="{0DFC52D2-911D-C47E-BCBF-C746469C1D5A}"/>
+                <a16:creationId xmlns:a16="http://schemas.microsoft.com/office/drawing/2014/main" id="{80613244-15FD-1336-A55D-C0B2593A6F4F}"/>
               </a:ext>
             </a:extLst>
           </p:cNvPr>
@@ -4430,10 +4851,46 @@
           </a:p>
         </p:txBody>
       </p:sp>
+      <p:pic>
+        <p:nvPicPr>
+          <p:cNvPr id="5" name="Grafik 4" descr="Ein Bild, das Text, Diagramm, Reihe, parallel enthält.&#10;&#10;KI-generierte Inhalte können fehlerhaft sein.">
+            <a:extLst>
+              <a:ext uri="{FF2B5EF4-FFF2-40B4-BE49-F238E27FC236}">
+                <a16:creationId xmlns:a16="http://schemas.microsoft.com/office/drawing/2014/main" id="{02F42BE7-60C5-A1C1-D93E-6E0F56100D23}"/>
+              </a:ext>
+            </a:extLst>
+          </p:cNvPr>
+          <p:cNvPicPr>
+            <a:picLocks noChangeAspect="1"/>
+          </p:cNvPicPr>
+          <p:nvPr/>
+        </p:nvPicPr>
+        <p:blipFill>
+          <a:blip r:embed="rId2">
+            <a:extLst>
+              <a:ext uri="{28A0092B-C50C-407E-A947-70E740481C1C}">
+                <a14:useLocalDpi xmlns:a14="http://schemas.microsoft.com/office/drawing/2010/main" val="0"/>
+              </a:ext>
+            </a:extLst>
+          </a:blip>
+          <a:stretch>
+            <a:fillRect/>
+          </a:stretch>
+        </p:blipFill>
+        <p:spPr>
+          <a:xfrm>
+            <a:off x="6096000" y="0"/>
+            <a:ext cx="6049988" cy="6858000"/>
+          </a:xfrm>
+          <a:prstGeom prst="rect">
+            <a:avLst/>
+          </a:prstGeom>
+        </p:spPr>
+      </p:pic>
     </p:spTree>
     <p:extLst>
       <p:ext uri="{BB962C8B-B14F-4D97-AF65-F5344CB8AC3E}">
-        <p14:creationId xmlns:p14="http://schemas.microsoft.com/office/powerpoint/2010/main" val="3777717687"/>
+        <p14:creationId xmlns:p14="http://schemas.microsoft.com/office/powerpoint/2010/main" val="2807511019"/>
       </p:ext>
     </p:extLst>
   </p:cSld>
@@ -4460,12 +4917,48 @@
           <a:chExt cx="0" cy="0"/>
         </a:xfrm>
       </p:grpSpPr>
+      <p:pic>
+        <p:nvPicPr>
+          <p:cNvPr id="6" name="Grafik 5" descr="Ein Bild, das Diagramm, Reihe, Entwurf, Zeichnung enthält.&#10;&#10;KI-generierte Inhalte können fehlerhaft sein.">
+            <a:extLst>
+              <a:ext uri="{FF2B5EF4-FFF2-40B4-BE49-F238E27FC236}">
+                <a16:creationId xmlns:a16="http://schemas.microsoft.com/office/drawing/2014/main" id="{F2F668B7-4161-45D1-BE2D-57D332BB1103}"/>
+              </a:ext>
+            </a:extLst>
+          </p:cNvPr>
+          <p:cNvPicPr>
+            <a:picLocks noChangeAspect="1"/>
+          </p:cNvPicPr>
+          <p:nvPr/>
+        </p:nvPicPr>
+        <p:blipFill>
+          <a:blip r:embed="rId2">
+            <a:extLst>
+              <a:ext uri="{28A0092B-C50C-407E-A947-70E740481C1C}">
+                <a14:useLocalDpi xmlns:a14="http://schemas.microsoft.com/office/drawing/2010/main" val="0"/>
+              </a:ext>
+            </a:extLst>
+          </a:blip>
+          <a:stretch>
+            <a:fillRect/>
+          </a:stretch>
+        </p:blipFill>
+        <p:spPr>
+          <a:xfrm>
+            <a:off x="6238009" y="0"/>
+            <a:ext cx="5953991" cy="6858000"/>
+          </a:xfrm>
+          <a:prstGeom prst="rect">
+            <a:avLst/>
+          </a:prstGeom>
+        </p:spPr>
+      </p:pic>
       <p:sp>
         <p:nvSpPr>
           <p:cNvPr id="2" name="Titel 1">
             <a:extLst>
               <a:ext uri="{FF2B5EF4-FFF2-40B4-BE49-F238E27FC236}">
-                <a16:creationId xmlns:a16="http://schemas.microsoft.com/office/drawing/2014/main" id="{E4355E0D-4845-5972-CE28-2A9FF1A48330}"/>
+                <a16:creationId xmlns:a16="http://schemas.microsoft.com/office/drawing/2014/main" id="{493FA3E3-EF02-FB5C-1F73-930D1B5E7951}"/>
               </a:ext>
             </a:extLst>
           </p:cNvPr>
@@ -4483,82 +4976,182 @@
           <a:p>
             <a:r>
               <a:rPr lang="de-DE" dirty="0"/>
-              <a:t>Time-Domain Performance </a:t>
-            </a:r>
-            <a:r>
-              <a:rPr lang="de-DE" dirty="0" err="1"/>
-              <a:t>Metrics</a:t>
+              <a:t>PID Controller</a:t>
+            </a:r>
+          </a:p>
+        </p:txBody>
+      </p:sp>
+      <p:sp>
+        <p:nvSpPr>
+          <p:cNvPr id="3" name="Inhaltsplatzhalter 2">
+            <a:extLst>
+              <a:ext uri="{FF2B5EF4-FFF2-40B4-BE49-F238E27FC236}">
+                <a16:creationId xmlns:a16="http://schemas.microsoft.com/office/drawing/2014/main" id="{658ABEA1-7F40-E403-1A76-03E106A3AA82}"/>
+              </a:ext>
+            </a:extLst>
+          </p:cNvPr>
+          <p:cNvSpPr>
+            <a:spLocks noGrp="1"/>
+          </p:cNvSpPr>
+          <p:nvPr>
+            <p:ph idx="1"/>
+          </p:nvPr>
+        </p:nvSpPr>
+        <p:spPr>
+          <a:xfrm>
+            <a:off x="838200" y="1825625"/>
+            <a:ext cx="5399809" cy="4351338"/>
+          </a:xfrm>
+        </p:spPr>
+        <p:txBody>
+          <a:bodyPr>
+            <a:normAutofit/>
+          </a:bodyPr>
+          <a:lstStyle/>
+          <a:p>
+            <a:r>
+              <a:rPr lang="de-DE" dirty="0"/>
+              <a:t>Simple and intuitive</a:t>
+            </a:r>
+          </a:p>
+          <a:p>
+            <a:r>
+              <a:rPr lang="de-DE" dirty="0"/>
+              <a:t>Works </a:t>
+            </a:r>
+            <a:r>
+              <a:rPr lang="de-DE" dirty="0" err="1"/>
+              <a:t>for</a:t>
+            </a:r>
+            <a:r>
+              <a:rPr lang="de-DE" dirty="0"/>
+              <a:t> </a:t>
+            </a:r>
+            <a:r>
+              <a:rPr lang="de-DE" dirty="0" err="1"/>
+              <a:t>many</a:t>
+            </a:r>
+            <a:r>
+              <a:rPr lang="de-DE" dirty="0"/>
+              <a:t> plants</a:t>
+            </a:r>
+          </a:p>
+          <a:p>
+            <a:r>
+              <a:rPr lang="de-DE" dirty="0"/>
+              <a:t>Easy </a:t>
+            </a:r>
+            <a:r>
+              <a:rPr lang="de-DE" dirty="0" err="1"/>
+              <a:t>to</a:t>
+            </a:r>
+            <a:r>
+              <a:rPr lang="de-DE" dirty="0"/>
+              <a:t> tune </a:t>
+            </a:r>
+            <a:r>
+              <a:rPr lang="de-DE" dirty="0" err="1"/>
+              <a:t>experimentally</a:t>
             </a:r>
             <a:endParaRPr lang="de-DE" dirty="0"/>
           </a:p>
-        </p:txBody>
-      </p:sp>
-      <p:sp>
-        <p:nvSpPr>
-          <p:cNvPr id="3" name="Inhaltsplatzhalter 2">
-            <a:extLst>
-              <a:ext uri="{FF2B5EF4-FFF2-40B4-BE49-F238E27FC236}">
-                <a16:creationId xmlns:a16="http://schemas.microsoft.com/office/drawing/2014/main" id="{DF451445-8B83-2DEE-187E-FD99F0AB716F}"/>
-              </a:ext>
-            </a:extLst>
-          </p:cNvPr>
-          <p:cNvSpPr>
-            <a:spLocks noGrp="1"/>
-          </p:cNvSpPr>
-          <p:nvPr>
-            <p:ph idx="1"/>
-          </p:nvPr>
-        </p:nvSpPr>
-        <p:spPr/>
-        <p:txBody>
-          <a:bodyPr/>
-          <a:lstStyle/>
-          <a:p>
-            <a:r>
-              <a:rPr lang="de-DE" dirty="0" err="1"/>
-              <a:t>Rise</a:t>
-            </a:r>
-            <a:r>
-              <a:rPr lang="de-DE" dirty="0"/>
-              <a:t> time</a:t>
-            </a:r>
-          </a:p>
-          <a:p>
-            <a:r>
-              <a:rPr lang="de-DE" dirty="0" err="1"/>
-              <a:t>Settling</a:t>
-            </a:r>
-            <a:r>
-              <a:rPr lang="de-DE" dirty="0"/>
-              <a:t> time</a:t>
-            </a:r>
-          </a:p>
-          <a:p>
-            <a:r>
-              <a:rPr lang="de-DE" dirty="0" err="1"/>
-              <a:t>Overshoot</a:t>
-            </a:r>
+          <a:p>
+            <a:pPr marL="0" indent="0">
+              <a:buNone/>
+            </a:pPr>
+            <a:r>
+              <a:rPr lang="de-DE" dirty="0">
+                <a:sym typeface="Wingdings" pitchFamily="2" charset="2"/>
+              </a:rPr>
+              <a:t> </a:t>
+            </a:r>
+            <a:r>
+              <a:rPr lang="de-DE" dirty="0"/>
+              <a:t>~90% </a:t>
+            </a:r>
+            <a:r>
+              <a:rPr lang="de-DE" dirty="0" err="1"/>
+              <a:t>of</a:t>
+            </a:r>
+            <a:r>
+              <a:rPr lang="de-DE" dirty="0"/>
+              <a:t> </a:t>
+            </a:r>
+            <a:r>
+              <a:rPr lang="de-DE" dirty="0" err="1"/>
+              <a:t>industrial</a:t>
+            </a:r>
+            <a:r>
+              <a:rPr lang="de-DE" dirty="0"/>
+              <a:t> </a:t>
+            </a:r>
+            <a:r>
+              <a:rPr lang="de-DE" dirty="0" err="1"/>
+              <a:t>controllers</a:t>
+            </a:r>
+            <a:r>
+              <a:rPr lang="de-DE" dirty="0"/>
+              <a:t> </a:t>
+            </a:r>
+            <a:r>
+              <a:rPr lang="de-DE" dirty="0" err="1"/>
+              <a:t>are</a:t>
+            </a:r>
+            <a:r>
+              <a:rPr lang="de-DE" dirty="0"/>
+              <a:t> PID </a:t>
+            </a:r>
+            <a:r>
+              <a:rPr lang="de-DE" dirty="0" err="1"/>
+              <a:t>variants</a:t>
+            </a:r>
+            <a:br>
+              <a:rPr lang="de-DE" dirty="0"/>
+            </a:br>
             <a:endParaRPr lang="de-DE" dirty="0"/>
           </a:p>
           <a:p>
-            <a:r>
-              <a:rPr lang="de-DE" dirty="0"/>
-              <a:t>Steady-</a:t>
-            </a:r>
-            <a:r>
-              <a:rPr lang="de-DE" dirty="0" err="1"/>
-              <a:t>state</a:t>
-            </a:r>
-            <a:r>
-              <a:rPr lang="de-DE" dirty="0"/>
-              <a:t> </a:t>
-            </a:r>
-            <a:r>
-              <a:rPr lang="de-DE" dirty="0" err="1"/>
-              <a:t>error</a:t>
+            <a:pPr marL="0" indent="0">
+              <a:buNone/>
+            </a:pPr>
+            <a:r>
+              <a:rPr lang="de-DE" dirty="0"/>
+              <a:t>P = </a:t>
+            </a:r>
+            <a:r>
+              <a:rPr lang="de-DE" dirty="0" err="1"/>
+              <a:t>speed</a:t>
             </a:r>
             <a:endParaRPr lang="de-DE" dirty="0"/>
           </a:p>
+          <a:p>
+            <a:pPr marL="0" indent="0">
+              <a:buNone/>
+            </a:pPr>
+            <a:r>
+              <a:rPr lang="de-DE" dirty="0"/>
+              <a:t>I = </a:t>
+            </a:r>
+            <a:r>
+              <a:rPr lang="de-DE" dirty="0" err="1"/>
+              <a:t>accuracy</a:t>
+            </a:r>
+            <a:endParaRPr lang="de-DE" dirty="0"/>
+          </a:p>
+          <a:p>
+            <a:pPr marL="0" indent="0">
+              <a:buNone/>
+            </a:pPr>
+            <a:r>
+              <a:rPr lang="de-DE" dirty="0"/>
+              <a:t>D = </a:t>
+            </a:r>
+            <a:r>
+              <a:rPr lang="de-DE" dirty="0" err="1"/>
+              <a:t>damping</a:t>
+            </a:r>
+            <a:endParaRPr lang="de-DE" dirty="0"/>
+          </a:p>
         </p:txBody>
       </p:sp>
       <p:sp>
@@ -4566,7 +5159,7 @@
           <p:cNvPr id="4" name="Foliennummernplatzhalter 3">
             <a:extLst>
               <a:ext uri="{FF2B5EF4-FFF2-40B4-BE49-F238E27FC236}">
-                <a16:creationId xmlns:a16="http://schemas.microsoft.com/office/drawing/2014/main" id="{8C1F8793-E6DF-E96C-9540-DD1753BF337B}"/>
+                <a16:creationId xmlns:a16="http://schemas.microsoft.com/office/drawing/2014/main" id="{5BA2DDD1-A052-A8FB-92AA-1ECBD86763CA}"/>
               </a:ext>
             </a:extLst>
           </p:cNvPr>
@@ -4593,7 +5186,7 @@
     </p:spTree>
     <p:extLst>
       <p:ext uri="{BB962C8B-B14F-4D97-AF65-F5344CB8AC3E}">
-        <p14:creationId xmlns:p14="http://schemas.microsoft.com/office/powerpoint/2010/main" val="4157086155"/>
+        <p14:creationId xmlns:p14="http://schemas.microsoft.com/office/powerpoint/2010/main" val="3144436226"/>
       </p:ext>
     </p:extLst>
   </p:cSld>
@@ -4643,7 +5236,7 @@
           <a:p>
             <a:r>
               <a:rPr lang="de-DE" dirty="0"/>
-              <a:t>Performance Trade-Offs</a:t>
+              <a:t>Time-Domain Performance Trade-Offs</a:t>
             </a:r>
           </a:p>
         </p:txBody>
@@ -4784,6 +5377,379 @@
     <p:extLst>
       <p:ext uri="{BB962C8B-B14F-4D97-AF65-F5344CB8AC3E}">
         <p14:creationId xmlns:p14="http://schemas.microsoft.com/office/powerpoint/2010/main" val="734205179"/>
+      </p:ext>
+    </p:extLst>
+  </p:cSld>
+  <p:clrMapOvr>
+    <a:masterClrMapping/>
+  </p:clrMapOvr>
+</p:sld>
+</file>
+
+<file path=ppt/slides/slide14.xml><?xml version="1.0" encoding="utf-8"?>
+<p:sld xmlns:a="http://schemas.openxmlformats.org/drawingml/2006/main" xmlns:r="http://schemas.openxmlformats.org/officeDocument/2006/relationships" xmlns:p="http://schemas.openxmlformats.org/presentationml/2006/main">
+  <p:cSld>
+    <p:spTree>
+      <p:nvGrpSpPr>
+        <p:cNvPr id="1" name=""/>
+        <p:cNvGrpSpPr/>
+        <p:nvPr/>
+      </p:nvGrpSpPr>
+      <p:grpSpPr>
+        <a:xfrm>
+          <a:off x="0" y="0"/>
+          <a:ext cx="0" cy="0"/>
+          <a:chOff x="0" y="0"/>
+          <a:chExt cx="0" cy="0"/>
+        </a:xfrm>
+      </p:grpSpPr>
+      <p:sp>
+        <p:nvSpPr>
+          <p:cNvPr id="2" name="Titel 1">
+            <a:extLst>
+              <a:ext uri="{FF2B5EF4-FFF2-40B4-BE49-F238E27FC236}">
+                <a16:creationId xmlns:a16="http://schemas.microsoft.com/office/drawing/2014/main" id="{1EEF8FC0-6E44-CCDF-9E20-7C71F9BF81AD}"/>
+              </a:ext>
+            </a:extLst>
+          </p:cNvPr>
+          <p:cNvSpPr>
+            <a:spLocks noGrp="1"/>
+          </p:cNvSpPr>
+          <p:nvPr>
+            <p:ph type="title"/>
+          </p:nvPr>
+        </p:nvSpPr>
+        <p:spPr/>
+        <p:txBody>
+          <a:bodyPr/>
+          <a:lstStyle/>
+          <a:p>
+            <a:r>
+              <a:rPr lang="de-DE" dirty="0"/>
+              <a:t>Working Point and </a:t>
+            </a:r>
+            <a:r>
+              <a:rPr lang="de-DE" dirty="0" err="1"/>
+              <a:t>Linearization</a:t>
+            </a:r>
+            <a:endParaRPr lang="de-DE" dirty="0"/>
+          </a:p>
+        </p:txBody>
+      </p:sp>
+      <p:sp>
+        <p:nvSpPr>
+          <p:cNvPr id="3" name="Inhaltsplatzhalter 2">
+            <a:extLst>
+              <a:ext uri="{FF2B5EF4-FFF2-40B4-BE49-F238E27FC236}">
+                <a16:creationId xmlns:a16="http://schemas.microsoft.com/office/drawing/2014/main" id="{909105FA-9C76-342F-5C77-0F401AEE342B}"/>
+              </a:ext>
+            </a:extLst>
+          </p:cNvPr>
+          <p:cNvSpPr>
+            <a:spLocks noGrp="1"/>
+          </p:cNvSpPr>
+          <p:nvPr>
+            <p:ph idx="1"/>
+          </p:nvPr>
+        </p:nvSpPr>
+        <p:spPr/>
+        <p:txBody>
+          <a:bodyPr/>
+          <a:lstStyle/>
+          <a:p>
+            <a:r>
+              <a:rPr lang="de-DE" dirty="0"/>
+              <a:t>Controllers </a:t>
+            </a:r>
+            <a:r>
+              <a:rPr lang="de-DE" dirty="0" err="1"/>
+              <a:t>designed</a:t>
+            </a:r>
+            <a:r>
+              <a:rPr lang="de-DE" dirty="0"/>
+              <a:t> </a:t>
+            </a:r>
+            <a:r>
+              <a:rPr lang="de-DE" dirty="0" err="1"/>
+              <a:t>around</a:t>
+            </a:r>
+            <a:r>
+              <a:rPr lang="de-DE" dirty="0"/>
+              <a:t> </a:t>
+            </a:r>
+            <a:r>
+              <a:rPr lang="de-DE" dirty="0" err="1"/>
+              <a:t>operating</a:t>
+            </a:r>
+            <a:r>
+              <a:rPr lang="de-DE" dirty="0"/>
+              <a:t> </a:t>
+            </a:r>
+            <a:r>
+              <a:rPr lang="de-DE" dirty="0" err="1"/>
+              <a:t>point</a:t>
+            </a:r>
+            <a:endParaRPr lang="de-DE" dirty="0"/>
+          </a:p>
+          <a:p>
+            <a:r>
+              <a:rPr lang="de-DE" dirty="0"/>
+              <a:t>Linear </a:t>
+            </a:r>
+            <a:r>
+              <a:rPr lang="de-DE" dirty="0" err="1"/>
+              <a:t>approximation</a:t>
+            </a:r>
+            <a:r>
+              <a:rPr lang="de-DE" dirty="0"/>
+              <a:t> </a:t>
+            </a:r>
+            <a:r>
+              <a:rPr lang="de-DE" dirty="0" err="1"/>
+              <a:t>of</a:t>
+            </a:r>
+            <a:r>
+              <a:rPr lang="de-DE" dirty="0"/>
+              <a:t> </a:t>
+            </a:r>
+            <a:r>
+              <a:rPr lang="de-DE" dirty="0" err="1"/>
+              <a:t>nonlinear</a:t>
+            </a:r>
+            <a:r>
+              <a:rPr lang="de-DE" dirty="0"/>
+              <a:t> </a:t>
+            </a:r>
+            <a:r>
+              <a:rPr lang="de-DE" dirty="0" err="1"/>
+              <a:t>systems</a:t>
+            </a:r>
+            <a:endParaRPr lang="de-DE" dirty="0"/>
+          </a:p>
+          <a:p>
+            <a:r>
+              <a:rPr lang="de-DE" dirty="0"/>
+              <a:t>Valid </a:t>
+            </a:r>
+            <a:r>
+              <a:rPr lang="de-DE" dirty="0" err="1"/>
+              <a:t>locally</a:t>
+            </a:r>
+            <a:endParaRPr lang="de-DE" dirty="0"/>
+          </a:p>
+        </p:txBody>
+      </p:sp>
+      <p:sp>
+        <p:nvSpPr>
+          <p:cNvPr id="4" name="Foliennummernplatzhalter 3">
+            <a:extLst>
+              <a:ext uri="{FF2B5EF4-FFF2-40B4-BE49-F238E27FC236}">
+                <a16:creationId xmlns:a16="http://schemas.microsoft.com/office/drawing/2014/main" id="{7DC04179-7F28-DA11-46A9-60CF125E7D2D}"/>
+              </a:ext>
+            </a:extLst>
+          </p:cNvPr>
+          <p:cNvSpPr>
+            <a:spLocks noGrp="1"/>
+          </p:cNvSpPr>
+          <p:nvPr>
+            <p:ph type="sldNum" sz="quarter" idx="12"/>
+          </p:nvPr>
+        </p:nvSpPr>
+        <p:spPr/>
+        <p:txBody>
+          <a:bodyPr/>
+          <a:lstStyle/>
+          <a:p>
+            <a:fld id="{08C366F5-AFAD-49CB-854A-9D9E238FCA13}" type="slidenum">
+              <a:rPr lang="en-GB" smtClean="0"/>
+              <a:t>14</a:t>
+            </a:fld>
+            <a:endParaRPr lang="en-GB"/>
+          </a:p>
+        </p:txBody>
+      </p:sp>
+    </p:spTree>
+    <p:extLst>
+      <p:ext uri="{BB962C8B-B14F-4D97-AF65-F5344CB8AC3E}">
+        <p14:creationId xmlns:p14="http://schemas.microsoft.com/office/powerpoint/2010/main" val="2129228446"/>
+      </p:ext>
+    </p:extLst>
+  </p:cSld>
+  <p:clrMapOvr>
+    <a:masterClrMapping/>
+  </p:clrMapOvr>
+</p:sld>
+</file>
+
+<file path=ppt/slides/slide15.xml><?xml version="1.0" encoding="utf-8"?>
+<p:sld xmlns:a="http://schemas.openxmlformats.org/drawingml/2006/main" xmlns:r="http://schemas.openxmlformats.org/officeDocument/2006/relationships" xmlns:p="http://schemas.openxmlformats.org/presentationml/2006/main">
+  <p:cSld>
+    <p:spTree>
+      <p:nvGrpSpPr>
+        <p:cNvPr id="1" name=""/>
+        <p:cNvGrpSpPr/>
+        <p:nvPr/>
+      </p:nvGrpSpPr>
+      <p:grpSpPr>
+        <a:xfrm>
+          <a:off x="0" y="0"/>
+          <a:ext cx="0" cy="0"/>
+          <a:chOff x="0" y="0"/>
+          <a:chExt cx="0" cy="0"/>
+        </a:xfrm>
+      </p:grpSpPr>
+      <p:sp>
+        <p:nvSpPr>
+          <p:cNvPr id="2" name="Titel 1">
+            <a:extLst>
+              <a:ext uri="{FF2B5EF4-FFF2-40B4-BE49-F238E27FC236}">
+                <a16:creationId xmlns:a16="http://schemas.microsoft.com/office/drawing/2014/main" id="{755B6400-71B9-BBA2-4116-E0489CE2B358}"/>
+              </a:ext>
+            </a:extLst>
+          </p:cNvPr>
+          <p:cNvSpPr>
+            <a:spLocks noGrp="1"/>
+          </p:cNvSpPr>
+          <p:nvPr>
+            <p:ph type="title"/>
+          </p:nvPr>
+        </p:nvSpPr>
+        <p:spPr/>
+        <p:txBody>
+          <a:bodyPr/>
+          <a:lstStyle/>
+          <a:p>
+            <a:r>
+              <a:rPr lang="de-DE" dirty="0"/>
+              <a:t>Proportional Band</a:t>
+            </a:r>
+          </a:p>
+        </p:txBody>
+      </p:sp>
+      <p:sp>
+        <p:nvSpPr>
+          <p:cNvPr id="3" name="Inhaltsplatzhalter 2">
+            <a:extLst>
+              <a:ext uri="{FF2B5EF4-FFF2-40B4-BE49-F238E27FC236}">
+                <a16:creationId xmlns:a16="http://schemas.microsoft.com/office/drawing/2014/main" id="{B435EB3A-7D49-6783-24D3-317BE17EF0AB}"/>
+              </a:ext>
+            </a:extLst>
+          </p:cNvPr>
+          <p:cNvSpPr>
+            <a:spLocks noGrp="1"/>
+          </p:cNvSpPr>
+          <p:nvPr>
+            <p:ph idx="1"/>
+          </p:nvPr>
+        </p:nvSpPr>
+        <p:spPr/>
+        <p:txBody>
+          <a:bodyPr/>
+          <a:lstStyle/>
+          <a:p>
+            <a:r>
+              <a:rPr lang="de-DE" dirty="0"/>
+              <a:t>Inverse </a:t>
+            </a:r>
+            <a:r>
+              <a:rPr lang="de-DE" dirty="0" err="1"/>
+              <a:t>of</a:t>
+            </a:r>
+            <a:r>
+              <a:rPr lang="de-DE" dirty="0"/>
+              <a:t> proportional </a:t>
+            </a:r>
+            <a:r>
+              <a:rPr lang="de-DE" dirty="0" err="1"/>
+              <a:t>gain</a:t>
+            </a:r>
+            <a:endParaRPr lang="de-DE" dirty="0"/>
+          </a:p>
+          <a:p>
+            <a:r>
+              <a:rPr lang="de-DE" dirty="0"/>
+              <a:t>Common </a:t>
+            </a:r>
+            <a:r>
+              <a:rPr lang="de-DE" dirty="0" err="1"/>
+              <a:t>industrial</a:t>
+            </a:r>
+            <a:r>
+              <a:rPr lang="de-DE" dirty="0"/>
+              <a:t> </a:t>
+            </a:r>
+            <a:r>
+              <a:rPr lang="de-DE" dirty="0" err="1"/>
+              <a:t>specification</a:t>
+            </a:r>
+            <a:endParaRPr lang="de-DE" dirty="0"/>
+          </a:p>
+          <a:p>
+            <a:r>
+              <a:rPr lang="de-DE" dirty="0" err="1"/>
+              <a:t>Smaller</a:t>
+            </a:r>
+            <a:r>
+              <a:rPr lang="de-DE" dirty="0"/>
+              <a:t> band → </a:t>
+            </a:r>
+            <a:r>
+              <a:rPr lang="de-DE" dirty="0" err="1"/>
+              <a:t>stronger</a:t>
+            </a:r>
+            <a:r>
+              <a:rPr lang="de-DE" dirty="0"/>
+              <a:t> </a:t>
+            </a:r>
+            <a:r>
+              <a:rPr lang="de-DE" dirty="0" err="1"/>
+              <a:t>control</a:t>
+            </a:r>
+            <a:r>
+              <a:rPr lang="de-DE" dirty="0"/>
+              <a:t> </a:t>
+            </a:r>
+            <a:r>
+              <a:rPr lang="de-DE" dirty="0" err="1"/>
+              <a:t>action</a:t>
+            </a:r>
+            <a:endParaRPr lang="de-DE" dirty="0"/>
+          </a:p>
+        </p:txBody>
+      </p:sp>
+      <p:sp>
+        <p:nvSpPr>
+          <p:cNvPr id="4" name="Foliennummernplatzhalter 3">
+            <a:extLst>
+              <a:ext uri="{FF2B5EF4-FFF2-40B4-BE49-F238E27FC236}">
+                <a16:creationId xmlns:a16="http://schemas.microsoft.com/office/drawing/2014/main" id="{0DFC52D2-911D-C47E-BCBF-C746469C1D5A}"/>
+              </a:ext>
+            </a:extLst>
+          </p:cNvPr>
+          <p:cNvSpPr>
+            <a:spLocks noGrp="1"/>
+          </p:cNvSpPr>
+          <p:nvPr>
+            <p:ph type="sldNum" sz="quarter" idx="12"/>
+          </p:nvPr>
+        </p:nvSpPr>
+        <p:spPr/>
+        <p:txBody>
+          <a:bodyPr/>
+          <a:lstStyle/>
+          <a:p>
+            <a:fld id="{08C366F5-AFAD-49CB-854A-9D9E238FCA13}" type="slidenum">
+              <a:rPr lang="en-GB" smtClean="0"/>
+              <a:t>15</a:t>
+            </a:fld>
+            <a:endParaRPr lang="en-GB"/>
+          </a:p>
+        </p:txBody>
+      </p:sp>
+    </p:spTree>
+    <p:extLst>
+      <p:ext uri="{BB962C8B-B14F-4D97-AF65-F5344CB8AC3E}">
+        <p14:creationId xmlns:p14="http://schemas.microsoft.com/office/powerpoint/2010/main" val="3777717687"/>
       </p:ext>
     </p:extLst>
   </p:cSld>
@@ -5153,6 +6119,12 @@
             <a:endParaRPr lang="de-DE" dirty="0"/>
           </a:p>
           <a:p>
+            <a:pPr marL="0" indent="0">
+              <a:buNone/>
+            </a:pPr>
+            <a:endParaRPr lang="de-DE" dirty="0"/>
+          </a:p>
+          <a:p>
             <a:r>
               <a:rPr lang="de-DE" dirty="0"/>
               <a:t>PID </a:t>
@@ -5164,6 +6136,12 @@
             <a:endParaRPr lang="de-DE" dirty="0"/>
           </a:p>
           <a:p>
+            <a:pPr marL="0" indent="0">
+              <a:buNone/>
+            </a:pPr>
+            <a:endParaRPr lang="de-DE" dirty="0"/>
+          </a:p>
+          <a:p>
             <a:r>
               <a:rPr lang="de-DE" dirty="0"/>
               <a:t>Working </a:t>
@@ -5175,21 +6153,16 @@
             <a:endParaRPr lang="de-DE" dirty="0"/>
           </a:p>
           <a:p>
+            <a:pPr marL="0" indent="0">
+              <a:buNone/>
+            </a:pPr>
+            <a:endParaRPr lang="de-DE" dirty="0"/>
+          </a:p>
+          <a:p>
             <a:r>
               <a:rPr lang="de-DE" dirty="0"/>
               <a:t>Proportional band</a:t>
             </a:r>
-          </a:p>
-          <a:p>
-            <a:r>
-              <a:rPr lang="de-DE" dirty="0"/>
-              <a:t>Performance </a:t>
-            </a:r>
-            <a:r>
-              <a:rPr lang="de-DE" dirty="0" err="1"/>
-              <a:t>criteria</a:t>
-            </a:r>
-            <a:endParaRPr lang="de-DE" dirty="0"/>
           </a:p>
         </p:txBody>
       </p:sp>
@@ -5252,12 +6225,72 @@
           <a:chExt cx="0" cy="0"/>
         </a:xfrm>
       </p:grpSpPr>
+      <p:pic>
+        <p:nvPicPr>
+          <p:cNvPr id="12" name="Grafik 11">
+            <a:extLst>
+              <a:ext uri="{FF2B5EF4-FFF2-40B4-BE49-F238E27FC236}">
+                <a16:creationId xmlns:a16="http://schemas.microsoft.com/office/drawing/2014/main" id="{F8B7209A-181B-0095-DF45-6FE349E76FB2}"/>
+              </a:ext>
+            </a:extLst>
+          </p:cNvPr>
+          <p:cNvPicPr>
+            <a:picLocks noChangeAspect="1"/>
+          </p:cNvPicPr>
+          <p:nvPr/>
+        </p:nvPicPr>
+        <p:blipFill>
+          <a:blip r:embed="rId2"/>
+          <a:stretch>
+            <a:fillRect/>
+          </a:stretch>
+        </p:blipFill>
+        <p:spPr>
+          <a:xfrm>
+            <a:off x="7959903" y="151195"/>
+            <a:ext cx="3789607" cy="2842205"/>
+          </a:xfrm>
+          <a:prstGeom prst="rect">
+            <a:avLst/>
+          </a:prstGeom>
+        </p:spPr>
+      </p:pic>
+      <p:pic>
+        <p:nvPicPr>
+          <p:cNvPr id="11" name="Grafik 10">
+            <a:extLst>
+              <a:ext uri="{FF2B5EF4-FFF2-40B4-BE49-F238E27FC236}">
+                <a16:creationId xmlns:a16="http://schemas.microsoft.com/office/drawing/2014/main" id="{4BFBA6B1-F917-A121-E6CD-13D0D6BB9D36}"/>
+              </a:ext>
+            </a:extLst>
+          </p:cNvPr>
+          <p:cNvPicPr>
+            <a:picLocks noChangeAspect="1"/>
+          </p:cNvPicPr>
+          <p:nvPr/>
+        </p:nvPicPr>
+        <p:blipFill>
+          <a:blip r:embed="rId3"/>
+          <a:stretch>
+            <a:fillRect/>
+          </a:stretch>
+        </p:blipFill>
+        <p:spPr>
+          <a:xfrm>
+            <a:off x="8003263" y="3601056"/>
+            <a:ext cx="3805710" cy="2887319"/>
+          </a:xfrm>
+          <a:prstGeom prst="rect">
+            <a:avLst/>
+          </a:prstGeom>
+        </p:spPr>
+      </p:pic>
       <p:sp>
         <p:nvSpPr>
           <p:cNvPr id="2" name="Titel 1">
             <a:extLst>
               <a:ext uri="{FF2B5EF4-FFF2-40B4-BE49-F238E27FC236}">
-                <a16:creationId xmlns:a16="http://schemas.microsoft.com/office/drawing/2014/main" id="{9123F54F-3729-3D0D-1F48-430A6D9E4772}"/>
+                <a16:creationId xmlns:a16="http://schemas.microsoft.com/office/drawing/2014/main" id="{BE7DC4EF-509C-7CF3-A7B9-B9C84008259A}"/>
               </a:ext>
             </a:extLst>
           </p:cNvPr>
@@ -5274,157 +6307,526 @@
           <a:lstStyle/>
           <a:p>
             <a:r>
-              <a:rPr lang="de-DE" dirty="0" err="1"/>
-              <a:t>What</a:t>
-            </a:r>
-            <a:r>
-              <a:rPr lang="de-DE" dirty="0"/>
-              <a:t> </a:t>
-            </a:r>
-            <a:r>
-              <a:rPr lang="de-DE" dirty="0" err="1"/>
-              <a:t>Is</a:t>
-            </a:r>
-            <a:r>
-              <a:rPr lang="de-DE" dirty="0"/>
-              <a:t> a Controller?</a:t>
-            </a:r>
-          </a:p>
-        </p:txBody>
-      </p:sp>
-      <p:sp>
-        <p:nvSpPr>
-          <p:cNvPr id="3" name="Inhaltsplatzhalter 2">
-            <a:extLst>
-              <a:ext uri="{FF2B5EF4-FFF2-40B4-BE49-F238E27FC236}">
-                <a16:creationId xmlns:a16="http://schemas.microsoft.com/office/drawing/2014/main" id="{409C90E4-2142-1ED9-9BE2-999CC2EFA3E1}"/>
-              </a:ext>
-            </a:extLst>
-          </p:cNvPr>
-          <p:cNvSpPr>
-            <a:spLocks noGrp="1"/>
-          </p:cNvSpPr>
-          <p:nvPr>
-            <p:ph idx="1"/>
-          </p:nvPr>
-        </p:nvSpPr>
-        <p:spPr/>
-        <p:txBody>
-          <a:bodyPr/>
-          <a:lstStyle/>
-          <a:p>
-            <a:r>
-              <a:rPr lang="de-DE" dirty="0" err="1"/>
-              <a:t>Computes</a:t>
-            </a:r>
-            <a:r>
-              <a:rPr lang="de-DE" dirty="0"/>
-              <a:t> </a:t>
-            </a:r>
-            <a:r>
-              <a:rPr lang="de-DE" dirty="0" err="1"/>
-              <a:t>control</a:t>
-            </a:r>
-            <a:r>
-              <a:rPr lang="de-DE" dirty="0"/>
-              <a:t> </a:t>
-            </a:r>
-            <a:r>
-              <a:rPr lang="de-DE" dirty="0" err="1"/>
-              <a:t>input</a:t>
-            </a:r>
-            <a:r>
-              <a:rPr lang="de-DE" dirty="0"/>
-              <a:t> </a:t>
-            </a:r>
-            <a:r>
-              <a:rPr lang="de-DE" dirty="0" err="1"/>
-              <a:t>from</a:t>
-            </a:r>
-            <a:r>
-              <a:rPr lang="de-DE" dirty="0"/>
-              <a:t> </a:t>
-            </a:r>
-            <a:r>
-              <a:rPr lang="de-DE" dirty="0" err="1"/>
-              <a:t>measured</a:t>
-            </a:r>
-            <a:r>
-              <a:rPr lang="de-DE" dirty="0"/>
-              <a:t> </a:t>
-            </a:r>
-            <a:r>
-              <a:rPr lang="de-DE" dirty="0" err="1"/>
-              <a:t>signals</a:t>
-            </a:r>
-            <a:endParaRPr lang="de-DE" dirty="0"/>
-          </a:p>
-          <a:p>
-            <a:r>
-              <a:rPr lang="de-DE" dirty="0"/>
-              <a:t>Main </a:t>
-            </a:r>
-            <a:r>
-              <a:rPr lang="de-DE" dirty="0" err="1"/>
-              <a:t>goal</a:t>
-            </a:r>
-            <a:r>
-              <a:rPr lang="de-DE" dirty="0"/>
-              <a:t>: </a:t>
-            </a:r>
-            <a:r>
-              <a:rPr lang="de-DE" dirty="0" err="1"/>
-              <a:t>reduce</a:t>
-            </a:r>
-            <a:r>
-              <a:rPr lang="de-DE" dirty="0"/>
-              <a:t> </a:t>
-            </a:r>
-            <a:r>
-              <a:rPr lang="de-DE" dirty="0" err="1"/>
-              <a:t>error</a:t>
-            </a:r>
-            <a:endParaRPr lang="de-DE" dirty="0"/>
-          </a:p>
-          <a:p>
-            <a:r>
-              <a:rPr lang="de-DE" dirty="0" err="1"/>
-              <a:t>Implemented</a:t>
-            </a:r>
-            <a:r>
-              <a:rPr lang="de-DE" dirty="0"/>
-              <a:t> in </a:t>
-            </a:r>
-            <a:r>
-              <a:rPr lang="de-DE" dirty="0" err="1"/>
-              <a:t>software</a:t>
-            </a:r>
-            <a:r>
-              <a:rPr lang="de-DE" dirty="0"/>
-              <a:t> </a:t>
-            </a:r>
-            <a:r>
-              <a:rPr lang="de-DE" dirty="0" err="1"/>
-              <a:t>or</a:t>
-            </a:r>
-            <a:r>
-              <a:rPr lang="de-DE" dirty="0"/>
-              <a:t> </a:t>
-            </a:r>
-            <a:r>
-              <a:rPr lang="de-DE" dirty="0" err="1"/>
-              <a:t>hardware</a:t>
-            </a:r>
-            <a:endParaRPr lang="de-DE" dirty="0"/>
-          </a:p>
-        </p:txBody>
-      </p:sp>
+              <a:rPr lang="de-DE" dirty="0"/>
+              <a:t>Control</a:t>
+            </a:r>
+          </a:p>
+        </p:txBody>
+      </p:sp>
+      <mc:AlternateContent xmlns:mc="http://schemas.openxmlformats.org/markup-compatibility/2006" xmlns:a14="http://schemas.microsoft.com/office/drawing/2010/main">
+        <mc:Choice Requires="a14">
+          <p:sp>
+            <p:nvSpPr>
+              <p:cNvPr id="3" name="Inhaltsplatzhalter 2">
+                <a:extLst>
+                  <a:ext uri="{FF2B5EF4-FFF2-40B4-BE49-F238E27FC236}">
+                    <a16:creationId xmlns:a16="http://schemas.microsoft.com/office/drawing/2014/main" id="{74FF09F3-8CA3-C966-40CD-597262CCACAF}"/>
+                  </a:ext>
+                </a:extLst>
+              </p:cNvPr>
+              <p:cNvSpPr>
+                <a:spLocks noGrp="1"/>
+              </p:cNvSpPr>
+              <p:nvPr>
+                <p:ph idx="1"/>
+              </p:nvPr>
+            </p:nvSpPr>
+            <p:spPr>
+              <a:xfrm>
+                <a:off x="838200" y="1825625"/>
+                <a:ext cx="7121704" cy="4351338"/>
+              </a:xfrm>
+            </p:spPr>
+            <p:txBody>
+              <a:bodyPr>
+                <a:normAutofit/>
+              </a:bodyPr>
+              <a:lstStyle/>
+              <a:p>
+                <a:pPr marL="0" indent="0">
+                  <a:buNone/>
+                </a:pPr>
+                <a:r>
+                  <a:rPr lang="de-DE" sz="2400" dirty="0"/>
+                  <a:t>Models (differential </a:t>
+                </a:r>
+                <a:r>
+                  <a:rPr lang="de-DE" sz="2400" dirty="0" err="1"/>
+                  <a:t>equations</a:t>
+                </a:r>
+                <a:r>
+                  <a:rPr lang="de-DE" sz="2400" dirty="0"/>
+                  <a:t>) </a:t>
+                </a:r>
+                <a:r>
+                  <a:rPr lang="de-DE" sz="2400" dirty="0" err="1"/>
+                  <a:t>of</a:t>
+                </a:r>
+                <a:r>
+                  <a:rPr lang="de-DE" sz="2400" dirty="0"/>
+                  <a:t> </a:t>
+                </a:r>
+                <a:r>
+                  <a:rPr lang="de-DE" sz="2400" dirty="0" err="1"/>
+                  <a:t>dynamic</a:t>
+                </a:r>
+                <a:r>
+                  <a:rPr lang="de-DE" sz="2400" dirty="0"/>
+                  <a:t> </a:t>
+                </a:r>
+                <a:r>
+                  <a:rPr lang="de-DE" sz="2400" dirty="0" err="1"/>
+                  <a:t>systems</a:t>
+                </a:r>
+                <a:r>
+                  <a:rPr lang="de-DE" sz="2400" dirty="0"/>
+                  <a:t> </a:t>
+                </a:r>
+                <a:r>
+                  <a:rPr lang="de-DE" sz="2400" dirty="0" err="1"/>
+                  <a:t>allow</a:t>
+                </a:r>
+                <a:r>
+                  <a:rPr lang="de-DE" sz="2400" dirty="0"/>
+                  <a:t> </a:t>
+                </a:r>
+                <a:r>
+                  <a:rPr lang="de-DE" sz="2400" dirty="0" err="1"/>
+                  <a:t>to</a:t>
+                </a:r>
+                <a:r>
+                  <a:rPr lang="de-DE" sz="2400" dirty="0"/>
+                  <a:t> </a:t>
+                </a:r>
+                <a:r>
+                  <a:rPr lang="de-DE" sz="2400" dirty="0" err="1"/>
+                  <a:t>calculate</a:t>
+                </a:r>
+                <a:r>
+                  <a:rPr lang="de-DE" sz="2400" dirty="0"/>
+                  <a:t> </a:t>
+                </a:r>
+                <a:r>
+                  <a:rPr lang="de-DE" sz="2400" dirty="0" err="1"/>
+                  <a:t>the</a:t>
+                </a:r>
+                <a:r>
+                  <a:rPr lang="de-DE" sz="2400" dirty="0"/>
+                  <a:t> </a:t>
+                </a:r>
+                <a:r>
+                  <a:rPr lang="de-DE" sz="2400" dirty="0" err="1"/>
+                  <a:t>effect</a:t>
+                </a:r>
+                <a:r>
+                  <a:rPr lang="de-DE" sz="2400" dirty="0"/>
+                  <a:t> </a:t>
+                </a:r>
+                <a:r>
+                  <a:rPr lang="de-DE" sz="2400" dirty="0" err="1"/>
+                  <a:t>of</a:t>
+                </a:r>
+                <a:r>
+                  <a:rPr lang="de-DE" sz="2400" dirty="0"/>
+                  <a:t> </a:t>
+                </a:r>
+                <a:r>
+                  <a:rPr lang="de-DE" sz="2400" dirty="0" err="1"/>
+                  <a:t>inputs</a:t>
+                </a:r>
+                <a:r>
+                  <a:rPr lang="de-DE" sz="2400" dirty="0"/>
+                  <a:t> on </a:t>
+                </a:r>
+                <a:r>
+                  <a:rPr lang="de-DE" sz="2400" dirty="0" err="1"/>
+                  <a:t>outputs</a:t>
+                </a:r>
+                <a:endParaRPr lang="de-DE" sz="2400" dirty="0">
+                  <a:sym typeface="Wingdings" pitchFamily="2" charset="2"/>
+                </a:endParaRPr>
+              </a:p>
+              <a:p>
+                <a:pPr marL="0" indent="0">
+                  <a:buNone/>
+                </a:pPr>
+                <a:endParaRPr lang="de-DE" sz="2400" dirty="0">
+                  <a:sym typeface="Wingdings" pitchFamily="2" charset="2"/>
+                </a:endParaRPr>
+              </a:p>
+              <a:p>
+                <a:pPr marL="0" indent="0">
+                  <a:buNone/>
+                </a:pPr>
+                <a:r>
+                  <a:rPr lang="de-DE" sz="2400" dirty="0">
+                    <a:sym typeface="Wingdings" pitchFamily="2" charset="2"/>
+                  </a:rPr>
+                  <a:t>Idea </a:t>
+                </a:r>
+                <a:r>
+                  <a:rPr lang="de-DE" sz="2400" dirty="0" err="1">
+                    <a:sym typeface="Wingdings" pitchFamily="2" charset="2"/>
+                  </a:rPr>
+                  <a:t>of</a:t>
+                </a:r>
+                <a:r>
+                  <a:rPr lang="de-DE" sz="2400" dirty="0">
+                    <a:sym typeface="Wingdings" pitchFamily="2" charset="2"/>
+                  </a:rPr>
+                  <a:t> </a:t>
+                </a:r>
+                <a:r>
+                  <a:rPr lang="de-DE" sz="2400" dirty="0" err="1">
+                    <a:sym typeface="Wingdings" pitchFamily="2" charset="2"/>
+                  </a:rPr>
+                  <a:t>control</a:t>
+                </a:r>
+                <a:r>
+                  <a:rPr lang="de-DE" sz="2400" dirty="0">
+                    <a:sym typeface="Wingdings" pitchFamily="2" charset="2"/>
+                  </a:rPr>
+                  <a:t>: </a:t>
+                </a:r>
+                <a:r>
+                  <a:rPr lang="de-DE" sz="2400" dirty="0" err="1">
+                    <a:sym typeface="Wingdings" pitchFamily="2" charset="2"/>
+                  </a:rPr>
+                  <a:t>m</a:t>
+                </a:r>
+                <a:r>
+                  <a:rPr lang="de-DE" sz="2400" dirty="0" err="1"/>
+                  <a:t>odify</a:t>
+                </a:r>
+                <a:r>
+                  <a:rPr lang="de-DE" sz="2400" dirty="0"/>
+                  <a:t> </a:t>
+                </a:r>
+                <a:r>
+                  <a:rPr lang="de-DE" sz="2400" dirty="0" err="1"/>
+                  <a:t>the</a:t>
+                </a:r>
+                <a:r>
+                  <a:rPr lang="de-DE" sz="2400" dirty="0"/>
+                  <a:t> </a:t>
+                </a:r>
+                <a:r>
+                  <a:rPr lang="de-DE" sz="2400" dirty="0" err="1"/>
+                  <a:t>input</a:t>
+                </a:r>
+                <a:r>
+                  <a:rPr lang="de-DE" sz="2400" dirty="0"/>
+                  <a:t> in </a:t>
+                </a:r>
+                <a:r>
+                  <a:rPr lang="de-DE" sz="2400" dirty="0" err="1"/>
+                  <a:t>order</a:t>
+                </a:r>
+                <a:r>
+                  <a:rPr lang="de-DE" sz="2400" dirty="0"/>
+                  <a:t> </a:t>
+                </a:r>
+                <a:r>
+                  <a:rPr lang="de-DE" sz="2400" dirty="0" err="1"/>
+                  <a:t>to</a:t>
+                </a:r>
+                <a:r>
+                  <a:rPr lang="de-DE" sz="2400" dirty="0"/>
+                  <a:t> </a:t>
+                </a:r>
+                <a:r>
+                  <a:rPr lang="de-DE" sz="2400" dirty="0" err="1"/>
+                  <a:t>obtain</a:t>
+                </a:r>
+                <a:r>
+                  <a:rPr lang="de-DE" sz="2400" dirty="0"/>
+                  <a:t> a </a:t>
+                </a:r>
+                <a:r>
+                  <a:rPr lang="de-DE" sz="2400" dirty="0" err="1"/>
+                  <a:t>desired</a:t>
+                </a:r>
+                <a:r>
+                  <a:rPr lang="de-DE" sz="2400" dirty="0"/>
+                  <a:t> </a:t>
+                </a:r>
+                <a:r>
+                  <a:rPr lang="de-DE" sz="2400" dirty="0" err="1"/>
+                  <a:t>output</a:t>
+                </a:r>
+                <a:endParaRPr lang="de-DE" sz="2400" dirty="0"/>
+              </a:p>
+              <a:p>
+                <a:pPr marL="0" indent="0">
+                  <a:buNone/>
+                </a:pPr>
+                <a:endParaRPr lang="de-DE" sz="2400" dirty="0"/>
+              </a:p>
+              <a:p>
+                <a:pPr marL="0" indent="0">
+                  <a:buNone/>
+                </a:pPr>
+                <a:r>
+                  <a:rPr lang="de-DE" sz="2400" dirty="0" err="1"/>
+                  <a:t>Example</a:t>
+                </a:r>
+                <a:r>
+                  <a:rPr lang="de-DE" sz="2400" dirty="0"/>
+                  <a:t>: </a:t>
+                </a:r>
+                <a:r>
+                  <a:rPr lang="de-DE" sz="2400" dirty="0" err="1"/>
+                  <a:t>adjust</a:t>
+                </a:r>
+                <a:r>
+                  <a:rPr lang="de-DE" sz="2400" dirty="0"/>
+                  <a:t> </a:t>
+                </a:r>
+                <a:r>
+                  <a:rPr lang="de-DE" sz="2400" dirty="0" err="1"/>
+                  <a:t>step</a:t>
+                </a:r>
+                <a:r>
+                  <a:rPr lang="de-DE" sz="2400" dirty="0"/>
+                  <a:t> </a:t>
+                </a:r>
+                <a:r>
+                  <a:rPr lang="de-DE" sz="2400" dirty="0" err="1"/>
+                  <a:t>input</a:t>
+                </a:r>
+                <a:r>
+                  <a:rPr lang="de-DE" sz="2400" dirty="0"/>
+                  <a:t> </a:t>
+                </a:r>
+                <a:r>
+                  <a:rPr lang="de-DE" sz="2400" dirty="0" err="1"/>
+                  <a:t>to</a:t>
+                </a:r>
+                <a:r>
+                  <a:rPr lang="de-DE" sz="2400" dirty="0"/>
+                  <a:t> </a:t>
+                </a:r>
+                <a:r>
+                  <a:rPr lang="de-DE" sz="2400" dirty="0" err="1"/>
+                  <a:t>reach</a:t>
+                </a:r>
+                <a:r>
+                  <a:rPr lang="de-DE" sz="2400" dirty="0"/>
+                  <a:t> a </a:t>
+                </a:r>
+                <a:r>
+                  <a:rPr lang="de-DE" sz="2400" dirty="0" err="1"/>
+                  <a:t>desired</a:t>
+                </a:r>
+                <a:r>
+                  <a:rPr lang="de-DE" sz="2400" dirty="0"/>
+                  <a:t> </a:t>
+                </a:r>
+                <a:r>
+                  <a:rPr lang="de-DE" sz="2400" dirty="0" err="1"/>
+                  <a:t>steady</a:t>
+                </a:r>
+                <a:r>
+                  <a:rPr lang="de-DE" sz="2400" dirty="0"/>
+                  <a:t> </a:t>
+                </a:r>
+                <a:r>
+                  <a:rPr lang="de-DE" sz="2400" dirty="0" err="1"/>
+                  <a:t>state</a:t>
+                </a:r>
+                <a:r>
+                  <a:rPr lang="de-DE" sz="2400" dirty="0"/>
+                  <a:t> (</a:t>
+                </a:r>
+                <a14:m>
+                  <m:oMath xmlns:m="http://schemas.openxmlformats.org/officeDocument/2006/math">
+                    <m:sSub>
+                      <m:sSubPr>
+                        <m:ctrlPr>
+                          <a:rPr lang="de-DE" sz="2400" i="1">
+                            <a:latin typeface="Cambria Math" panose="02040503050406030204" pitchFamily="18" charset="0"/>
+                          </a:rPr>
+                        </m:ctrlPr>
+                      </m:sSubPr>
+                      <m:e>
+                        <m:r>
+                          <a:rPr lang="de-DE" sz="2400" i="1">
+                            <a:latin typeface="Cambria Math" panose="02040503050406030204" pitchFamily="18" charset="0"/>
+                          </a:rPr>
+                          <m:t>𝑢</m:t>
+                        </m:r>
+                      </m:e>
+                      <m:sub>
+                        <m:r>
+                          <m:rPr>
+                            <m:sty m:val="p"/>
+                          </m:rPr>
+                          <a:rPr lang="de-DE" sz="2400">
+                            <a:latin typeface="Cambria Math" panose="02040503050406030204" pitchFamily="18" charset="0"/>
+                          </a:rPr>
+                          <m:t>step</m:t>
+                        </m:r>
+                      </m:sub>
+                    </m:sSub>
+                    <m:r>
+                      <a:rPr lang="de-DE" sz="2400" i="1">
+                        <a:latin typeface="Cambria Math" panose="02040503050406030204" pitchFamily="18" charset="0"/>
+                      </a:rPr>
+                      <m:t>=</m:t>
+                    </m:r>
+                    <m:f>
+                      <m:fPr>
+                        <m:ctrlPr>
+                          <a:rPr lang="de-DE" sz="2400" i="1">
+                            <a:latin typeface="Cambria Math" panose="02040503050406030204" pitchFamily="18" charset="0"/>
+                          </a:rPr>
+                        </m:ctrlPr>
+                      </m:fPr>
+                      <m:num>
+                        <m:r>
+                          <a:rPr lang="de-DE" sz="2400" i="1">
+                            <a:latin typeface="Cambria Math" panose="02040503050406030204" pitchFamily="18" charset="0"/>
+                          </a:rPr>
+                          <m:t>𝑦</m:t>
+                        </m:r>
+                        <m:r>
+                          <a:rPr lang="de-DE" sz="2400" i="1">
+                            <a:latin typeface="Cambria Math" panose="02040503050406030204" pitchFamily="18" charset="0"/>
+                          </a:rPr>
+                          <m:t>(∞)</m:t>
+                        </m:r>
+                      </m:num>
+                      <m:den>
+                        <m:r>
+                          <a:rPr lang="de-DE" sz="2400" b="0" i="1" smtClean="0">
+                            <a:latin typeface="Cambria Math" panose="02040503050406030204" pitchFamily="18" charset="0"/>
+                          </a:rPr>
+                          <m:t>𝐾</m:t>
+                        </m:r>
+                      </m:den>
+                    </m:f>
+                  </m:oMath>
+                </a14:m>
+                <a:r>
+                  <a:rPr lang="de-DE" sz="2400" dirty="0"/>
+                  <a:t>)</a:t>
+                </a:r>
+              </a:p>
+              <a:p>
+                <a:pPr marL="0" indent="0">
+                  <a:buNone/>
+                </a:pPr>
+                <a:r>
+                  <a:rPr lang="de-DE" sz="2400" dirty="0"/>
+                  <a:t>Problems: </a:t>
+                </a:r>
+                <a:r>
+                  <a:rPr lang="de-DE" sz="2400" dirty="0" err="1"/>
+                  <a:t>response</a:t>
+                </a:r>
+                <a:r>
+                  <a:rPr lang="de-DE" sz="2400" dirty="0"/>
+                  <a:t> </a:t>
+                </a:r>
+                <a:r>
+                  <a:rPr lang="de-DE" sz="2400" dirty="0" err="1"/>
+                  <a:t>may</a:t>
+                </a:r>
+                <a:r>
+                  <a:rPr lang="de-DE" sz="2400" dirty="0"/>
+                  <a:t> </a:t>
+                </a:r>
+                <a:r>
+                  <a:rPr lang="de-DE" sz="2400" dirty="0" err="1"/>
+                  <a:t>be</a:t>
+                </a:r>
+                <a:r>
+                  <a:rPr lang="de-DE" sz="2400" dirty="0"/>
+                  <a:t> </a:t>
+                </a:r>
+                <a:r>
+                  <a:rPr lang="de-DE" sz="2400" dirty="0" err="1"/>
+                  <a:t>too</a:t>
+                </a:r>
+                <a:r>
+                  <a:rPr lang="de-DE" sz="2400" dirty="0"/>
+                  <a:t> slow, </a:t>
+                </a:r>
+                <a:r>
+                  <a:rPr lang="de-DE" sz="2400" dirty="0" err="1"/>
+                  <a:t>disturbances</a:t>
+                </a:r>
+                <a:r>
+                  <a:rPr lang="de-DE" sz="2400" dirty="0"/>
+                  <a:t> </a:t>
+                </a:r>
+                <a:r>
+                  <a:rPr lang="de-DE" sz="2400" dirty="0" err="1"/>
+                  <a:t>degrade</a:t>
+                </a:r>
+                <a:r>
+                  <a:rPr lang="de-DE" sz="2400" dirty="0"/>
+                  <a:t> </a:t>
+                </a:r>
+                <a:r>
+                  <a:rPr lang="de-DE" sz="2400" dirty="0" err="1"/>
+                  <a:t>performance</a:t>
+                </a:r>
+                <a:endParaRPr lang="de-DE" sz="2400" dirty="0"/>
+              </a:p>
+            </p:txBody>
+          </p:sp>
+        </mc:Choice>
+        <mc:Fallback xmlns="">
+          <p:sp>
+            <p:nvSpPr>
+              <p:cNvPr id="3" name="Inhaltsplatzhalter 2">
+                <a:extLst>
+                  <a:ext uri="{FF2B5EF4-FFF2-40B4-BE49-F238E27FC236}">
+                    <a16:creationId xmlns:a16="http://schemas.microsoft.com/office/drawing/2014/main" id="{74FF09F3-8CA3-C966-40CD-597262CCACAF}"/>
+                  </a:ext>
+                </a:extLst>
+              </p:cNvPr>
+              <p:cNvSpPr>
+                <a:spLocks noGrp="1" noRot="1" noChangeAspect="1" noMove="1" noResize="1" noEditPoints="1" noAdjustHandles="1" noChangeArrowheads="1" noChangeShapeType="1" noTextEdit="1"/>
+              </p:cNvSpPr>
+              <p:nvPr>
+                <p:ph idx="1"/>
+              </p:nvPr>
+            </p:nvSpPr>
+            <p:spPr>
+              <a:xfrm>
+                <a:off x="838200" y="1825625"/>
+                <a:ext cx="7121704" cy="4351338"/>
+              </a:xfrm>
+              <a:blipFill>
+                <a:blip r:embed="rId4"/>
+                <a:stretch>
+                  <a:fillRect l="-1426" t="-2035"/>
+                </a:stretch>
+              </a:blipFill>
+            </p:spPr>
+            <p:txBody>
+              <a:bodyPr/>
+              <a:lstStyle/>
+              <a:p>
+                <a:r>
+                  <a:rPr lang="de-DE">
+                    <a:noFill/>
+                  </a:rPr>
+                  <a:t> </a:t>
+                </a:r>
+              </a:p>
+            </p:txBody>
+          </p:sp>
+        </mc:Fallback>
+      </mc:AlternateContent>
       <p:sp>
         <p:nvSpPr>
           <p:cNvPr id="4" name="Foliennummernplatzhalter 3">
             <a:extLst>
               <a:ext uri="{FF2B5EF4-FFF2-40B4-BE49-F238E27FC236}">
-                <a16:creationId xmlns:a16="http://schemas.microsoft.com/office/drawing/2014/main" id="{4CF17444-670B-8FFE-12D9-5A350CF7FD5E}"/>
+                <a16:creationId xmlns:a16="http://schemas.microsoft.com/office/drawing/2014/main" id="{FECD5689-342F-5AD8-19BC-8BA08422D2A7}"/>
               </a:ext>
             </a:extLst>
           </p:cNvPr>
@@ -5448,10 +6850,166 @@
           </a:p>
         </p:txBody>
       </p:sp>
+      <p:sp>
+        <p:nvSpPr>
+          <p:cNvPr id="7" name="Textfeld 6">
+            <a:extLst>
+              <a:ext uri="{FF2B5EF4-FFF2-40B4-BE49-F238E27FC236}">
+                <a16:creationId xmlns:a16="http://schemas.microsoft.com/office/drawing/2014/main" id="{4A434B01-503E-BD37-D8FA-79687F797EC2}"/>
+              </a:ext>
+            </a:extLst>
+          </p:cNvPr>
+          <p:cNvSpPr txBox="1"/>
+          <p:nvPr/>
+        </p:nvSpPr>
+        <p:spPr>
+          <a:xfrm>
+            <a:off x="5640309" y="2974063"/>
+            <a:ext cx="65" cy="276999"/>
+          </a:xfrm>
+          <a:prstGeom prst="rect">
+            <a:avLst/>
+          </a:prstGeom>
+          <a:noFill/>
+        </p:spPr>
+        <p:txBody>
+          <a:bodyPr wrap="none" lIns="0" tIns="0" rIns="0" bIns="0" rtlCol="0">
+            <a:spAutoFit/>
+          </a:bodyPr>
+          <a:lstStyle/>
+          <a:p>
+            <a:endParaRPr lang="de-DE" dirty="0"/>
+          </a:p>
+        </p:txBody>
+      </p:sp>
+      <p:sp>
+        <p:nvSpPr>
+          <p:cNvPr id="8" name="Textfeld 7">
+            <a:extLst>
+              <a:ext uri="{FF2B5EF4-FFF2-40B4-BE49-F238E27FC236}">
+                <a16:creationId xmlns:a16="http://schemas.microsoft.com/office/drawing/2014/main" id="{0FFD4167-071D-BF2B-8D1F-58FDC720DB33}"/>
+              </a:ext>
+            </a:extLst>
+          </p:cNvPr>
+          <p:cNvSpPr txBox="1"/>
+          <p:nvPr/>
+        </p:nvSpPr>
+        <p:spPr>
+          <a:xfrm>
+            <a:off x="9991253" y="1078776"/>
+            <a:ext cx="1310680" cy="369332"/>
+          </a:xfrm>
+          <a:prstGeom prst="rect">
+            <a:avLst/>
+          </a:prstGeom>
+          <a:noFill/>
+        </p:spPr>
+        <p:txBody>
+          <a:bodyPr wrap="none" rtlCol="0">
+            <a:spAutoFit/>
+          </a:bodyPr>
+          <a:lstStyle/>
+          <a:p>
+            <a:r>
+              <a:rPr lang="de-DE" dirty="0"/>
+              <a:t>PT1 </a:t>
+            </a:r>
+            <a:r>
+              <a:rPr lang="de-DE" dirty="0" err="1"/>
+              <a:t>system</a:t>
+            </a:r>
+            <a:endParaRPr lang="de-DE" dirty="0"/>
+          </a:p>
+        </p:txBody>
+      </p:sp>
+      <p:sp>
+        <p:nvSpPr>
+          <p:cNvPr id="9" name="Textfeld 8">
+            <a:extLst>
+              <a:ext uri="{FF2B5EF4-FFF2-40B4-BE49-F238E27FC236}">
+                <a16:creationId xmlns:a16="http://schemas.microsoft.com/office/drawing/2014/main" id="{CF285684-4910-B4B8-7E1D-C72E567317A1}"/>
+              </a:ext>
+            </a:extLst>
+          </p:cNvPr>
+          <p:cNvSpPr txBox="1"/>
+          <p:nvPr/>
+        </p:nvSpPr>
+        <p:spPr>
+          <a:xfrm>
+            <a:off x="10010286" y="5105675"/>
+            <a:ext cx="1310680" cy="369332"/>
+          </a:xfrm>
+          <a:prstGeom prst="rect">
+            <a:avLst/>
+          </a:prstGeom>
+          <a:noFill/>
+        </p:spPr>
+        <p:txBody>
+          <a:bodyPr wrap="none" rtlCol="0">
+            <a:spAutoFit/>
+          </a:bodyPr>
+          <a:lstStyle/>
+          <a:p>
+            <a:r>
+              <a:rPr lang="de-DE" dirty="0"/>
+              <a:t>PT2 </a:t>
+            </a:r>
+            <a:r>
+              <a:rPr lang="de-DE" dirty="0" err="1"/>
+              <a:t>system</a:t>
+            </a:r>
+            <a:endParaRPr lang="de-DE" dirty="0"/>
+          </a:p>
+        </p:txBody>
+      </p:sp>
+      <p:sp>
+        <p:nvSpPr>
+          <p:cNvPr id="10" name="Textfeld 9">
+            <a:extLst>
+              <a:ext uri="{FF2B5EF4-FFF2-40B4-BE49-F238E27FC236}">
+                <a16:creationId xmlns:a16="http://schemas.microsoft.com/office/drawing/2014/main" id="{90159FD4-0BE6-7B61-4EA4-13135A140089}"/>
+              </a:ext>
+            </a:extLst>
+          </p:cNvPr>
+          <p:cNvSpPr txBox="1"/>
+          <p:nvPr/>
+        </p:nvSpPr>
+        <p:spPr>
+          <a:xfrm>
+            <a:off x="9148255" y="3112562"/>
+            <a:ext cx="1724062" cy="369332"/>
+          </a:xfrm>
+          <a:prstGeom prst="rect">
+            <a:avLst/>
+          </a:prstGeom>
+          <a:noFill/>
+        </p:spPr>
+        <p:txBody>
+          <a:bodyPr wrap="none" rtlCol="0">
+            <a:spAutoFit/>
+          </a:bodyPr>
+          <a:lstStyle/>
+          <a:p>
+            <a:r>
+              <a:rPr lang="de-DE" dirty="0" err="1"/>
+              <a:t>Step</a:t>
+            </a:r>
+            <a:r>
+              <a:rPr lang="de-DE" dirty="0"/>
+              <a:t> </a:t>
+            </a:r>
+            <a:r>
+              <a:rPr lang="de-DE" dirty="0" err="1"/>
+              <a:t>responses</a:t>
+            </a:r>
+            <a:endParaRPr lang="de-DE" dirty="0"/>
+          </a:p>
+        </p:txBody>
+      </p:sp>
     </p:spTree>
     <p:extLst>
       <p:ext uri="{BB962C8B-B14F-4D97-AF65-F5344CB8AC3E}">
-        <p14:creationId xmlns:p14="http://schemas.microsoft.com/office/powerpoint/2010/main" val="3063763614"/>
+        <p14:creationId xmlns:p14="http://schemas.microsoft.com/office/powerpoint/2010/main" val="1756225945"/>
       </p:ext>
     </p:extLst>
   </p:cSld>
@@ -5527,18 +7085,55 @@
             <p:ph idx="1"/>
           </p:nvPr>
         </p:nvSpPr>
-        <p:spPr/>
-        <p:txBody>
-          <a:bodyPr/>
+        <p:spPr>
+          <a:xfrm>
+            <a:off x="838201" y="1825625"/>
+            <a:ext cx="5976672" cy="4351338"/>
+          </a:xfrm>
+        </p:spPr>
+        <p:txBody>
+          <a:bodyPr>
+            <a:normAutofit fontScale="92500" lnSpcReduction="10000"/>
+          </a:bodyPr>
           <a:lstStyle/>
           <a:p>
             <a:r>
               <a:rPr lang="de-DE" dirty="0" err="1"/>
               <a:t>Stability</a:t>
             </a:r>
+            <a:r>
+              <a:rPr lang="de-DE" dirty="0">
+                <a:sym typeface="Wingdings" pitchFamily="2" charset="2"/>
+              </a:rPr>
+              <a:t> (</a:t>
+            </a:r>
+            <a:r>
+              <a:rPr lang="de-DE" dirty="0" err="1"/>
+              <a:t>bounded</a:t>
+            </a:r>
+            <a:r>
+              <a:rPr lang="de-DE" dirty="0"/>
+              <a:t> </a:t>
+            </a:r>
+            <a:r>
+              <a:rPr lang="de-DE" dirty="0" err="1"/>
+              <a:t>output</a:t>
+            </a:r>
+            <a:r>
+              <a:rPr lang="de-DE" dirty="0">
+                <a:sym typeface="Wingdings" pitchFamily="2" charset="2"/>
+              </a:rPr>
+              <a:t>)</a:t>
+            </a:r>
             <a:endParaRPr lang="de-DE" dirty="0"/>
           </a:p>
           <a:p>
+            <a:pPr marL="0" indent="0">
+              <a:buNone/>
+            </a:pPr>
+            <a:endParaRPr lang="de-DE" dirty="0"/>
+          </a:p>
+          <a:p>
             <a:r>
               <a:rPr lang="de-DE" dirty="0"/>
               <a:t>Fast </a:t>
@@ -5547,6 +7142,31 @@
               <a:rPr lang="de-DE" dirty="0" err="1"/>
               <a:t>response</a:t>
             </a:r>
+            <a:r>
+              <a:rPr lang="de-DE" dirty="0"/>
+              <a:t>: </a:t>
+            </a:r>
+            <a:r>
+              <a:rPr lang="de-DE" dirty="0" err="1"/>
+              <a:t>rise</a:t>
+            </a:r>
+            <a:r>
+              <a:rPr lang="de-DE" dirty="0"/>
+              <a:t> and </a:t>
+            </a:r>
+            <a:r>
+              <a:rPr lang="de-DE" dirty="0" err="1"/>
+              <a:t>settling</a:t>
+            </a:r>
+            <a:r>
+              <a:rPr lang="de-DE" dirty="0"/>
+              <a:t> time</a:t>
+            </a:r>
+          </a:p>
+          <a:p>
+            <a:pPr marL="0" indent="0">
+              <a:buNone/>
+            </a:pPr>
             <a:endParaRPr lang="de-DE" dirty="0"/>
           </a:p>
           <a:p>
@@ -5561,6 +7181,12 @@
             <a:endParaRPr lang="de-DE" dirty="0"/>
           </a:p>
           <a:p>
+            <a:pPr marL="0" indent="0">
+              <a:buNone/>
+            </a:pPr>
+            <a:endParaRPr lang="de-DE" dirty="0"/>
+          </a:p>
+          <a:p>
             <a:r>
               <a:rPr lang="de-DE" dirty="0"/>
               <a:t>Small </a:t>
@@ -5580,11 +7206,60 @@
             <a:endParaRPr lang="de-DE" dirty="0"/>
           </a:p>
           <a:p>
+            <a:pPr marL="0" indent="0">
+              <a:buNone/>
+            </a:pPr>
+            <a:endParaRPr lang="de-DE" dirty="0"/>
+          </a:p>
+          <a:p>
             <a:r>
               <a:rPr lang="de-DE" dirty="0" err="1"/>
               <a:t>Robustness</a:t>
             </a:r>
-            <a:endParaRPr lang="de-DE" dirty="0"/>
+            <a:r>
+              <a:rPr lang="de-DE" dirty="0"/>
+              <a:t> (</a:t>
+            </a:r>
+            <a:r>
+              <a:rPr lang="de-DE" dirty="0" err="1"/>
+              <a:t>insensitivity</a:t>
+            </a:r>
+            <a:r>
+              <a:rPr lang="de-DE" dirty="0"/>
+              <a:t> </a:t>
+            </a:r>
+            <a:r>
+              <a:rPr lang="de-DE" dirty="0" err="1"/>
+              <a:t>to</a:t>
+            </a:r>
+            <a:r>
+              <a:rPr lang="de-DE" dirty="0"/>
+              <a:t> </a:t>
+            </a:r>
+            <a:r>
+              <a:rPr lang="de-DE" dirty="0" err="1"/>
+              <a:t>model</a:t>
+            </a:r>
+            <a:r>
+              <a:rPr lang="de-DE" dirty="0"/>
+              <a:t> </a:t>
+            </a:r>
+            <a:r>
+              <a:rPr lang="de-DE" dirty="0" err="1"/>
+              <a:t>uncertainty</a:t>
+            </a:r>
+            <a:r>
+              <a:rPr lang="de-DE" dirty="0"/>
+              <a:t> and </a:t>
+            </a:r>
+            <a:r>
+              <a:rPr lang="de-DE" dirty="0" err="1"/>
+              <a:t>disturbances</a:t>
+            </a:r>
+            <a:r>
+              <a:rPr lang="de-DE" dirty="0"/>
+              <a:t>)</a:t>
+            </a:r>
           </a:p>
         </p:txBody>
       </p:sp>
@@ -5617,6 +7292,78 @@
           </a:p>
         </p:txBody>
       </p:sp>
+      <p:pic>
+        <p:nvPicPr>
+          <p:cNvPr id="6" name="Grafik 5" descr="Ein Bild, das Diagramm, Reihe, parallel, technische Zeichnung enthält.&#10;&#10;KI-generierte Inhalte können fehlerhaft sein.">
+            <a:extLst>
+              <a:ext uri="{FF2B5EF4-FFF2-40B4-BE49-F238E27FC236}">
+                <a16:creationId xmlns:a16="http://schemas.microsoft.com/office/drawing/2014/main" id="{8817D4D8-D4AC-B5FB-B316-D1B487CC7B23}"/>
+              </a:ext>
+            </a:extLst>
+          </p:cNvPr>
+          <p:cNvPicPr>
+            <a:picLocks noChangeAspect="1"/>
+          </p:cNvPicPr>
+          <p:nvPr/>
+        </p:nvPicPr>
+        <p:blipFill>
+          <a:blip r:embed="rId2">
+            <a:extLst>
+              <a:ext uri="{28A0092B-C50C-407E-A947-70E740481C1C}">
+                <a14:useLocalDpi xmlns:a14="http://schemas.microsoft.com/office/drawing/2010/main" val="0"/>
+              </a:ext>
+            </a:extLst>
+          </a:blip>
+          <a:stretch>
+            <a:fillRect/>
+          </a:stretch>
+        </p:blipFill>
+        <p:spPr>
+          <a:xfrm>
+            <a:off x="6814873" y="188833"/>
+            <a:ext cx="4104661" cy="3273584"/>
+          </a:xfrm>
+          <a:prstGeom prst="rect">
+            <a:avLst/>
+          </a:prstGeom>
+        </p:spPr>
+      </p:pic>
+      <p:pic>
+        <p:nvPicPr>
+          <p:cNvPr id="8" name="Grafik 7" descr="Ein Bild, das Diagramm, Entwurf, Reihe, Zeichnung enthält.&#10;&#10;KI-generierte Inhalte können fehlerhaft sein.">
+            <a:extLst>
+              <a:ext uri="{FF2B5EF4-FFF2-40B4-BE49-F238E27FC236}">
+                <a16:creationId xmlns:a16="http://schemas.microsoft.com/office/drawing/2014/main" id="{BB0F7AB4-9953-B7DF-75B6-EE9C396F6A22}"/>
+              </a:ext>
+            </a:extLst>
+          </p:cNvPr>
+          <p:cNvPicPr>
+            <a:picLocks noChangeAspect="1"/>
+          </p:cNvPicPr>
+          <p:nvPr/>
+        </p:nvPicPr>
+        <p:blipFill>
+          <a:blip r:embed="rId3">
+            <a:extLst>
+              <a:ext uri="{28A0092B-C50C-407E-A947-70E740481C1C}">
+                <a14:useLocalDpi xmlns:a14="http://schemas.microsoft.com/office/drawing/2010/main" val="0"/>
+              </a:ext>
+            </a:extLst>
+          </a:blip>
+          <a:stretch>
+            <a:fillRect/>
+          </a:stretch>
+        </p:blipFill>
+        <p:spPr>
+          <a:xfrm>
+            <a:off x="6814873" y="3759562"/>
+            <a:ext cx="4104661" cy="3084337"/>
+          </a:xfrm>
+          <a:prstGeom prst="rect">
+            <a:avLst/>
+          </a:prstGeom>
+        </p:spPr>
+      </p:pic>
     </p:spTree>
     <p:extLst>
       <p:ext uri="{BB962C8B-B14F-4D97-AF65-F5344CB8AC3E}">
@@ -5652,7 +7399,7 @@
           <p:cNvPr id="2" name="Titel 1">
             <a:extLst>
               <a:ext uri="{FF2B5EF4-FFF2-40B4-BE49-F238E27FC236}">
-                <a16:creationId xmlns:a16="http://schemas.microsoft.com/office/drawing/2014/main" id="{FF143404-24F2-9A05-A838-DA664C42FFF0}"/>
+                <a16:creationId xmlns:a16="http://schemas.microsoft.com/office/drawing/2014/main" id="{9123F54F-3729-3D0D-1F48-430A6D9E4772}"/>
               </a:ext>
             </a:extLst>
           </p:cNvPr>
@@ -5670,7 +7417,7 @@
           <a:p>
             <a:r>
               <a:rPr lang="de-DE" dirty="0"/>
-              <a:t>Proportional Control (P)</a:t>
+              <a:t>Control Loop</a:t>
             </a:r>
           </a:p>
         </p:txBody>
@@ -5680,7 +7427,7 @@
           <p:cNvPr id="3" name="Inhaltsplatzhalter 2">
             <a:extLst>
               <a:ext uri="{FF2B5EF4-FFF2-40B4-BE49-F238E27FC236}">
-                <a16:creationId xmlns:a16="http://schemas.microsoft.com/office/drawing/2014/main" id="{F6BACF97-F93A-1C13-3B25-2B3FA1DBF690}"/>
+                <a16:creationId xmlns:a16="http://schemas.microsoft.com/office/drawing/2014/main" id="{409C90E4-2142-1ED9-9BE2-999CC2EFA3E1}"/>
               </a:ext>
             </a:extLst>
           </p:cNvPr>
@@ -5691,14 +7438,141 @@
             <p:ph idx="1"/>
           </p:nvPr>
         </p:nvSpPr>
-        <p:spPr/>
-        <p:txBody>
-          <a:bodyPr/>
+        <p:spPr>
+          <a:xfrm>
+            <a:off x="838200" y="1825626"/>
+            <a:ext cx="10515600" cy="1325563"/>
+          </a:xfrm>
+        </p:spPr>
+        <p:txBody>
+          <a:bodyPr>
+            <a:normAutofit fontScale="92500"/>
+          </a:bodyPr>
           <a:lstStyle/>
           <a:p>
             <a:r>
               <a:rPr lang="de-DE" dirty="0"/>
-              <a:t>Control </a:t>
+              <a:t>Feedback: </a:t>
+            </a:r>
+            <a:r>
+              <a:rPr lang="de-DE" dirty="0" err="1"/>
+              <a:t>measure</a:t>
+            </a:r>
+            <a:r>
+              <a:rPr lang="de-DE" dirty="0"/>
+              <a:t> </a:t>
+            </a:r>
+            <a:r>
+              <a:rPr lang="de-DE" dirty="0" err="1"/>
+              <a:t>system</a:t>
+            </a:r>
+            <a:r>
+              <a:rPr lang="de-DE" dirty="0"/>
+              <a:t> </a:t>
+            </a:r>
+            <a:r>
+              <a:rPr lang="de-DE" dirty="0" err="1"/>
+              <a:t>output</a:t>
+            </a:r>
+            <a:r>
+              <a:rPr lang="de-DE" dirty="0"/>
+              <a:t>, </a:t>
+            </a:r>
+            <a:r>
+              <a:rPr lang="de-DE" dirty="0" err="1"/>
+              <a:t>compare</a:t>
+            </a:r>
+            <a:r>
+              <a:rPr lang="de-DE" dirty="0"/>
+              <a:t> </a:t>
+            </a:r>
+            <a:r>
+              <a:rPr lang="de-DE" dirty="0" err="1"/>
+              <a:t>it</a:t>
+            </a:r>
+            <a:r>
+              <a:rPr lang="de-DE" dirty="0"/>
+              <a:t> </a:t>
+            </a:r>
+            <a:r>
+              <a:rPr lang="de-DE" dirty="0" err="1"/>
+              <a:t>to</a:t>
+            </a:r>
+            <a:r>
+              <a:rPr lang="de-DE" dirty="0"/>
+              <a:t> </a:t>
+            </a:r>
+            <a:r>
+              <a:rPr lang="de-DE" dirty="0" err="1"/>
+              <a:t>desired</a:t>
+            </a:r>
+            <a:r>
+              <a:rPr lang="de-DE" dirty="0"/>
+              <a:t> </a:t>
+            </a:r>
+            <a:r>
+              <a:rPr lang="de-DE" dirty="0" err="1"/>
+              <a:t>behavior</a:t>
+            </a:r>
+            <a:r>
+              <a:rPr lang="de-DE" dirty="0"/>
+              <a:t> (e.g., </a:t>
+            </a:r>
+            <a:r>
+              <a:rPr lang="de-DE" dirty="0" err="1"/>
+              <a:t>steady</a:t>
+            </a:r>
+            <a:r>
+              <a:rPr lang="de-DE" dirty="0"/>
+              <a:t> </a:t>
+            </a:r>
+            <a:r>
+              <a:rPr lang="de-DE" dirty="0" err="1"/>
+              <a:t>state</a:t>
+            </a:r>
+            <a:r>
+              <a:rPr lang="de-DE" dirty="0"/>
+              <a:t>), and </a:t>
+            </a:r>
+            <a:r>
+              <a:rPr lang="de-DE" dirty="0" err="1"/>
+              <a:t>use</a:t>
+            </a:r>
+            <a:r>
+              <a:rPr lang="de-DE" dirty="0"/>
+              <a:t> </a:t>
+            </a:r>
+            <a:r>
+              <a:rPr lang="de-DE" dirty="0" err="1"/>
+              <a:t>the</a:t>
+            </a:r>
+            <a:r>
+              <a:rPr lang="de-DE" dirty="0"/>
+              <a:t> </a:t>
+            </a:r>
+            <a:r>
+              <a:rPr lang="de-DE" dirty="0" err="1"/>
+              <a:t>resulting</a:t>
+            </a:r>
+            <a:r>
+              <a:rPr lang="de-DE" dirty="0"/>
+              <a:t> </a:t>
+            </a:r>
+            <a:r>
+              <a:rPr lang="de-DE" dirty="0" err="1"/>
+              <a:t>error</a:t>
+            </a:r>
+            <a:r>
+              <a:rPr lang="de-DE" dirty="0"/>
+              <a:t> </a:t>
+            </a:r>
+            <a:r>
+              <a:rPr lang="de-DE" dirty="0" err="1"/>
+              <a:t>as</a:t>
+            </a:r>
+            <a:r>
+              <a:rPr lang="de-DE" dirty="0"/>
+              <a:t> </a:t>
             </a:r>
             <a:r>
               <a:rPr lang="de-DE" dirty="0" err="1"/>
@@ -5706,7 +7580,7 @@
             </a:r>
             <a:r>
               <a:rPr lang="de-DE" dirty="0"/>
-              <a:t> proportional </a:t>
+              <a:t> </a:t>
             </a:r>
             <a:r>
               <a:rPr lang="de-DE" dirty="0" err="1"/>
@@ -5714,6 +7588,25 @@
             </a:r>
             <a:r>
               <a:rPr lang="de-DE" dirty="0"/>
+              <a:t> a </a:t>
+            </a:r>
+            <a:r>
+              <a:rPr lang="de-DE" dirty="0" err="1"/>
+              <a:t>controller</a:t>
+            </a:r>
+            <a:endParaRPr lang="de-DE" dirty="0"/>
+          </a:p>
+          <a:p>
+            <a:r>
+              <a:rPr lang="de-DE" dirty="0"/>
+              <a:t>Goal: </a:t>
+            </a:r>
+            <a:r>
+              <a:rPr lang="de-DE" dirty="0" err="1"/>
+              <a:t>reduce</a:t>
+            </a:r>
+            <a:r>
+              <a:rPr lang="de-DE" dirty="0"/>
               <a:t> </a:t>
             </a:r>
             <a:r>
@@ -5722,106 +7615,6 @@
             </a:r>
             <a:endParaRPr lang="de-DE" dirty="0"/>
           </a:p>
-          <a:p>
-            <a:r>
-              <a:rPr lang="de-DE" dirty="0"/>
-              <a:t>Simple and intuitive</a:t>
-            </a:r>
-          </a:p>
-          <a:p>
-            <a:r>
-              <a:rPr lang="de-DE" dirty="0" err="1"/>
-              <a:t>Cannot</a:t>
-            </a:r>
-            <a:r>
-              <a:rPr lang="de-DE" dirty="0"/>
-              <a:t> </a:t>
-            </a:r>
-            <a:r>
-              <a:rPr lang="de-DE" dirty="0" err="1"/>
-              <a:t>eliminate</a:t>
-            </a:r>
-            <a:r>
-              <a:rPr lang="de-DE" dirty="0"/>
-              <a:t> </a:t>
-            </a:r>
-            <a:r>
-              <a:rPr lang="de-DE" dirty="0" err="1"/>
-              <a:t>steady-state</a:t>
-            </a:r>
-            <a:r>
-              <a:rPr lang="de-DE" dirty="0"/>
-              <a:t> </a:t>
-            </a:r>
-            <a:r>
-              <a:rPr lang="de-DE" dirty="0" err="1"/>
-              <a:t>error</a:t>
-            </a:r>
-            <a:r>
-              <a:rPr lang="de-DE" dirty="0"/>
-              <a:t> in </a:t>
-            </a:r>
-            <a:r>
-              <a:rPr lang="de-DE" dirty="0" err="1"/>
-              <a:t>many</a:t>
-            </a:r>
-            <a:r>
-              <a:rPr lang="de-DE" dirty="0"/>
-              <a:t> </a:t>
-            </a:r>
-            <a:r>
-              <a:rPr lang="de-DE" dirty="0" err="1"/>
-              <a:t>systems</a:t>
-            </a:r>
-            <a:endParaRPr lang="de-DE" dirty="0"/>
-          </a:p>
-          <a:p>
-            <a:pPr marL="0" indent="0">
-              <a:buNone/>
-            </a:pPr>
-            <a:endParaRPr lang="de-DE" dirty="0"/>
-          </a:p>
-          <a:p>
-            <a:pPr marL="0" indent="0">
-              <a:buNone/>
-            </a:pPr>
-            <a:r>
-              <a:rPr lang="de-DE" b="1" dirty="0" err="1"/>
-              <a:t>Equation</a:t>
-            </a:r>
-            <a:r>
-              <a:rPr lang="de-DE" b="1" dirty="0"/>
-              <a:t>:</a:t>
-            </a:r>
-            <a:r>
-              <a:rPr lang="de-DE" dirty="0"/>
-              <a:t> </a:t>
-            </a:r>
-            <a:r>
-              <a:rPr lang="de-DE" dirty="0" err="1"/>
-              <a:t>u</a:t>
-            </a:r>
-            <a:r>
-              <a:rPr lang="de-DE" dirty="0"/>
-              <a:t>(t) = </a:t>
-            </a:r>
-            <a:r>
-              <a:rPr lang="de-DE" dirty="0" err="1"/>
-              <a:t>K_p</a:t>
-            </a:r>
-            <a:r>
-              <a:rPr lang="de-DE" dirty="0"/>
-              <a:t> </a:t>
-            </a:r>
-            <a:r>
-              <a:rPr lang="de-DE" dirty="0" err="1"/>
-              <a:t>e</a:t>
-            </a:r>
-            <a:r>
-              <a:rPr lang="de-DE" dirty="0"/>
-              <a:t>(t)</a:t>
-            </a:r>
-          </a:p>
         </p:txBody>
       </p:sp>
       <p:sp>
@@ -5829,7 +7622,7 @@
           <p:cNvPr id="4" name="Foliennummernplatzhalter 3">
             <a:extLst>
               <a:ext uri="{FF2B5EF4-FFF2-40B4-BE49-F238E27FC236}">
-                <a16:creationId xmlns:a16="http://schemas.microsoft.com/office/drawing/2014/main" id="{171ACAD8-8E38-4758-E235-265989259472}"/>
+                <a16:creationId xmlns:a16="http://schemas.microsoft.com/office/drawing/2014/main" id="{4CF17444-670B-8FFE-12D9-5A350CF7FD5E}"/>
               </a:ext>
             </a:extLst>
           </p:cNvPr>
@@ -5853,10 +7646,60 @@
           </a:p>
         </p:txBody>
       </p:sp>
+      <p:pic>
+        <p:nvPicPr>
+          <p:cNvPr id="5" name="Picture 2" descr="undefined">
+            <a:extLst>
+              <a:ext uri="{FF2B5EF4-FFF2-40B4-BE49-F238E27FC236}">
+                <a16:creationId xmlns:a16="http://schemas.microsoft.com/office/drawing/2014/main" id="{19306B5E-C8A9-C750-E128-3119FA7B1168}"/>
+              </a:ext>
+            </a:extLst>
+          </p:cNvPr>
+          <p:cNvPicPr>
+            <a:picLocks noChangeAspect="1" noChangeArrowheads="1"/>
+          </p:cNvPicPr>
+          <p:nvPr/>
+        </p:nvPicPr>
+        <p:blipFill>
+          <a:blip r:embed="rId2">
+            <a:extLst>
+              <a:ext uri="{28A0092B-C50C-407E-A947-70E740481C1C}">
+                <a14:useLocalDpi xmlns:a14="http://schemas.microsoft.com/office/drawing/2010/main" val="0"/>
+              </a:ext>
+            </a:extLst>
+          </a:blip>
+          <a:srcRect/>
+          <a:stretch>
+            <a:fillRect/>
+          </a:stretch>
+        </p:blipFill>
+        <p:spPr bwMode="auto">
+          <a:xfrm>
+            <a:off x="838200" y="3385988"/>
+            <a:ext cx="10742861" cy="3085775"/>
+          </a:xfrm>
+          <a:prstGeom prst="rect">
+            <a:avLst/>
+          </a:prstGeom>
+          <a:noFill/>
+          <a:ln>
+            <a:noFill/>
+          </a:ln>
+          <a:extLst>
+            <a:ext uri="{909E8E84-426E-40DD-AFC4-6F175D3DCCD1}">
+              <a14:hiddenFill xmlns:a14="http://schemas.microsoft.com/office/drawing/2010/main">
+                <a:solidFill>
+                  <a:srgbClr val="FFFFFF"/>
+                </a:solidFill>
+              </a14:hiddenFill>
+            </a:ext>
+          </a:extLst>
+        </p:spPr>
+      </p:pic>
     </p:spTree>
     <p:extLst>
       <p:ext uri="{BB962C8B-B14F-4D97-AF65-F5344CB8AC3E}">
-        <p14:creationId xmlns:p14="http://schemas.microsoft.com/office/powerpoint/2010/main" val="1036577225"/>
+        <p14:creationId xmlns:p14="http://schemas.microsoft.com/office/powerpoint/2010/main" val="3063763614"/>
       </p:ext>
     </p:extLst>
   </p:cSld>
@@ -5871,7 +7714,13 @@
   <p:cSld>
     <p:spTree>
       <p:nvGrpSpPr>
-        <p:cNvPr id="1" name=""/>
+        <p:cNvPr id="1" name="">
+          <a:extLst>
+            <a:ext uri="{FF2B5EF4-FFF2-40B4-BE49-F238E27FC236}">
+              <a16:creationId xmlns:a16="http://schemas.microsoft.com/office/drawing/2014/main" id="{14E002DB-1554-E656-E3CC-1996B8139855}"/>
+            </a:ext>
+          </a:extLst>
+        </p:cNvPr>
         <p:cNvGrpSpPr/>
         <p:nvPr/>
       </p:nvGrpSpPr>
@@ -5888,7 +7737,7 @@
           <p:cNvPr id="2" name="Titel 1">
             <a:extLst>
               <a:ext uri="{FF2B5EF4-FFF2-40B4-BE49-F238E27FC236}">
-                <a16:creationId xmlns:a16="http://schemas.microsoft.com/office/drawing/2014/main" id="{40FB9667-CF16-50CB-8E69-4DB8CD7101A5}"/>
+                <a16:creationId xmlns:a16="http://schemas.microsoft.com/office/drawing/2014/main" id="{A607049A-A085-B7F5-BD93-C99817A9192B}"/>
               </a:ext>
             </a:extLst>
           </p:cNvPr>
@@ -5905,8 +7754,20 @@
           <a:lstStyle/>
           <a:p>
             <a:r>
-              <a:rPr lang="de-DE" dirty="0"/>
-              <a:t>Integral Control (I)</a:t>
+              <a:rPr lang="de-DE" dirty="0" err="1"/>
+              <a:t>What</a:t>
+            </a:r>
+            <a:r>
+              <a:rPr lang="de-DE" dirty="0"/>
+              <a:t> </a:t>
+            </a:r>
+            <a:r>
+              <a:rPr lang="de-DE" dirty="0" err="1"/>
+              <a:t>Is</a:t>
+            </a:r>
+            <a:r>
+              <a:rPr lang="de-DE" dirty="0"/>
+              <a:t> a Controller?</a:t>
             </a:r>
           </a:p>
         </p:txBody>
@@ -5916,7 +7777,7 @@
           <p:cNvPr id="3" name="Inhaltsplatzhalter 2">
             <a:extLst>
               <a:ext uri="{FF2B5EF4-FFF2-40B4-BE49-F238E27FC236}">
-                <a16:creationId xmlns:a16="http://schemas.microsoft.com/office/drawing/2014/main" id="{B2B6263E-20A7-2E59-29DE-D5259EBA0F8D}"/>
+                <a16:creationId xmlns:a16="http://schemas.microsoft.com/office/drawing/2014/main" id="{70947DE6-7563-DCFE-4E67-CC06887E3CA5}"/>
               </a:ext>
             </a:extLst>
           </p:cNvPr>
@@ -5929,88 +7790,417 @@
         </p:nvSpPr>
         <p:spPr/>
         <p:txBody>
-          <a:bodyPr/>
+          <a:bodyPr>
+            <a:noAutofit/>
+          </a:bodyPr>
           <a:lstStyle/>
           <a:p>
-            <a:r>
-              <a:rPr lang="de-DE" dirty="0" err="1"/>
-              <a:t>Eliminates</a:t>
-            </a:r>
-            <a:r>
-              <a:rPr lang="de-DE" dirty="0"/>
+            <a:pPr marL="0" indent="0">
+              <a:buNone/>
+            </a:pPr>
+            <a:r>
+              <a:rPr lang="de-DE" sz="2000" dirty="0"/>
+              <a:t>System </a:t>
+            </a:r>
+            <a:r>
+              <a:rPr lang="de-DE" sz="2000" dirty="0" err="1"/>
+              <a:t>itself</a:t>
+            </a:r>
+            <a:r>
+              <a:rPr lang="de-DE" sz="2000" dirty="0"/>
+              <a:t> (</a:t>
+            </a:r>
+            <a:r>
+              <a:rPr lang="de-DE" sz="2000" dirty="0" err="1"/>
+              <a:t>subsystem</a:t>
+            </a:r>
+            <a:r>
+              <a:rPr lang="de-DE" sz="2000" dirty="0"/>
               <a:t> </a:t>
             </a:r>
             <a:r>
-              <a:rPr lang="de-DE" dirty="0" err="1"/>
-              <a:t>steady-state</a:t>
-            </a:r>
-            <a:r>
-              <a:rPr lang="de-DE" dirty="0"/>
+              <a:rPr lang="de-DE" sz="2000" dirty="0" err="1"/>
+              <a:t>of</a:t>
+            </a:r>
+            <a:r>
+              <a:rPr lang="de-DE" sz="2000" dirty="0"/>
+              <a:t> total </a:t>
+            </a:r>
+            <a:r>
+              <a:rPr lang="de-DE" sz="2000" dirty="0" err="1"/>
+              <a:t>control</a:t>
+            </a:r>
+            <a:r>
+              <a:rPr lang="de-DE" sz="2000" dirty="0"/>
               <a:t> </a:t>
             </a:r>
             <a:r>
-              <a:rPr lang="de-DE" dirty="0" err="1"/>
+              <a:rPr lang="de-DE" sz="2000" dirty="0" err="1"/>
+              <a:t>system</a:t>
+            </a:r>
+            <a:r>
+              <a:rPr lang="de-DE" sz="2000" dirty="0"/>
+              <a:t>), </a:t>
+            </a:r>
+            <a:r>
+              <a:rPr lang="de-DE" sz="2000" dirty="0" err="1"/>
+              <a:t>implemented</a:t>
+            </a:r>
+            <a:r>
+              <a:rPr lang="de-DE" sz="2000" dirty="0"/>
+              <a:t> in </a:t>
+            </a:r>
+            <a:r>
+              <a:rPr lang="de-DE" sz="2000" dirty="0" err="1"/>
+              <a:t>hardware</a:t>
+            </a:r>
+            <a:r>
+              <a:rPr lang="de-DE" sz="2000" dirty="0"/>
+              <a:t> </a:t>
+            </a:r>
+            <a:r>
+              <a:rPr lang="de-DE" sz="2000" dirty="0" err="1"/>
+              <a:t>or</a:t>
+            </a:r>
+            <a:r>
+              <a:rPr lang="de-DE" sz="2000" dirty="0"/>
+              <a:t> </a:t>
+            </a:r>
+            <a:r>
+              <a:rPr lang="de-DE" sz="2000" dirty="0" err="1"/>
+              <a:t>software</a:t>
+            </a:r>
+            <a:endParaRPr lang="de-DE" sz="2000" dirty="0"/>
+          </a:p>
+          <a:p>
+            <a:r>
+              <a:rPr lang="de-DE" sz="2000" dirty="0"/>
+              <a:t>Input: </a:t>
+            </a:r>
+            <a:r>
+              <a:rPr lang="de-DE" sz="2000" dirty="0" err="1"/>
+              <a:t>measured</a:t>
+            </a:r>
+            <a:r>
+              <a:rPr lang="de-DE" sz="2000" dirty="0"/>
+              <a:t> </a:t>
+            </a:r>
+            <a:r>
+              <a:rPr lang="de-DE" sz="2000" dirty="0" err="1"/>
               <a:t>error</a:t>
             </a:r>
-            <a:endParaRPr lang="de-DE" dirty="0"/>
-          </a:p>
-          <a:p>
-            <a:r>
-              <a:rPr lang="de-DE" dirty="0" err="1"/>
-              <a:t>Accumulates</a:t>
-            </a:r>
-            <a:r>
-              <a:rPr lang="de-DE" dirty="0"/>
+            <a:endParaRPr lang="de-DE" sz="2000" dirty="0"/>
+          </a:p>
+          <a:p>
+            <a:r>
+              <a:rPr lang="de-DE" sz="2000" dirty="0"/>
+              <a:t>Output: </a:t>
+            </a:r>
+            <a:r>
+              <a:rPr lang="de-DE" sz="2000" dirty="0" err="1"/>
+              <a:t>process</a:t>
+            </a:r>
+            <a:r>
+              <a:rPr lang="de-DE" sz="2000" dirty="0"/>
               <a:t> </a:t>
             </a:r>
             <a:r>
-              <a:rPr lang="de-DE" dirty="0" err="1"/>
-              <a:t>past</a:t>
-            </a:r>
-            <a:r>
-              <a:rPr lang="de-DE" dirty="0"/>
+              <a:rPr lang="de-DE" sz="2000" dirty="0" err="1"/>
+              <a:t>input</a:t>
+            </a:r>
+            <a:r>
+              <a:rPr lang="de-DE" sz="2000" dirty="0"/>
+              <a:t> (</a:t>
+            </a:r>
+            <a:r>
+              <a:rPr lang="de-DE" sz="2000" dirty="0" err="1"/>
+              <a:t>low-energy</a:t>
+            </a:r>
+            <a:r>
+              <a:rPr lang="de-DE" sz="2000" dirty="0"/>
               <a:t> </a:t>
             </a:r>
             <a:r>
-              <a:rPr lang="de-DE" dirty="0" err="1"/>
-              <a:t>error</a:t>
-            </a:r>
-            <a:endParaRPr lang="de-DE" dirty="0"/>
-          </a:p>
-          <a:p>
-            <a:r>
-              <a:rPr lang="de-DE" dirty="0"/>
-              <a:t>Can </a:t>
-            </a:r>
-            <a:r>
-              <a:rPr lang="de-DE" dirty="0" err="1"/>
-              <a:t>cause</a:t>
-            </a:r>
-            <a:r>
-              <a:rPr lang="de-DE" dirty="0"/>
-              <a:t> slow </a:t>
-            </a:r>
-            <a:r>
-              <a:rPr lang="de-DE" dirty="0" err="1"/>
-              <a:t>response</a:t>
-            </a:r>
-            <a:r>
-              <a:rPr lang="de-DE" dirty="0"/>
+              <a:rPr lang="de-DE" sz="2000" dirty="0" err="1"/>
+              <a:t>control</a:t>
+            </a:r>
+            <a:r>
+              <a:rPr lang="de-DE" sz="2000" dirty="0"/>
               <a:t> </a:t>
             </a:r>
             <a:r>
-              <a:rPr lang="de-DE" dirty="0" err="1"/>
-              <a:t>or</a:t>
-            </a:r>
-            <a:r>
-              <a:rPr lang="de-DE" dirty="0"/>
+              <a:rPr lang="de-DE" sz="2000" dirty="0" err="1"/>
+              <a:t>signal</a:t>
+            </a:r>
+            <a:r>
+              <a:rPr lang="de-DE" sz="2000" dirty="0"/>
               <a:t> </a:t>
             </a:r>
             <a:r>
-              <a:rPr lang="de-DE" dirty="0" err="1"/>
-              <a:t>instability</a:t>
-            </a:r>
-            <a:endParaRPr lang="de-DE" dirty="0"/>
+              <a:rPr lang="de-DE" sz="2000" dirty="0" err="1"/>
+              <a:t>converted</a:t>
+            </a:r>
+            <a:r>
+              <a:rPr lang="de-DE" sz="2000" dirty="0"/>
+              <a:t> </a:t>
+            </a:r>
+            <a:r>
+              <a:rPr lang="de-DE" sz="2000" dirty="0" err="1"/>
+              <a:t>into</a:t>
+            </a:r>
+            <a:r>
+              <a:rPr lang="de-DE" sz="2000" dirty="0"/>
+              <a:t> </a:t>
+            </a:r>
+            <a:r>
+              <a:rPr lang="de-DE" sz="2000" dirty="0" err="1"/>
+              <a:t>physical</a:t>
+            </a:r>
+            <a:r>
+              <a:rPr lang="de-DE" sz="2000" dirty="0"/>
+              <a:t> </a:t>
+            </a:r>
+            <a:r>
+              <a:rPr lang="de-DE" sz="2000" dirty="0" err="1"/>
+              <a:t>action</a:t>
+            </a:r>
+            <a:r>
+              <a:rPr lang="de-DE" sz="2000" dirty="0"/>
+              <a:t> </a:t>
+            </a:r>
+            <a:r>
+              <a:rPr lang="de-DE" sz="2000" dirty="0" err="1"/>
+              <a:t>by</a:t>
+            </a:r>
+            <a:r>
+              <a:rPr lang="de-DE" sz="2000" dirty="0"/>
+              <a:t> </a:t>
+            </a:r>
+            <a:r>
+              <a:rPr lang="de-DE" sz="2000" dirty="0" err="1"/>
+              <a:t>actuator</a:t>
+            </a:r>
+            <a:r>
+              <a:rPr lang="de-DE" sz="2000" dirty="0"/>
+              <a:t>)</a:t>
+            </a:r>
+          </a:p>
+          <a:p>
+            <a:pPr marL="0" indent="0">
+              <a:buNone/>
+            </a:pPr>
+            <a:endParaRPr lang="de-DE" sz="2000" b="1" dirty="0"/>
+          </a:p>
+          <a:p>
+            <a:pPr marL="0" indent="0">
+              <a:buNone/>
+            </a:pPr>
+            <a:r>
+              <a:rPr lang="de-DE" sz="2000" dirty="0"/>
+              <a:t>Hardware </a:t>
+            </a:r>
+            <a:r>
+              <a:rPr lang="de-DE" sz="2000" dirty="0" err="1"/>
+              <a:t>controllers</a:t>
+            </a:r>
+            <a:endParaRPr lang="de-DE" sz="2000" dirty="0"/>
+          </a:p>
+          <a:p>
+            <a:r>
+              <a:rPr lang="de-DE" sz="2000" dirty="0"/>
+              <a:t>Fast, </a:t>
+            </a:r>
+            <a:r>
+              <a:rPr lang="de-DE" sz="2000" dirty="0" err="1"/>
+              <a:t>deterministic</a:t>
+            </a:r>
+            <a:r>
+              <a:rPr lang="de-DE" sz="2000" dirty="0"/>
+              <a:t>, limited </a:t>
+            </a:r>
+            <a:r>
+              <a:rPr lang="de-DE" sz="2000" dirty="0" err="1"/>
+              <a:t>flexibility</a:t>
+            </a:r>
+            <a:endParaRPr lang="de-DE" sz="2000" dirty="0"/>
+          </a:p>
+          <a:p>
+            <a:r>
+              <a:rPr lang="de-DE" sz="2000" dirty="0" err="1"/>
+              <a:t>Examples</a:t>
+            </a:r>
+            <a:r>
+              <a:rPr lang="de-DE" sz="2000" dirty="0"/>
+              <a:t>: </a:t>
+            </a:r>
+            <a:r>
+              <a:rPr lang="de-DE" sz="2000" dirty="0" err="1"/>
+              <a:t>mechanical</a:t>
+            </a:r>
+            <a:r>
+              <a:rPr lang="de-DE" sz="2000" dirty="0"/>
+              <a:t>, analog electronic </a:t>
+            </a:r>
+            <a:r>
+              <a:rPr lang="de-DE" sz="2000" dirty="0" err="1"/>
+              <a:t>controllers</a:t>
+            </a:r>
+            <a:r>
+              <a:rPr lang="de-DE" sz="2000" dirty="0"/>
+              <a:t> </a:t>
+            </a:r>
+            <a:r>
+              <a:rPr lang="de-DE" sz="2000" dirty="0" err="1"/>
+              <a:t>using</a:t>
+            </a:r>
+            <a:r>
+              <a:rPr lang="de-DE" sz="2000" dirty="0"/>
+              <a:t> </a:t>
+            </a:r>
+            <a:r>
+              <a:rPr lang="de-DE" sz="2000" dirty="0" err="1"/>
+              <a:t>op-amps</a:t>
+            </a:r>
+            <a:r>
+              <a:rPr lang="de-DE" sz="2000" dirty="0"/>
+              <a:t>, FPGA-</a:t>
+            </a:r>
+            <a:r>
+              <a:rPr lang="de-DE" sz="2000" dirty="0" err="1"/>
+              <a:t>based</a:t>
+            </a:r>
+            <a:r>
+              <a:rPr lang="de-DE" sz="2000" dirty="0"/>
+              <a:t> (digital)</a:t>
+            </a:r>
+            <a:endParaRPr lang="de-DE" sz="2000" b="1" dirty="0"/>
+          </a:p>
+          <a:p>
+            <a:pPr marL="0" indent="0">
+              <a:buNone/>
+            </a:pPr>
+            <a:endParaRPr lang="de-DE" sz="2000" dirty="0"/>
+          </a:p>
+          <a:p>
+            <a:pPr marL="0" indent="0">
+              <a:buNone/>
+            </a:pPr>
+            <a:r>
+              <a:rPr lang="de-DE" sz="2000" dirty="0"/>
+              <a:t>Software </a:t>
+            </a:r>
+            <a:r>
+              <a:rPr lang="de-DE" sz="2000" dirty="0" err="1"/>
+              <a:t>controllers</a:t>
+            </a:r>
+            <a:r>
+              <a:rPr lang="de-DE" sz="2000" dirty="0"/>
+              <a:t> (</a:t>
+            </a:r>
+            <a:r>
+              <a:rPr lang="de-DE" sz="2000" dirty="0" err="1"/>
+              <a:t>use</a:t>
+            </a:r>
+            <a:r>
+              <a:rPr lang="de-DE" sz="2000" dirty="0"/>
+              <a:t> </a:t>
+            </a:r>
+            <a:r>
+              <a:rPr lang="de-DE" sz="2000" dirty="0" err="1"/>
+              <a:t>of</a:t>
+            </a:r>
+            <a:r>
+              <a:rPr lang="de-DE" sz="2000" dirty="0"/>
+              <a:t> analog </a:t>
+            </a:r>
+            <a:r>
+              <a:rPr lang="de-DE" sz="2000" dirty="0" err="1"/>
+              <a:t>actuators</a:t>
+            </a:r>
+            <a:r>
+              <a:rPr lang="de-DE" sz="2000" dirty="0"/>
+              <a:t> via a digital-</a:t>
+            </a:r>
+            <a:r>
+              <a:rPr lang="de-DE" sz="2000" dirty="0" err="1"/>
+              <a:t>to</a:t>
+            </a:r>
+            <a:r>
+              <a:rPr lang="de-DE" sz="2000" dirty="0"/>
+              <a:t>-analog </a:t>
+            </a:r>
+            <a:r>
+              <a:rPr lang="de-DE" sz="2000" dirty="0" err="1"/>
+              <a:t>converter</a:t>
+            </a:r>
+            <a:r>
+              <a:rPr lang="de-DE" sz="2000" dirty="0"/>
+              <a:t>)</a:t>
+            </a:r>
+          </a:p>
+          <a:p>
+            <a:r>
+              <a:rPr lang="de-DE" sz="2000" dirty="0"/>
+              <a:t>Flexible, </a:t>
+            </a:r>
+            <a:r>
+              <a:rPr lang="de-DE" sz="2000" dirty="0" err="1"/>
+              <a:t>complex</a:t>
+            </a:r>
+            <a:r>
+              <a:rPr lang="de-DE" sz="2000" dirty="0"/>
+              <a:t> </a:t>
+            </a:r>
+            <a:r>
+              <a:rPr lang="de-DE" sz="2000" dirty="0" err="1"/>
+              <a:t>algorithms</a:t>
+            </a:r>
+            <a:r>
+              <a:rPr lang="de-DE" sz="2000" dirty="0"/>
+              <a:t>, </a:t>
+            </a:r>
+            <a:r>
+              <a:rPr lang="de-DE" sz="2000" dirty="0" err="1"/>
+              <a:t>sampling</a:t>
+            </a:r>
+            <a:r>
+              <a:rPr lang="de-DE" sz="2000" dirty="0"/>
+              <a:t> </a:t>
+            </a:r>
+            <a:r>
+              <a:rPr lang="de-DE" sz="2000" dirty="0" err="1"/>
+              <a:t>delays</a:t>
+            </a:r>
+            <a:r>
+              <a:rPr lang="de-DE" sz="2000" dirty="0"/>
+              <a:t> (</a:t>
+            </a:r>
+            <a:r>
+              <a:rPr lang="de-DE" sz="2000" dirty="0" err="1"/>
+              <a:t>dead</a:t>
+            </a:r>
+            <a:r>
+              <a:rPr lang="de-DE" sz="2000" dirty="0"/>
+              <a:t> time)</a:t>
+            </a:r>
+          </a:p>
+          <a:p>
+            <a:r>
+              <a:rPr lang="de-DE" sz="2000" dirty="0" err="1"/>
+              <a:t>Examples</a:t>
+            </a:r>
+            <a:r>
+              <a:rPr lang="de-DE" sz="2000" dirty="0"/>
+              <a:t>: Microcontroller-</a:t>
+            </a:r>
+            <a:r>
+              <a:rPr lang="de-DE" sz="2000" dirty="0" err="1"/>
+              <a:t>based</a:t>
+            </a:r>
+            <a:r>
+              <a:rPr lang="de-DE" sz="2000" dirty="0"/>
+              <a:t>, PLCs</a:t>
+            </a:r>
           </a:p>
         </p:txBody>
       </p:sp>
@@ -6019,7 +8209,7 @@
           <p:cNvPr id="4" name="Foliennummernplatzhalter 3">
             <a:extLst>
               <a:ext uri="{FF2B5EF4-FFF2-40B4-BE49-F238E27FC236}">
-                <a16:creationId xmlns:a16="http://schemas.microsoft.com/office/drawing/2014/main" id="{297D893B-FC10-112C-E56C-02067DFC9955}"/>
+                <a16:creationId xmlns:a16="http://schemas.microsoft.com/office/drawing/2014/main" id="{01FFBEE3-1A76-FD21-2638-E658AC5710CC}"/>
               </a:ext>
             </a:extLst>
           </p:cNvPr>
@@ -6046,7 +8236,7 @@
     </p:spTree>
     <p:extLst>
       <p:ext uri="{BB962C8B-B14F-4D97-AF65-F5344CB8AC3E}">
-        <p14:creationId xmlns:p14="http://schemas.microsoft.com/office/powerpoint/2010/main" val="666493050"/>
+        <p14:creationId xmlns:p14="http://schemas.microsoft.com/office/powerpoint/2010/main" val="1460980043"/>
       </p:ext>
     </p:extLst>
   </p:cSld>
@@ -6078,7 +8268,7 @@
           <p:cNvPr id="2" name="Titel 1">
             <a:extLst>
               <a:ext uri="{FF2B5EF4-FFF2-40B4-BE49-F238E27FC236}">
-                <a16:creationId xmlns:a16="http://schemas.microsoft.com/office/drawing/2014/main" id="{7D0390A8-DE49-7EF9-3DE8-8DB638E9085B}"/>
+                <a16:creationId xmlns:a16="http://schemas.microsoft.com/office/drawing/2014/main" id="{C3F03D0A-5C22-DF53-4CC1-C4886C94B278}"/>
               </a:ext>
             </a:extLst>
           </p:cNvPr>
@@ -6096,7 +8286,7 @@
           <a:p>
             <a:r>
               <a:rPr lang="de-DE" dirty="0"/>
-              <a:t>Derivative Control (D)</a:t>
+              <a:t>PID Controllers</a:t>
             </a:r>
           </a:p>
         </p:txBody>
@@ -6106,7 +8296,7 @@
           <p:cNvPr id="3" name="Inhaltsplatzhalter 2">
             <a:extLst>
               <a:ext uri="{FF2B5EF4-FFF2-40B4-BE49-F238E27FC236}">
-                <a16:creationId xmlns:a16="http://schemas.microsoft.com/office/drawing/2014/main" id="{4E6DB09B-8983-50DC-76E3-164BD1118DA4}"/>
+                <a16:creationId xmlns:a16="http://schemas.microsoft.com/office/drawing/2014/main" id="{45BB54D3-00B3-CCC2-7A2D-10E53ED876BE}"/>
               </a:ext>
             </a:extLst>
           </p:cNvPr>
@@ -6117,14 +8307,28 @@
             <p:ph idx="1"/>
           </p:nvPr>
         </p:nvSpPr>
-        <p:spPr/>
-        <p:txBody>
-          <a:bodyPr/>
+        <p:spPr>
+          <a:xfrm>
+            <a:off x="838200" y="1825624"/>
+            <a:ext cx="10515600" cy="1970521"/>
+          </a:xfrm>
+        </p:spPr>
+        <p:txBody>
+          <a:bodyPr>
+            <a:normAutofit lnSpcReduction="10000"/>
+          </a:bodyPr>
           <a:lstStyle/>
           <a:p>
-            <a:r>
-              <a:rPr lang="de-DE" dirty="0" err="1"/>
-              <a:t>Predictive</a:t>
+            <a:pPr marL="0" indent="0">
+              <a:buNone/>
+            </a:pPr>
+            <a:r>
+              <a:rPr lang="de-DE" dirty="0"/>
+              <a:t>Most </a:t>
+            </a:r>
+            <a:r>
+              <a:rPr lang="de-DE" dirty="0" err="1"/>
+              <a:t>widely</a:t>
             </a:r>
             <a:r>
               <a:rPr lang="de-DE" dirty="0"/>
@@ -6132,43 +8336,53 @@
             </a:r>
             <a:r>
               <a:rPr lang="de-DE" dirty="0" err="1"/>
-              <a:t>action</a:t>
+              <a:t>used</a:t>
+            </a:r>
+            <a:r>
+              <a:rPr lang="de-DE" dirty="0"/>
+              <a:t> </a:t>
+            </a:r>
+            <a:r>
+              <a:rPr lang="de-DE" dirty="0" err="1"/>
+              <a:t>industrial</a:t>
+            </a:r>
+            <a:r>
+              <a:rPr lang="de-DE" dirty="0"/>
+              <a:t> </a:t>
+            </a:r>
+            <a:r>
+              <a:rPr lang="de-DE" dirty="0" err="1"/>
+              <a:t>controller</a:t>
             </a:r>
             <a:endParaRPr lang="de-DE" dirty="0"/>
           </a:p>
           <a:p>
-            <a:r>
-              <a:rPr lang="de-DE" dirty="0" err="1"/>
-              <a:t>Improves</a:t>
-            </a:r>
-            <a:r>
-              <a:rPr lang="de-DE" dirty="0"/>
-              <a:t> </a:t>
-            </a:r>
-            <a:r>
-              <a:rPr lang="de-DE" dirty="0" err="1"/>
-              <a:t>damping</a:t>
-            </a:r>
-            <a:endParaRPr lang="de-DE" dirty="0"/>
-          </a:p>
-          <a:p>
-            <a:r>
-              <a:rPr lang="de-DE" dirty="0"/>
-              <a:t>Sensitive </a:t>
-            </a:r>
-            <a:r>
-              <a:rPr lang="de-DE" dirty="0" err="1"/>
-              <a:t>to</a:t>
-            </a:r>
-            <a:r>
-              <a:rPr lang="de-DE" dirty="0"/>
-              <a:t> </a:t>
-            </a:r>
-            <a:r>
-              <a:rPr lang="de-DE" dirty="0" err="1"/>
-              <a:t>noise</a:t>
-            </a:r>
-            <a:endParaRPr lang="de-DE" dirty="0"/>
+            <a:pPr lvl="1"/>
+            <a:r>
+              <a:rPr lang="de-DE" dirty="0"/>
+              <a:t>P</a:t>
+            </a:r>
+          </a:p>
+          <a:p>
+            <a:pPr lvl="1"/>
+            <a:r>
+              <a:rPr lang="de-DE" dirty="0"/>
+              <a:t>PI: P + I</a:t>
+            </a:r>
+          </a:p>
+          <a:p>
+            <a:pPr lvl="1"/>
+            <a:r>
+              <a:rPr lang="de-DE" dirty="0"/>
+              <a:t>PD: P + D</a:t>
+            </a:r>
+          </a:p>
+          <a:p>
+            <a:pPr lvl="1"/>
+            <a:r>
+              <a:rPr lang="de-DE" dirty="0"/>
+              <a:t>PID: P + I + D</a:t>
+            </a:r>
           </a:p>
         </p:txBody>
       </p:sp>
@@ -6177,7 +8391,7 @@
           <p:cNvPr id="4" name="Foliennummernplatzhalter 3">
             <a:extLst>
               <a:ext uri="{FF2B5EF4-FFF2-40B4-BE49-F238E27FC236}">
-                <a16:creationId xmlns:a16="http://schemas.microsoft.com/office/drawing/2014/main" id="{80613244-15FD-1336-A55D-C0B2593A6F4F}"/>
+                <a16:creationId xmlns:a16="http://schemas.microsoft.com/office/drawing/2014/main" id="{7AE53BB8-9583-3CA6-BA40-677E542DD79A}"/>
               </a:ext>
             </a:extLst>
           </p:cNvPr>
@@ -6196,178 +8410,6 @@
             <a:fld id="{08C366F5-AFAD-49CB-854A-9D9E238FCA13}" type="slidenum">
               <a:rPr lang="en-GB" smtClean="0"/>
               <a:t>8</a:t>
-            </a:fld>
-            <a:endParaRPr lang="en-GB"/>
-          </a:p>
-        </p:txBody>
-      </p:sp>
-    </p:spTree>
-    <p:extLst>
-      <p:ext uri="{BB962C8B-B14F-4D97-AF65-F5344CB8AC3E}">
-        <p14:creationId xmlns:p14="http://schemas.microsoft.com/office/powerpoint/2010/main" val="2807511019"/>
-      </p:ext>
-    </p:extLst>
-  </p:cSld>
-  <p:clrMapOvr>
-    <a:masterClrMapping/>
-  </p:clrMapOvr>
-</p:sld>
-</file>
-
-<file path=ppt/slides/slide9.xml><?xml version="1.0" encoding="utf-8"?>
-<p:sld xmlns:a="http://schemas.openxmlformats.org/drawingml/2006/main" xmlns:r="http://schemas.openxmlformats.org/officeDocument/2006/relationships" xmlns:p="http://schemas.openxmlformats.org/presentationml/2006/main">
-  <p:cSld>
-    <p:spTree>
-      <p:nvGrpSpPr>
-        <p:cNvPr id="1" name=""/>
-        <p:cNvGrpSpPr/>
-        <p:nvPr/>
-      </p:nvGrpSpPr>
-      <p:grpSpPr>
-        <a:xfrm>
-          <a:off x="0" y="0"/>
-          <a:ext cx="0" cy="0"/>
-          <a:chOff x="0" y="0"/>
-          <a:chExt cx="0" cy="0"/>
-        </a:xfrm>
-      </p:grpSpPr>
-      <p:sp>
-        <p:nvSpPr>
-          <p:cNvPr id="2" name="Titel 1">
-            <a:extLst>
-              <a:ext uri="{FF2B5EF4-FFF2-40B4-BE49-F238E27FC236}">
-                <a16:creationId xmlns:a16="http://schemas.microsoft.com/office/drawing/2014/main" id="{C3F03D0A-5C22-DF53-4CC1-C4886C94B278}"/>
-              </a:ext>
-            </a:extLst>
-          </p:cNvPr>
-          <p:cNvSpPr>
-            <a:spLocks noGrp="1"/>
-          </p:cNvSpPr>
-          <p:nvPr>
-            <p:ph type="title"/>
-          </p:nvPr>
-        </p:nvSpPr>
-        <p:spPr/>
-        <p:txBody>
-          <a:bodyPr/>
-          <a:lstStyle/>
-          <a:p>
-            <a:r>
-              <a:rPr lang="de-DE" dirty="0"/>
-              <a:t>PI, PD, and PID Controllers</a:t>
-            </a:r>
-          </a:p>
-        </p:txBody>
-      </p:sp>
-      <p:sp>
-        <p:nvSpPr>
-          <p:cNvPr id="3" name="Inhaltsplatzhalter 2">
-            <a:extLst>
-              <a:ext uri="{FF2B5EF4-FFF2-40B4-BE49-F238E27FC236}">
-                <a16:creationId xmlns:a16="http://schemas.microsoft.com/office/drawing/2014/main" id="{45BB54D3-00B3-CCC2-7A2D-10E53ED876BE}"/>
-              </a:ext>
-            </a:extLst>
-          </p:cNvPr>
-          <p:cNvSpPr>
-            <a:spLocks noGrp="1"/>
-          </p:cNvSpPr>
-          <p:nvPr>
-            <p:ph idx="1"/>
-          </p:nvPr>
-        </p:nvSpPr>
-        <p:spPr>
-          <a:xfrm>
-            <a:off x="838200" y="1825625"/>
-            <a:ext cx="10515600" cy="1588828"/>
-          </a:xfrm>
-        </p:spPr>
-        <p:txBody>
-          <a:bodyPr>
-            <a:normAutofit fontScale="85000" lnSpcReduction="20000"/>
-          </a:bodyPr>
-          <a:lstStyle/>
-          <a:p>
-            <a:pPr marL="0" indent="0">
-              <a:buNone/>
-            </a:pPr>
-            <a:r>
-              <a:rPr lang="de-DE" dirty="0"/>
-              <a:t>Most </a:t>
-            </a:r>
-            <a:r>
-              <a:rPr lang="de-DE" dirty="0" err="1"/>
-              <a:t>widely</a:t>
-            </a:r>
-            <a:r>
-              <a:rPr lang="de-DE" dirty="0"/>
-              <a:t> </a:t>
-            </a:r>
-            <a:r>
-              <a:rPr lang="de-DE" dirty="0" err="1"/>
-              <a:t>used</a:t>
-            </a:r>
-            <a:r>
-              <a:rPr lang="de-DE" dirty="0"/>
-              <a:t> </a:t>
-            </a:r>
-            <a:r>
-              <a:rPr lang="de-DE" dirty="0" err="1"/>
-              <a:t>industrial</a:t>
-            </a:r>
-            <a:r>
-              <a:rPr lang="de-DE" dirty="0"/>
-              <a:t> </a:t>
-            </a:r>
-            <a:r>
-              <a:rPr lang="de-DE" dirty="0" err="1"/>
-              <a:t>controller</a:t>
-            </a:r>
-            <a:endParaRPr lang="de-DE" dirty="0"/>
-          </a:p>
-          <a:p>
-            <a:r>
-              <a:rPr lang="de-DE" dirty="0"/>
-              <a:t>PI: P + I</a:t>
-            </a:r>
-          </a:p>
-          <a:p>
-            <a:r>
-              <a:rPr lang="de-DE" dirty="0"/>
-              <a:t>PD: P + D</a:t>
-            </a:r>
-          </a:p>
-          <a:p>
-            <a:r>
-              <a:rPr lang="de-DE" dirty="0"/>
-              <a:t>PID: P + I + D</a:t>
-            </a:r>
-          </a:p>
-        </p:txBody>
-      </p:sp>
-      <p:sp>
-        <p:nvSpPr>
-          <p:cNvPr id="4" name="Foliennummernplatzhalter 3">
-            <a:extLst>
-              <a:ext uri="{FF2B5EF4-FFF2-40B4-BE49-F238E27FC236}">
-                <a16:creationId xmlns:a16="http://schemas.microsoft.com/office/drawing/2014/main" id="{7AE53BB8-9583-3CA6-BA40-677E542DD79A}"/>
-              </a:ext>
-            </a:extLst>
-          </p:cNvPr>
-          <p:cNvSpPr>
-            <a:spLocks noGrp="1"/>
-          </p:cNvSpPr>
-          <p:nvPr>
-            <p:ph type="sldNum" sz="quarter" idx="12"/>
-          </p:nvPr>
-        </p:nvSpPr>
-        <p:spPr/>
-        <p:txBody>
-          <a:bodyPr/>
-          <a:lstStyle/>
-          <a:p>
-            <a:fld id="{08C366F5-AFAD-49CB-854A-9D9E238FCA13}" type="slidenum">
-              <a:rPr lang="en-GB" smtClean="0"/>
-              <a:t>9</a:t>
             </a:fld>
             <a:endParaRPr lang="en-GB"/>
           </a:p>
@@ -6424,6 +8466,941 @@
     <p:extLst>
       <p:ext uri="{BB962C8B-B14F-4D97-AF65-F5344CB8AC3E}">
         <p14:creationId xmlns:p14="http://schemas.microsoft.com/office/powerpoint/2010/main" val="3718037374"/>
+      </p:ext>
+    </p:extLst>
+  </p:cSld>
+  <p:clrMapOvr>
+    <a:masterClrMapping/>
+  </p:clrMapOvr>
+</p:sld>
+</file>
+
+<file path=ppt/slides/slide9.xml><?xml version="1.0" encoding="utf-8"?>
+<p:sld xmlns:a="http://schemas.openxmlformats.org/drawingml/2006/main" xmlns:r="http://schemas.openxmlformats.org/officeDocument/2006/relationships" xmlns:p="http://schemas.openxmlformats.org/presentationml/2006/main">
+  <p:cSld>
+    <p:spTree>
+      <p:nvGrpSpPr>
+        <p:cNvPr id="1" name=""/>
+        <p:cNvGrpSpPr/>
+        <p:nvPr/>
+      </p:nvGrpSpPr>
+      <p:grpSpPr>
+        <a:xfrm>
+          <a:off x="0" y="0"/>
+          <a:ext cx="0" cy="0"/>
+          <a:chOff x="0" y="0"/>
+          <a:chExt cx="0" cy="0"/>
+        </a:xfrm>
+      </p:grpSpPr>
+      <p:sp>
+        <p:nvSpPr>
+          <p:cNvPr id="2" name="Titel 1">
+            <a:extLst>
+              <a:ext uri="{FF2B5EF4-FFF2-40B4-BE49-F238E27FC236}">
+                <a16:creationId xmlns:a16="http://schemas.microsoft.com/office/drawing/2014/main" id="{FF143404-24F2-9A05-A838-DA664C42FFF0}"/>
+              </a:ext>
+            </a:extLst>
+          </p:cNvPr>
+          <p:cNvSpPr>
+            <a:spLocks noGrp="1"/>
+          </p:cNvSpPr>
+          <p:nvPr>
+            <p:ph type="title"/>
+          </p:nvPr>
+        </p:nvSpPr>
+        <p:spPr/>
+        <p:txBody>
+          <a:bodyPr/>
+          <a:lstStyle/>
+          <a:p>
+            <a:r>
+              <a:rPr lang="de-DE" dirty="0"/>
+              <a:t>Proportional Control (P)</a:t>
+            </a:r>
+          </a:p>
+        </p:txBody>
+      </p:sp>
+      <mc:AlternateContent xmlns:mc="http://schemas.openxmlformats.org/markup-compatibility/2006" xmlns:a14="http://schemas.microsoft.com/office/drawing/2010/main">
+        <mc:Choice Requires="a14">
+          <p:sp>
+            <p:nvSpPr>
+              <p:cNvPr id="3" name="Inhaltsplatzhalter 2">
+                <a:extLst>
+                  <a:ext uri="{FF2B5EF4-FFF2-40B4-BE49-F238E27FC236}">
+                    <a16:creationId xmlns:a16="http://schemas.microsoft.com/office/drawing/2014/main" id="{F6BACF97-F93A-1C13-3B25-2B3FA1DBF690}"/>
+                  </a:ext>
+                </a:extLst>
+              </p:cNvPr>
+              <p:cNvSpPr>
+                <a:spLocks noGrp="1"/>
+              </p:cNvSpPr>
+              <p:nvPr>
+                <p:ph idx="1"/>
+              </p:nvPr>
+            </p:nvSpPr>
+            <p:spPr>
+              <a:xfrm>
+                <a:off x="838200" y="1825625"/>
+                <a:ext cx="5340658" cy="4351338"/>
+              </a:xfrm>
+            </p:spPr>
+            <p:txBody>
+              <a:bodyPr>
+                <a:normAutofit fontScale="92500"/>
+              </a:bodyPr>
+              <a:lstStyle/>
+              <a:p>
+                <a:pPr marL="0" indent="0">
+                  <a:buNone/>
+                </a:pPr>
+                <a:r>
+                  <a:rPr lang="de-DE" sz="2400" dirty="0"/>
+                  <a:t>Control </a:t>
+                </a:r>
+                <a:r>
+                  <a:rPr lang="de-DE" sz="2400" dirty="0" err="1"/>
+                  <a:t>input</a:t>
+                </a:r>
+                <a:r>
+                  <a:rPr lang="de-DE" sz="2400" dirty="0"/>
+                  <a:t> proportional </a:t>
+                </a:r>
+                <a:r>
+                  <a:rPr lang="de-DE" sz="2400" dirty="0" err="1"/>
+                  <a:t>to</a:t>
+                </a:r>
+                <a:r>
+                  <a:rPr lang="de-DE" sz="2400" dirty="0"/>
+                  <a:t> </a:t>
+                </a:r>
+                <a:r>
+                  <a:rPr lang="de-DE" sz="2400" dirty="0" err="1"/>
+                  <a:t>error</a:t>
+                </a:r>
+                <a:r>
+                  <a:rPr lang="de-DE" sz="2400" dirty="0"/>
+                  <a:t> (</a:t>
+                </a:r>
+                <a:r>
+                  <a:rPr lang="de-DE" sz="2400" dirty="0" err="1"/>
+                  <a:t>s</a:t>
+                </a:r>
+                <a:r>
+                  <a:rPr lang="de-DE" sz="2400" dirty="0" err="1">
+                    <a:sym typeface="Wingdings" pitchFamily="2" charset="2"/>
+                  </a:rPr>
+                  <a:t>tatic</a:t>
+                </a:r>
+                <a:r>
+                  <a:rPr lang="de-DE" sz="2400" dirty="0">
+                    <a:sym typeface="Wingdings" pitchFamily="2" charset="2"/>
+                  </a:rPr>
+                  <a:t> </a:t>
+                </a:r>
+                <a:r>
+                  <a:rPr lang="de-DE" sz="2400" dirty="0" err="1">
+                    <a:sym typeface="Wingdings" pitchFamily="2" charset="2"/>
+                  </a:rPr>
+                  <a:t>system</a:t>
+                </a:r>
+                <a:r>
+                  <a:rPr lang="de-DE" sz="2400" dirty="0"/>
+                  <a:t>):</a:t>
+                </a:r>
+              </a:p>
+              <a:p>
+                <a:pPr marL="0" indent="0">
+                  <a:buNone/>
+                </a:pPr>
+                <a:r>
+                  <a:rPr lang="de-DE" sz="2400" dirty="0"/>
+                  <a:t>	</a:t>
+                </a:r>
+                <a14:m>
+                  <m:oMath xmlns:m="http://schemas.openxmlformats.org/officeDocument/2006/math">
+                    <m:r>
+                      <a:rPr lang="de-DE" sz="2400" i="1">
+                        <a:latin typeface="Cambria Math" panose="02040503050406030204" pitchFamily="18" charset="0"/>
+                      </a:rPr>
+                      <m:t>𝑢</m:t>
+                    </m:r>
+                    <m:d>
+                      <m:dPr>
+                        <m:ctrlPr>
+                          <a:rPr lang="de-DE" sz="2400" i="1">
+                            <a:latin typeface="Cambria Math" panose="02040503050406030204" pitchFamily="18" charset="0"/>
+                          </a:rPr>
+                        </m:ctrlPr>
+                      </m:dPr>
+                      <m:e>
+                        <m:r>
+                          <a:rPr lang="de-DE" sz="2400" i="1">
+                            <a:latin typeface="Cambria Math" panose="02040503050406030204" pitchFamily="18" charset="0"/>
+                          </a:rPr>
+                          <m:t>𝑡</m:t>
+                        </m:r>
+                      </m:e>
+                    </m:d>
+                    <m:r>
+                      <a:rPr lang="de-DE" sz="2400" i="1">
+                        <a:latin typeface="Cambria Math" panose="02040503050406030204" pitchFamily="18" charset="0"/>
+                      </a:rPr>
+                      <m:t>=</m:t>
+                    </m:r>
+                    <m:sSub>
+                      <m:sSubPr>
+                        <m:ctrlPr>
+                          <a:rPr lang="de-DE" sz="2400" i="1">
+                            <a:latin typeface="Cambria Math" panose="02040503050406030204" pitchFamily="18" charset="0"/>
+                          </a:rPr>
+                        </m:ctrlPr>
+                      </m:sSubPr>
+                      <m:e>
+                        <m:r>
+                          <a:rPr lang="de-DE" sz="2400" i="1">
+                            <a:latin typeface="Cambria Math" panose="02040503050406030204" pitchFamily="18" charset="0"/>
+                          </a:rPr>
+                          <m:t>𝐾</m:t>
+                        </m:r>
+                      </m:e>
+                      <m:sub>
+                        <m:r>
+                          <a:rPr lang="de-DE" sz="2400" i="1">
+                            <a:latin typeface="Cambria Math" panose="02040503050406030204" pitchFamily="18" charset="0"/>
+                          </a:rPr>
+                          <m:t>𝑝</m:t>
+                        </m:r>
+                      </m:sub>
+                    </m:sSub>
+                    <m:r>
+                      <a:rPr lang="de-DE" sz="2400" i="1">
+                        <a:latin typeface="Cambria Math" panose="02040503050406030204" pitchFamily="18" charset="0"/>
+                        <a:ea typeface="Cambria Math" panose="02040503050406030204" pitchFamily="18" charset="0"/>
+                      </a:rPr>
+                      <m:t>∙</m:t>
+                    </m:r>
+                    <m:r>
+                      <a:rPr lang="de-DE" sz="2400" i="1">
+                        <a:latin typeface="Cambria Math" panose="02040503050406030204" pitchFamily="18" charset="0"/>
+                        <a:ea typeface="Cambria Math" panose="02040503050406030204" pitchFamily="18" charset="0"/>
+                      </a:rPr>
+                      <m:t>𝑒</m:t>
+                    </m:r>
+                    <m:r>
+                      <a:rPr lang="de-DE" sz="2400" i="1">
+                        <a:latin typeface="Cambria Math" panose="02040503050406030204" pitchFamily="18" charset="0"/>
+                        <a:ea typeface="Cambria Math" panose="02040503050406030204" pitchFamily="18" charset="0"/>
+                      </a:rPr>
+                      <m:t>(</m:t>
+                    </m:r>
+                    <m:r>
+                      <a:rPr lang="de-DE" sz="2400" i="1">
+                        <a:latin typeface="Cambria Math" panose="02040503050406030204" pitchFamily="18" charset="0"/>
+                        <a:ea typeface="Cambria Math" panose="02040503050406030204" pitchFamily="18" charset="0"/>
+                      </a:rPr>
+                      <m:t>𝑡</m:t>
+                    </m:r>
+                    <m:r>
+                      <a:rPr lang="de-DE" sz="2400" i="1">
+                        <a:latin typeface="Cambria Math" panose="02040503050406030204" pitchFamily="18" charset="0"/>
+                        <a:ea typeface="Cambria Math" panose="02040503050406030204" pitchFamily="18" charset="0"/>
+                      </a:rPr>
+                      <m:t>)</m:t>
+                    </m:r>
+                  </m:oMath>
+                </a14:m>
+                <a:endParaRPr lang="de-DE" sz="2400" dirty="0"/>
+              </a:p>
+              <a:p>
+                <a:pPr marL="0" indent="0">
+                  <a:buNone/>
+                </a:pPr>
+                <a:endParaRPr lang="de-DE" sz="2400" dirty="0"/>
+              </a:p>
+              <a:p>
+                <a:r>
+                  <a:rPr lang="de-DE" sz="2400" dirty="0" err="1"/>
+                  <a:t>Increases</a:t>
+                </a:r>
+                <a:r>
+                  <a:rPr lang="de-DE" sz="2400" dirty="0"/>
+                  <a:t> loop </a:t>
+                </a:r>
+                <a:r>
+                  <a:rPr lang="de-DE" sz="2400" dirty="0" err="1"/>
+                  <a:t>gain</a:t>
+                </a:r>
+                <a:r>
+                  <a:rPr lang="de-DE" sz="2400" dirty="0"/>
+                  <a:t> </a:t>
+                </a:r>
+                <a:r>
+                  <a:rPr lang="de-DE" sz="2400" dirty="0">
+                    <a:sym typeface="Wingdings" pitchFamily="2" charset="2"/>
+                  </a:rPr>
+                  <a:t> </a:t>
+                </a:r>
+                <a:r>
+                  <a:rPr lang="de-DE" sz="2400" dirty="0" err="1">
+                    <a:sym typeface="Wingdings" pitchFamily="2" charset="2"/>
+                  </a:rPr>
+                  <a:t>faster</a:t>
+                </a:r>
+                <a:r>
+                  <a:rPr lang="de-DE" sz="2400" dirty="0">
+                    <a:sym typeface="Wingdings" pitchFamily="2" charset="2"/>
+                  </a:rPr>
+                  <a:t> </a:t>
+                </a:r>
+                <a:r>
+                  <a:rPr lang="de-DE" sz="2400" dirty="0" err="1">
+                    <a:sym typeface="Wingdings" pitchFamily="2" charset="2"/>
+                  </a:rPr>
+                  <a:t>response</a:t>
+                </a:r>
+                <a:endParaRPr lang="de-DE" sz="2400" dirty="0">
+                  <a:sym typeface="Wingdings" pitchFamily="2" charset="2"/>
+                </a:endParaRPr>
+              </a:p>
+              <a:p>
+                <a:r>
+                  <a:rPr lang="de-DE" sz="2400" dirty="0" err="1"/>
+                  <a:t>Reduces</a:t>
+                </a:r>
+                <a:r>
+                  <a:rPr lang="de-DE" sz="2400" dirty="0"/>
+                  <a:t> </a:t>
+                </a:r>
+                <a:r>
+                  <a:rPr lang="de-DE" sz="2400" dirty="0" err="1"/>
+                  <a:t>damping</a:t>
+                </a:r>
+                <a:r>
+                  <a:rPr lang="de-DE" sz="2400" dirty="0"/>
+                  <a:t> </a:t>
+                </a:r>
+                <a:r>
+                  <a:rPr lang="de-DE" sz="2400" dirty="0">
+                    <a:sym typeface="Wingdings" pitchFamily="2" charset="2"/>
+                  </a:rPr>
+                  <a:t> </a:t>
+                </a:r>
+                <a:r>
+                  <a:rPr lang="de-DE" sz="2400" dirty="0" err="1"/>
+                  <a:t>more</a:t>
+                </a:r>
+                <a:r>
+                  <a:rPr lang="de-DE" sz="2400" dirty="0"/>
+                  <a:t> </a:t>
+                </a:r>
+                <a:r>
+                  <a:rPr lang="de-DE" sz="2400" dirty="0" err="1"/>
+                  <a:t>oscillation</a:t>
+                </a:r>
+                <a:endParaRPr lang="de-DE" sz="2400" dirty="0"/>
+              </a:p>
+              <a:p>
+                <a:r>
+                  <a:rPr lang="de-DE" sz="2400" dirty="0"/>
+                  <a:t>Steady-</a:t>
+                </a:r>
+                <a:r>
+                  <a:rPr lang="de-DE" sz="2400" dirty="0" err="1"/>
+                  <a:t>state</a:t>
+                </a:r>
+                <a:r>
+                  <a:rPr lang="de-DE" sz="2400" dirty="0"/>
+                  <a:t> </a:t>
+                </a:r>
+                <a:r>
+                  <a:rPr lang="de-DE" sz="2400" dirty="0" err="1"/>
+                  <a:t>error</a:t>
+                </a:r>
+                <a:r>
+                  <a:rPr lang="de-DE" sz="2400" dirty="0"/>
+                  <a:t> in </a:t>
+                </a:r>
+                <a:r>
+                  <a:rPr lang="de-DE" sz="2400" dirty="0" err="1"/>
+                  <a:t>many</a:t>
+                </a:r>
+                <a:r>
+                  <a:rPr lang="de-DE" sz="2400" dirty="0"/>
+                  <a:t> </a:t>
+                </a:r>
+                <a:r>
+                  <a:rPr lang="de-DE" sz="2400" dirty="0" err="1"/>
+                  <a:t>systems</a:t>
+                </a:r>
+                <a:r>
+                  <a:rPr lang="de-DE" sz="2400" dirty="0"/>
+                  <a:t>:</a:t>
+                </a:r>
+              </a:p>
+              <a:p>
+                <a:pPr marL="0" indent="0">
+                  <a:buNone/>
+                </a:pPr>
+                <a:r>
+                  <a:rPr lang="de-DE" sz="2400" dirty="0"/>
+                  <a:t>	</a:t>
+                </a:r>
+                <a14:m>
+                  <m:oMath xmlns:m="http://schemas.openxmlformats.org/officeDocument/2006/math">
+                    <m:r>
+                      <a:rPr lang="de-DE" sz="2400" i="1">
+                        <a:latin typeface="Cambria Math" panose="02040503050406030204" pitchFamily="18" charset="0"/>
+                        <a:ea typeface="Cambria Math" panose="02040503050406030204" pitchFamily="18" charset="0"/>
+                      </a:rPr>
+                      <m:t>𝑒</m:t>
+                    </m:r>
+                    <m:d>
+                      <m:dPr>
+                        <m:ctrlPr>
+                          <a:rPr lang="de-DE" sz="2400" i="1">
+                            <a:latin typeface="Cambria Math" panose="02040503050406030204" pitchFamily="18" charset="0"/>
+                            <a:ea typeface="Cambria Math" panose="02040503050406030204" pitchFamily="18" charset="0"/>
+                          </a:rPr>
+                        </m:ctrlPr>
+                      </m:dPr>
+                      <m:e>
+                        <m:r>
+                          <a:rPr lang="de-DE" sz="2400" i="1">
+                            <a:latin typeface="Cambria Math" panose="02040503050406030204" pitchFamily="18" charset="0"/>
+                            <a:ea typeface="Cambria Math" panose="02040503050406030204" pitchFamily="18" charset="0"/>
+                          </a:rPr>
+                          <m:t>𝑡</m:t>
+                        </m:r>
+                      </m:e>
+                    </m:d>
+                    <m:r>
+                      <a:rPr lang="de-DE" sz="2400" b="0" i="1" smtClean="0">
+                        <a:latin typeface="Cambria Math" panose="02040503050406030204" pitchFamily="18" charset="0"/>
+                        <a:ea typeface="Cambria Math" panose="02040503050406030204" pitchFamily="18" charset="0"/>
+                      </a:rPr>
+                      <m:t>=0 ⟹</m:t>
+                    </m:r>
+                    <m:r>
+                      <a:rPr lang="de-DE" sz="2400" i="1">
+                        <a:latin typeface="Cambria Math" panose="02040503050406030204" pitchFamily="18" charset="0"/>
+                      </a:rPr>
+                      <m:t>𝑢</m:t>
+                    </m:r>
+                    <m:d>
+                      <m:dPr>
+                        <m:ctrlPr>
+                          <a:rPr lang="de-DE" sz="2400" i="1">
+                            <a:latin typeface="Cambria Math" panose="02040503050406030204" pitchFamily="18" charset="0"/>
+                          </a:rPr>
+                        </m:ctrlPr>
+                      </m:dPr>
+                      <m:e>
+                        <m:r>
+                          <a:rPr lang="de-DE" sz="2400" i="1">
+                            <a:latin typeface="Cambria Math" panose="02040503050406030204" pitchFamily="18" charset="0"/>
+                          </a:rPr>
+                          <m:t>𝑡</m:t>
+                        </m:r>
+                      </m:e>
+                    </m:d>
+                    <m:r>
+                      <a:rPr lang="de-DE" sz="2400" i="1">
+                        <a:latin typeface="Cambria Math" panose="02040503050406030204" pitchFamily="18" charset="0"/>
+                      </a:rPr>
+                      <m:t>=</m:t>
+                    </m:r>
+                    <m:r>
+                      <a:rPr lang="de-DE" sz="2400" b="0" i="1" smtClean="0">
+                        <a:latin typeface="Cambria Math" panose="02040503050406030204" pitchFamily="18" charset="0"/>
+                      </a:rPr>
+                      <m:t>0</m:t>
+                    </m:r>
+                  </m:oMath>
+                </a14:m>
+                <a:endParaRPr lang="de-DE" sz="2400" dirty="0"/>
+              </a:p>
+              <a:p>
+                <a:pPr marL="0" indent="0">
+                  <a:buNone/>
+                </a:pPr>
+                <a:r>
+                  <a:rPr lang="de-DE" sz="2400" dirty="0">
+                    <a:sym typeface="Wingdings" pitchFamily="2" charset="2"/>
+                  </a:rPr>
+                  <a:t> </a:t>
+                </a:r>
+                <a14:m>
+                  <m:oMath xmlns:m="http://schemas.openxmlformats.org/officeDocument/2006/math">
+                    <m:r>
+                      <m:rPr>
+                        <m:sty m:val="p"/>
+                      </m:rPr>
+                      <a:rPr lang="de-DE" sz="2400" b="0" i="0" smtClean="0">
+                        <a:latin typeface="Cambria Math" panose="02040503050406030204" pitchFamily="18" charset="0"/>
+                        <a:ea typeface="Cambria Math" panose="02040503050406030204" pitchFamily="18" charset="0"/>
+                      </a:rPr>
+                      <m:t>y</m:t>
+                    </m:r>
+                    <m:d>
+                      <m:dPr>
+                        <m:ctrlPr>
+                          <a:rPr lang="de-DE" sz="2400" i="1">
+                            <a:latin typeface="Cambria Math" panose="02040503050406030204" pitchFamily="18" charset="0"/>
+                            <a:ea typeface="Cambria Math" panose="02040503050406030204" pitchFamily="18" charset="0"/>
+                          </a:rPr>
+                        </m:ctrlPr>
+                      </m:dPr>
+                      <m:e>
+                        <m:r>
+                          <a:rPr lang="de-DE" sz="2400" i="1">
+                            <a:latin typeface="Cambria Math" panose="02040503050406030204" pitchFamily="18" charset="0"/>
+                            <a:ea typeface="Cambria Math" panose="02040503050406030204" pitchFamily="18" charset="0"/>
+                          </a:rPr>
+                          <m:t>𝑡</m:t>
+                        </m:r>
+                      </m:e>
+                    </m:d>
+                  </m:oMath>
+                </a14:m>
+                <a:r>
+                  <a:rPr lang="de-DE" sz="2400" dirty="0"/>
+                  <a:t> </a:t>
+                </a:r>
+                <a:r>
+                  <a:rPr lang="de-DE" sz="2400" dirty="0" err="1"/>
+                  <a:t>settles</a:t>
+                </a:r>
+                <a:r>
+                  <a:rPr lang="de-DE" sz="2400" dirty="0"/>
+                  <a:t> at </a:t>
+                </a:r>
+                <a:r>
+                  <a:rPr lang="de-DE" sz="2400" dirty="0" err="1"/>
+                  <a:t>some</a:t>
+                </a:r>
+                <a:r>
+                  <a:rPr lang="de-DE" sz="2400" dirty="0"/>
+                  <a:t> </a:t>
+                </a:r>
+                <a:r>
+                  <a:rPr lang="de-DE" sz="2400" dirty="0" err="1"/>
+                  <a:t>error</a:t>
+                </a:r>
+                <a:r>
+                  <a:rPr lang="de-DE" sz="2400" dirty="0"/>
+                  <a:t>, just </a:t>
+                </a:r>
+                <a:r>
+                  <a:rPr lang="de-DE" sz="2400" dirty="0" err="1"/>
+                  <a:t>big</a:t>
+                </a:r>
+                <a:r>
+                  <a:rPr lang="de-DE" sz="2400" dirty="0"/>
+                  <a:t> </a:t>
+                </a:r>
+                <a:r>
+                  <a:rPr lang="de-DE" sz="2400" dirty="0" err="1"/>
+                  <a:t>enough</a:t>
+                </a:r>
+                <a:r>
+                  <a:rPr lang="de-DE" sz="2400" dirty="0"/>
+                  <a:t> </a:t>
+                </a:r>
+                <a:r>
+                  <a:rPr lang="de-DE" sz="2400" dirty="0" err="1"/>
+                  <a:t>to</a:t>
+                </a:r>
+                <a:r>
+                  <a:rPr lang="de-DE" sz="2400" dirty="0"/>
+                  <a:t> </a:t>
+                </a:r>
+                <a:r>
+                  <a:rPr lang="de-DE" sz="2400" dirty="0" err="1"/>
+                  <a:t>produce</a:t>
+                </a:r>
+                <a:r>
+                  <a:rPr lang="de-DE" sz="2400" dirty="0"/>
+                  <a:t> </a:t>
+                </a:r>
+                <a14:m>
+                  <m:oMath xmlns:m="http://schemas.openxmlformats.org/officeDocument/2006/math">
+                    <m:r>
+                      <a:rPr lang="de-DE" sz="2400" i="1">
+                        <a:latin typeface="Cambria Math" panose="02040503050406030204" pitchFamily="18" charset="0"/>
+                      </a:rPr>
+                      <m:t>𝑢</m:t>
+                    </m:r>
+                    <m:d>
+                      <m:dPr>
+                        <m:ctrlPr>
+                          <a:rPr lang="de-DE" sz="2400" i="1">
+                            <a:latin typeface="Cambria Math" panose="02040503050406030204" pitchFamily="18" charset="0"/>
+                          </a:rPr>
+                        </m:ctrlPr>
+                      </m:dPr>
+                      <m:e>
+                        <m:r>
+                          <a:rPr lang="de-DE" sz="2400" i="1">
+                            <a:latin typeface="Cambria Math" panose="02040503050406030204" pitchFamily="18" charset="0"/>
+                          </a:rPr>
+                          <m:t>𝑡</m:t>
+                        </m:r>
+                      </m:e>
+                    </m:d>
+                  </m:oMath>
+                </a14:m>
+                <a:r>
+                  <a:rPr lang="de-DE" sz="2400" dirty="0"/>
+                  <a:t> </a:t>
+                </a:r>
+                <a:r>
+                  <a:rPr lang="de-DE" sz="2400" dirty="0" err="1"/>
+                  <a:t>balancing</a:t>
+                </a:r>
+                <a:r>
+                  <a:rPr lang="de-DE" sz="2400" dirty="0"/>
+                  <a:t> </a:t>
+                </a:r>
+                <a:r>
+                  <a:rPr lang="de-DE" sz="2400" dirty="0" err="1"/>
+                  <a:t>the</a:t>
+                </a:r>
+                <a:r>
+                  <a:rPr lang="de-DE" sz="2400" dirty="0"/>
+                  <a:t> </a:t>
+                </a:r>
+                <a:r>
+                  <a:rPr lang="de-DE" sz="2400" dirty="0" err="1"/>
+                  <a:t>system</a:t>
+                </a:r>
+                <a:r>
+                  <a:rPr lang="de-DE" sz="2400" dirty="0"/>
+                  <a:t> </a:t>
+                </a:r>
+                <a:r>
+                  <a:rPr lang="de-DE" sz="2400" dirty="0" err="1"/>
+                  <a:t>dynamics</a:t>
+                </a:r>
+                <a:r>
+                  <a:rPr lang="de-DE" sz="2400" dirty="0"/>
+                  <a:t> (e.g., </a:t>
+                </a:r>
+                <a:r>
+                  <a:rPr lang="de-DE" sz="2400" dirty="0" err="1"/>
+                  <a:t>holding</a:t>
+                </a:r>
+                <a:r>
+                  <a:rPr lang="de-DE" sz="2400" dirty="0"/>
+                  <a:t> a </a:t>
+                </a:r>
+                <a:r>
+                  <a:rPr lang="de-DE" sz="2400" dirty="0" err="1"/>
+                  <a:t>mass</a:t>
+                </a:r>
+                <a:r>
+                  <a:rPr lang="de-DE" sz="2400" dirty="0"/>
+                  <a:t> </a:t>
+                </a:r>
+                <a:r>
+                  <a:rPr lang="de-DE" sz="2400" dirty="0" err="1"/>
+                  <a:t>up</a:t>
+                </a:r>
+                <a:r>
+                  <a:rPr lang="de-DE" sz="2400" dirty="0"/>
+                  <a:t>)</a:t>
+                </a:r>
+              </a:p>
+              <a:p>
+                <a:pPr marL="0" indent="0">
+                  <a:buNone/>
+                </a:pPr>
+                <a:endParaRPr lang="de-DE" sz="2600" dirty="0"/>
+              </a:p>
+            </p:txBody>
+          </p:sp>
+        </mc:Choice>
+        <mc:Fallback xmlns="">
+          <p:sp>
+            <p:nvSpPr>
+              <p:cNvPr id="3" name="Inhaltsplatzhalter 2">
+                <a:extLst>
+                  <a:ext uri="{FF2B5EF4-FFF2-40B4-BE49-F238E27FC236}">
+                    <a16:creationId xmlns:a16="http://schemas.microsoft.com/office/drawing/2014/main" id="{F6BACF97-F93A-1C13-3B25-2B3FA1DBF690}"/>
+                  </a:ext>
+                </a:extLst>
+              </p:cNvPr>
+              <p:cNvSpPr>
+                <a:spLocks noGrp="1" noRot="1" noChangeAspect="1" noMove="1" noResize="1" noEditPoints="1" noAdjustHandles="1" noChangeArrowheads="1" noChangeShapeType="1" noTextEdit="1"/>
+              </p:cNvSpPr>
+              <p:nvPr>
+                <p:ph idx="1"/>
+              </p:nvPr>
+            </p:nvSpPr>
+            <p:spPr>
+              <a:xfrm>
+                <a:off x="838200" y="1825625"/>
+                <a:ext cx="5340658" cy="4351338"/>
+              </a:xfrm>
+              <a:blipFill>
+                <a:blip r:embed="rId2"/>
+                <a:stretch>
+                  <a:fillRect l="-1425" t="-1453" b="-2035"/>
+                </a:stretch>
+              </a:blipFill>
+            </p:spPr>
+            <p:txBody>
+              <a:bodyPr/>
+              <a:lstStyle/>
+              <a:p>
+                <a:r>
+                  <a:rPr lang="de-DE">
+                    <a:noFill/>
+                  </a:rPr>
+                  <a:t> </a:t>
+                </a:r>
+              </a:p>
+            </p:txBody>
+          </p:sp>
+        </mc:Fallback>
+      </mc:AlternateContent>
+      <p:sp>
+        <p:nvSpPr>
+          <p:cNvPr id="4" name="Foliennummernplatzhalter 3">
+            <a:extLst>
+              <a:ext uri="{FF2B5EF4-FFF2-40B4-BE49-F238E27FC236}">
+                <a16:creationId xmlns:a16="http://schemas.microsoft.com/office/drawing/2014/main" id="{171ACAD8-8E38-4758-E235-265989259472}"/>
+              </a:ext>
+            </a:extLst>
+          </p:cNvPr>
+          <p:cNvSpPr>
+            <a:spLocks noGrp="1"/>
+          </p:cNvSpPr>
+          <p:nvPr>
+            <p:ph type="sldNum" sz="quarter" idx="12"/>
+          </p:nvPr>
+        </p:nvSpPr>
+        <p:spPr/>
+        <p:txBody>
+          <a:bodyPr/>
+          <a:lstStyle/>
+          <a:p>
+            <a:fld id="{08C366F5-AFAD-49CB-854A-9D9E238FCA13}" type="slidenum">
+              <a:rPr lang="en-GB" smtClean="0"/>
+              <a:t>9</a:t>
+            </a:fld>
+            <a:endParaRPr lang="en-GB"/>
+          </a:p>
+        </p:txBody>
+      </p:sp>
+      <p:pic>
+        <p:nvPicPr>
+          <p:cNvPr id="7" name="Grafik 6" descr="Ein Bild, das Text, Reihe, Diagramm, Schrift enthält.&#10;&#10;KI-generierte Inhalte können fehlerhaft sein.">
+            <a:extLst>
+              <a:ext uri="{FF2B5EF4-FFF2-40B4-BE49-F238E27FC236}">
+                <a16:creationId xmlns:a16="http://schemas.microsoft.com/office/drawing/2014/main" id="{4A591DAF-5270-3777-A952-5AE7B11627A4}"/>
+              </a:ext>
+            </a:extLst>
+          </p:cNvPr>
+          <p:cNvPicPr>
+            <a:picLocks noChangeAspect="1"/>
+          </p:cNvPicPr>
+          <p:nvPr/>
+        </p:nvPicPr>
+        <p:blipFill>
+          <a:blip r:embed="rId3">
+            <a:extLst>
+              <a:ext uri="{28A0092B-C50C-407E-A947-70E740481C1C}">
+                <a14:useLocalDpi xmlns:a14="http://schemas.microsoft.com/office/drawing/2010/main" val="0"/>
+              </a:ext>
+            </a:extLst>
+          </a:blip>
+          <a:stretch>
+            <a:fillRect/>
+          </a:stretch>
+        </p:blipFill>
+        <p:spPr>
+          <a:xfrm>
+            <a:off x="6022019" y="2303201"/>
+            <a:ext cx="6169981" cy="3396185"/>
+          </a:xfrm>
+          <a:prstGeom prst="rect">
+            <a:avLst/>
+          </a:prstGeom>
+        </p:spPr>
+      </p:pic>
+      <p:sp>
+        <p:nvSpPr>
+          <p:cNvPr id="8" name="Textfeld 7">
+            <a:extLst>
+              <a:ext uri="{FF2B5EF4-FFF2-40B4-BE49-F238E27FC236}">
+                <a16:creationId xmlns:a16="http://schemas.microsoft.com/office/drawing/2014/main" id="{20019603-2FA0-4378-BFE3-018D69ACC0BA}"/>
+              </a:ext>
+            </a:extLst>
+          </p:cNvPr>
+          <p:cNvSpPr txBox="1"/>
+          <p:nvPr/>
+        </p:nvSpPr>
+        <p:spPr>
+          <a:xfrm>
+            <a:off x="7830104" y="4376692"/>
+            <a:ext cx="2290439" cy="369332"/>
+          </a:xfrm>
+          <a:prstGeom prst="rect">
+            <a:avLst/>
+          </a:prstGeom>
+          <a:solidFill>
+            <a:schemeClr val="bg1"/>
+          </a:solidFill>
+        </p:spPr>
+        <p:txBody>
+          <a:bodyPr wrap="square" rtlCol="0">
+            <a:spAutoFit/>
+          </a:bodyPr>
+          <a:lstStyle/>
+          <a:p>
+            <a:r>
+              <a:rPr lang="de-DE" dirty="0" err="1"/>
+              <a:t>without</a:t>
+            </a:r>
+            <a:r>
+              <a:rPr lang="de-DE" dirty="0"/>
+              <a:t> </a:t>
+            </a:r>
+            <a:r>
+              <a:rPr lang="de-DE" dirty="0" err="1"/>
+              <a:t>controller</a:t>
+            </a:r>
+            <a:endParaRPr lang="de-DE" dirty="0"/>
+          </a:p>
+        </p:txBody>
+      </p:sp>
+      <p:sp>
+        <p:nvSpPr>
+          <p:cNvPr id="9" name="Textfeld 8">
+            <a:extLst>
+              <a:ext uri="{FF2B5EF4-FFF2-40B4-BE49-F238E27FC236}">
+                <a16:creationId xmlns:a16="http://schemas.microsoft.com/office/drawing/2014/main" id="{404EEB3A-95AE-A4FA-67B3-DEB07CACC454}"/>
+              </a:ext>
+            </a:extLst>
+          </p:cNvPr>
+          <p:cNvSpPr txBox="1"/>
+          <p:nvPr/>
+        </p:nvSpPr>
+        <p:spPr>
+          <a:xfrm>
+            <a:off x="7691761" y="2481308"/>
+            <a:ext cx="2290439" cy="369332"/>
+          </a:xfrm>
+          <a:prstGeom prst="rect">
+            <a:avLst/>
+          </a:prstGeom>
+          <a:solidFill>
+            <a:schemeClr val="bg1"/>
+          </a:solidFill>
+        </p:spPr>
+        <p:txBody>
+          <a:bodyPr wrap="square" rtlCol="0">
+            <a:spAutoFit/>
+          </a:bodyPr>
+          <a:lstStyle/>
+          <a:p>
+            <a:r>
+              <a:rPr lang="de-DE" dirty="0" err="1"/>
+              <a:t>with</a:t>
+            </a:r>
+            <a:r>
+              <a:rPr lang="de-DE" dirty="0"/>
+              <a:t> P </a:t>
+            </a:r>
+            <a:r>
+              <a:rPr lang="de-DE" dirty="0" err="1"/>
+              <a:t>controller</a:t>
+            </a:r>
+            <a:endParaRPr lang="de-DE" dirty="0"/>
+          </a:p>
+        </p:txBody>
+      </p:sp>
+      <p:sp>
+        <p:nvSpPr>
+          <p:cNvPr id="10" name="Textfeld 9">
+            <a:extLst>
+              <a:ext uri="{FF2B5EF4-FFF2-40B4-BE49-F238E27FC236}">
+                <a16:creationId xmlns:a16="http://schemas.microsoft.com/office/drawing/2014/main" id="{82A4C06A-8003-AC43-81C3-CFEE556CBE66}"/>
+              </a:ext>
+            </a:extLst>
+          </p:cNvPr>
+          <p:cNvSpPr txBox="1"/>
+          <p:nvPr/>
+        </p:nvSpPr>
+        <p:spPr>
+          <a:xfrm>
+            <a:off x="7242603" y="1349839"/>
+            <a:ext cx="1175002" cy="369332"/>
+          </a:xfrm>
+          <a:prstGeom prst="rect">
+            <a:avLst/>
+          </a:prstGeom>
+          <a:noFill/>
+        </p:spPr>
+        <p:txBody>
+          <a:bodyPr wrap="none" rtlCol="0">
+            <a:spAutoFit/>
+          </a:bodyPr>
+          <a:lstStyle/>
+          <a:p>
+            <a:r>
+              <a:rPr lang="de-DE" dirty="0" err="1"/>
+              <a:t>overshoot</a:t>
+            </a:r>
+            <a:endParaRPr lang="de-DE" dirty="0"/>
+          </a:p>
+        </p:txBody>
+      </p:sp>
+      <p:cxnSp>
+        <p:nvCxnSpPr>
+          <p:cNvPr id="12" name="Gerade Verbindung mit Pfeil 11">
+            <a:extLst>
+              <a:ext uri="{FF2B5EF4-FFF2-40B4-BE49-F238E27FC236}">
+                <a16:creationId xmlns:a16="http://schemas.microsoft.com/office/drawing/2014/main" id="{AB53C6BE-1647-2FB9-C5DD-1461424BEE03}"/>
+              </a:ext>
+            </a:extLst>
+          </p:cNvPr>
+          <p:cNvCxnSpPr>
+            <a:stCxn id="10" idx="2"/>
+          </p:cNvCxnSpPr>
+          <p:nvPr/>
+        </p:nvCxnSpPr>
+        <p:spPr>
+          <a:xfrm flipH="1">
+            <a:off x="7332955" y="1719171"/>
+            <a:ext cx="497149" cy="946803"/>
+          </a:xfrm>
+          <a:prstGeom prst="straightConnector1">
+            <a:avLst/>
+          </a:prstGeom>
+          <a:ln>
+            <a:tailEnd type="triangle"/>
+          </a:ln>
+        </p:spPr>
+        <p:style>
+          <a:lnRef idx="2">
+            <a:schemeClr val="accent1"/>
+          </a:lnRef>
+          <a:fillRef idx="0">
+            <a:schemeClr val="accent1"/>
+          </a:fillRef>
+          <a:effectRef idx="1">
+            <a:schemeClr val="accent1"/>
+          </a:effectRef>
+          <a:fontRef idx="minor">
+            <a:schemeClr val="tx1"/>
+          </a:fontRef>
+        </p:style>
+      </p:cxnSp>
+    </p:spTree>
+    <p:extLst>
+      <p:ext uri="{BB962C8B-B14F-4D97-AF65-F5344CB8AC3E}">
+        <p14:creationId xmlns:p14="http://schemas.microsoft.com/office/powerpoint/2010/main" val="1036577225"/>
       </p:ext>
     </p:extLst>
   </p:cSld>
